--- a/paper/figs/fig1.pptx
+++ b/paper/figs/fig1.pptx
@@ -8,6 +8,11 @@
     <p:sldId id="256" r:id="rId2"/>
     <p:sldId id="257" r:id="rId3"/>
     <p:sldId id="258" r:id="rId4"/>
+    <p:sldId id="259" r:id="rId5"/>
+    <p:sldId id="260" r:id="rId6"/>
+    <p:sldId id="261" r:id="rId7"/>
+    <p:sldId id="262" r:id="rId8"/>
+    <p:sldId id="263" r:id="rId9"/>
   </p:sldIdLst>
   <p:sldSz cx="12192000" cy="6858000"/>
   <p:notesSz cx="7772400" cy="10058400"/>
@@ -106,6 +111,11 @@
       </a:defRPr>
     </a:lvl9pPr>
   </p:defaultTextStyle>
+  <p:extLst>
+    <p:ext uri="{EFAFB233-063F-42B5-8137-9DF3F51BA10A}">
+      <p15:sldGuideLst xmlns:p15="http://schemas.microsoft.com/office/powerpoint/2012/main"/>
+    </p:ext>
+  </p:extLst>
 </p:presentation>
 </file>
 
@@ -5663,7 +5673,7 @@
         </p:nvGrpSpPr>
         <p:grpSpPr>
           <a:xfrm>
-            <a:off x="1615190" y="1639079"/>
+            <a:off x="3125492" y="2892526"/>
             <a:ext cx="1548360" cy="1600200"/>
             <a:chOff x="1600200" y="1828800"/>
             <a:chExt cx="1548360" cy="1600200"/>
@@ -5898,7 +5908,7 @@
         </p:nvSpPr>
         <p:spPr>
           <a:xfrm>
-            <a:off x="3217650" y="1899363"/>
+            <a:off x="4727952" y="3152810"/>
             <a:ext cx="311760" cy="360"/>
           </a:xfrm>
           <a:custGeom>
@@ -5960,7 +5970,7 @@
         </p:nvGrpSpPr>
         <p:grpSpPr>
           <a:xfrm>
-            <a:off x="1615190" y="682197"/>
+            <a:off x="3125492" y="1935644"/>
             <a:ext cx="1548360" cy="685800"/>
             <a:chOff x="1600200" y="685800"/>
             <a:chExt cx="1548360" cy="685800"/>
@@ -5985,7 +5995,7 @@
             </a:xfrm>
             <a:prstGeom prst="roundRect">
               <a:avLst>
-                <a:gd name="adj" fmla="val 16667"/>
+                <a:gd name="adj" fmla="val 31279"/>
               </a:avLst>
             </a:prstGeom>
             <a:noFill/>
@@ -6116,7 +6126,7 @@
         </p:nvSpPr>
         <p:spPr>
           <a:xfrm>
-            <a:off x="3217650" y="1028520"/>
+            <a:off x="4727952" y="2281967"/>
             <a:ext cx="311760" cy="360"/>
           </a:xfrm>
           <a:custGeom>
@@ -6178,7 +6188,7 @@
         </p:nvGrpSpPr>
         <p:grpSpPr>
           <a:xfrm>
-            <a:off x="3582645" y="682197"/>
+            <a:off x="5092947" y="1935644"/>
             <a:ext cx="1548360" cy="2149448"/>
             <a:chOff x="3605130" y="682197"/>
             <a:chExt cx="1548360" cy="2149448"/>
@@ -6383,7 +6393,7 @@
         </p:nvSpPr>
         <p:spPr>
           <a:xfrm>
-            <a:off x="5181316" y="1715397"/>
+            <a:off x="6691618" y="2968844"/>
             <a:ext cx="311760" cy="360"/>
           </a:xfrm>
           <a:custGeom>
@@ -6445,7 +6455,7 @@
         </p:nvGrpSpPr>
         <p:grpSpPr>
           <a:xfrm>
-            <a:off x="5535110" y="682197"/>
+            <a:off x="7045412" y="1943139"/>
             <a:ext cx="1710294" cy="2149808"/>
             <a:chOff x="5635136" y="1372677"/>
             <a:chExt cx="1710294" cy="2149808"/>
@@ -6748,6 +6758,8456 @@
 </p:sld>
 </file>
 
+<file path=ppt/slides/slide4.xml><?xml version="1.0" encoding="utf-8"?>
+<p:sld xmlns:a="http://schemas.openxmlformats.org/drawingml/2006/main" xmlns:r="http://schemas.openxmlformats.org/officeDocument/2006/relationships" xmlns:p="http://schemas.openxmlformats.org/presentationml/2006/main">
+  <p:cSld>
+    <p:spTree>
+      <p:nvGrpSpPr>
+        <p:cNvPr id="1" name="">
+          <a:extLst>
+            <a:ext uri="{FF2B5EF4-FFF2-40B4-BE49-F238E27FC236}">
+              <a16:creationId xmlns:a16="http://schemas.microsoft.com/office/drawing/2014/main" id="{72DEDC8B-F5D4-38AF-FF92-484F01181A0E}"/>
+            </a:ext>
+          </a:extLst>
+        </p:cNvPr>
+        <p:cNvGrpSpPr/>
+        <p:nvPr/>
+      </p:nvGrpSpPr>
+      <p:grpSpPr>
+        <a:xfrm>
+          <a:off x="0" y="0"/>
+          <a:ext cx="0" cy="0"/>
+          <a:chOff x="0" y="0"/>
+          <a:chExt cx="0" cy="0"/>
+        </a:xfrm>
+      </p:grpSpPr>
+      <p:grpSp>
+        <p:nvGrpSpPr>
+          <p:cNvPr id="10" name="Group 9">
+            <a:extLst>
+              <a:ext uri="{FF2B5EF4-FFF2-40B4-BE49-F238E27FC236}">
+                <a16:creationId xmlns:a16="http://schemas.microsoft.com/office/drawing/2014/main" id="{1F41B27F-6BCE-D441-8DE8-03458ED5B486}"/>
+              </a:ext>
+            </a:extLst>
+          </p:cNvPr>
+          <p:cNvGrpSpPr/>
+          <p:nvPr/>
+        </p:nvGrpSpPr>
+        <p:grpSpPr>
+          <a:xfrm>
+            <a:off x="3378089" y="3037460"/>
+            <a:ext cx="1011605" cy="1475822"/>
+            <a:chOff x="3312631" y="3025574"/>
+            <a:chExt cx="1174081" cy="1712855"/>
+          </a:xfrm>
+        </p:grpSpPr>
+        <p:pic>
+          <p:nvPicPr>
+            <p:cNvPr id="70" name="Picture 2">
+              <a:extLst>
+                <a:ext uri="{FF2B5EF4-FFF2-40B4-BE49-F238E27FC236}">
+                  <a16:creationId xmlns:a16="http://schemas.microsoft.com/office/drawing/2014/main" id="{C2E79030-200E-37B0-6D30-AC9B65869514}"/>
+                </a:ext>
+              </a:extLst>
+            </p:cNvPr>
+            <p:cNvPicPr/>
+            <p:nvPr/>
+          </p:nvPicPr>
+          <p:blipFill>
+            <a:blip r:embed="rId2"/>
+            <a:stretch/>
+          </p:blipFill>
+          <p:spPr>
+            <a:xfrm>
+              <a:off x="3380602" y="3025574"/>
+              <a:ext cx="1054800" cy="1050480"/>
+            </a:xfrm>
+            <a:prstGeom prst="rect">
+              <a:avLst/>
+            </a:prstGeom>
+            <a:ln w="0">
+              <a:noFill/>
+            </a:ln>
+          </p:spPr>
+        </p:pic>
+        <p:sp>
+          <p:nvSpPr>
+            <p:cNvPr id="71" name="TextBox 1">
+              <a:extLst>
+                <a:ext uri="{FF2B5EF4-FFF2-40B4-BE49-F238E27FC236}">
+                  <a16:creationId xmlns:a16="http://schemas.microsoft.com/office/drawing/2014/main" id="{E8D4549D-D7BF-B44F-65D8-DDD72662341B}"/>
+                </a:ext>
+              </a:extLst>
+            </p:cNvPr>
+            <p:cNvSpPr/>
+            <p:nvPr/>
+          </p:nvSpPr>
+          <p:spPr>
+            <a:xfrm>
+              <a:off x="3312631" y="4093553"/>
+              <a:ext cx="1174081" cy="644876"/>
+            </a:xfrm>
+            <a:prstGeom prst="rect">
+              <a:avLst/>
+            </a:prstGeom>
+            <a:noFill/>
+            <a:ln w="0">
+              <a:noFill/>
+            </a:ln>
+          </p:spPr>
+          <p:style>
+            <a:lnRef idx="0">
+              <a:scrgbClr r="0" g="0" b="0"/>
+            </a:lnRef>
+            <a:fillRef idx="0">
+              <a:scrgbClr r="0" g="0" b="0"/>
+            </a:fillRef>
+            <a:effectRef idx="0">
+              <a:scrgbClr r="0" g="0" b="0"/>
+            </a:effectRef>
+            <a:fontRef idx="minor"/>
+          </p:style>
+          <p:txBody>
+            <a:bodyPr wrap="none" lIns="90000" tIns="45000" rIns="90000" bIns="45000" anchor="t">
+              <a:spAutoFit/>
+            </a:bodyPr>
+            <a:lstStyle/>
+            <a:p>
+              <a:pPr algn="ctr">
+                <a:lnSpc>
+                  <a:spcPct val="100000"/>
+                </a:lnSpc>
+                <a:buNone/>
+              </a:pPr>
+              <a:r>
+                <a:rPr lang="en-US" sz="1800" b="1" strike="noStrike" spc="-1" dirty="0">
+                  <a:solidFill>
+                    <a:srgbClr val="000000"/>
+                  </a:solidFill>
+                  <a:latin typeface="Aptos"/>
+                </a:rPr>
+                <a:t>Context</a:t>
+              </a:r>
+              <a:br>
+                <a:rPr lang="en-US" sz="1800" b="1" strike="noStrike" spc="-1" dirty="0">
+                  <a:solidFill>
+                    <a:srgbClr val="000000"/>
+                  </a:solidFill>
+                  <a:latin typeface="Aptos"/>
+                </a:rPr>
+              </a:br>
+              <a:r>
+                <a:rPr lang="en-US" sz="1800" b="1" strike="noStrike" spc="-1" dirty="0">
+                  <a:solidFill>
+                    <a:srgbClr val="000000"/>
+                  </a:solidFill>
+                  <a:latin typeface="Aptos"/>
+                </a:rPr>
+                <a:t>Document</a:t>
+              </a:r>
+              <a:endParaRPr lang="en-US" sz="1800" b="0" strike="noStrike" spc="-1" dirty="0">
+                <a:latin typeface="Arial"/>
+              </a:endParaRPr>
+            </a:p>
+          </p:txBody>
+        </p:sp>
+      </p:grpSp>
+      <p:sp>
+        <p:nvSpPr>
+          <p:cNvPr id="79" name="TextBox 3">
+            <a:extLst>
+              <a:ext uri="{FF2B5EF4-FFF2-40B4-BE49-F238E27FC236}">
+                <a16:creationId xmlns:a16="http://schemas.microsoft.com/office/drawing/2014/main" id="{E5EE5830-32B0-CD30-AFD2-D3A3BDD0C4DE}"/>
+              </a:ext>
+            </a:extLst>
+          </p:cNvPr>
+          <p:cNvSpPr/>
+          <p:nvPr/>
+        </p:nvSpPr>
+        <p:spPr>
+          <a:xfrm>
+            <a:off x="2943198" y="2432674"/>
+            <a:ext cx="1912945" cy="292674"/>
+          </a:xfrm>
+          <a:prstGeom prst="rect">
+            <a:avLst/>
+          </a:prstGeom>
+          <a:noFill/>
+          <a:ln w="0">
+            <a:noFill/>
+          </a:ln>
+        </p:spPr>
+        <p:style>
+          <a:lnRef idx="0">
+            <a:scrgbClr r="0" g="0" b="0"/>
+          </a:lnRef>
+          <a:fillRef idx="0">
+            <a:scrgbClr r="0" g="0" b="0"/>
+          </a:fillRef>
+          <a:effectRef idx="0">
+            <a:scrgbClr r="0" g="0" b="0"/>
+          </a:effectRef>
+          <a:fontRef idx="minor"/>
+        </p:style>
+        <p:txBody>
+          <a:bodyPr wrap="square" lIns="90000" tIns="45000" rIns="90000" bIns="45000" anchor="t">
+            <a:spAutoFit/>
+          </a:bodyPr>
+          <a:lstStyle/>
+          <a:p>
+            <a:pPr algn="ctr">
+              <a:lnSpc>
+                <a:spcPct val="100000"/>
+              </a:lnSpc>
+              <a:buNone/>
+            </a:pPr>
+            <a:r>
+              <a:rPr lang="en-US" sz="1800" b="1" strike="noStrike" spc="-1" dirty="0">
+                <a:solidFill>
+                  <a:srgbClr val="000000"/>
+                </a:solidFill>
+                <a:latin typeface="Aptos"/>
+              </a:rPr>
+              <a:t>User Query</a:t>
+            </a:r>
+            <a:endParaRPr lang="en-US" sz="1800" b="0" strike="noStrike" spc="-1" dirty="0">
+              <a:latin typeface="Arial"/>
+            </a:endParaRPr>
+          </a:p>
+        </p:txBody>
+      </p:sp>
+      <p:grpSp>
+        <p:nvGrpSpPr>
+          <p:cNvPr id="5" name="Group 4">
+            <a:extLst>
+              <a:ext uri="{FF2B5EF4-FFF2-40B4-BE49-F238E27FC236}">
+                <a16:creationId xmlns:a16="http://schemas.microsoft.com/office/drawing/2014/main" id="{98C43603-59DC-82D5-3F11-C8A2C18765C5}"/>
+              </a:ext>
+            </a:extLst>
+          </p:cNvPr>
+          <p:cNvGrpSpPr/>
+          <p:nvPr/>
+        </p:nvGrpSpPr>
+        <p:grpSpPr>
+          <a:xfrm>
+            <a:off x="8568756" y="3241311"/>
+            <a:ext cx="777024" cy="861656"/>
+            <a:chOff x="5725856" y="1954767"/>
+            <a:chExt cx="1404720" cy="1557720"/>
+          </a:xfrm>
+        </p:grpSpPr>
+        <p:pic>
+          <p:nvPicPr>
+            <p:cNvPr id="86" name="Picture 5">
+              <a:extLst>
+                <a:ext uri="{FF2B5EF4-FFF2-40B4-BE49-F238E27FC236}">
+                  <a16:creationId xmlns:a16="http://schemas.microsoft.com/office/drawing/2014/main" id="{BF5CF862-F65B-6182-DFA5-4C09203B12F0}"/>
+                </a:ext>
+              </a:extLst>
+            </p:cNvPr>
+            <p:cNvPicPr/>
+            <p:nvPr/>
+          </p:nvPicPr>
+          <p:blipFill>
+            <a:blip r:embed="rId3"/>
+            <a:srcRect l="82457" t="79726" r="3204" b="3660"/>
+            <a:stretch/>
+          </p:blipFill>
+          <p:spPr>
+            <a:xfrm>
+              <a:off x="5903876" y="1954767"/>
+              <a:ext cx="1048680" cy="919440"/>
+            </a:xfrm>
+            <a:prstGeom prst="rect">
+              <a:avLst/>
+            </a:prstGeom>
+            <a:ln w="0">
+              <a:noFill/>
+            </a:ln>
+          </p:spPr>
+        </p:pic>
+        <p:sp>
+          <p:nvSpPr>
+            <p:cNvPr id="88" name="TextBox 4">
+              <a:extLst>
+                <a:ext uri="{FF2B5EF4-FFF2-40B4-BE49-F238E27FC236}">
+                  <a16:creationId xmlns:a16="http://schemas.microsoft.com/office/drawing/2014/main" id="{0C45D2A2-4C65-EF4A-5CFF-2FFB415D7DE0}"/>
+                </a:ext>
+              </a:extLst>
+            </p:cNvPr>
+            <p:cNvSpPr/>
+            <p:nvPr/>
+          </p:nvSpPr>
+          <p:spPr>
+            <a:xfrm>
+              <a:off x="5725856" y="2874207"/>
+              <a:ext cx="1404720" cy="638280"/>
+            </a:xfrm>
+            <a:prstGeom prst="rect">
+              <a:avLst/>
+            </a:prstGeom>
+            <a:noFill/>
+            <a:ln w="0">
+              <a:noFill/>
+            </a:ln>
+          </p:spPr>
+          <p:style>
+            <a:lnRef idx="0">
+              <a:scrgbClr r="0" g="0" b="0"/>
+            </a:lnRef>
+            <a:fillRef idx="0">
+              <a:scrgbClr r="0" g="0" b="0"/>
+            </a:fillRef>
+            <a:effectRef idx="0">
+              <a:scrgbClr r="0" g="0" b="0"/>
+            </a:effectRef>
+            <a:fontRef idx="minor"/>
+          </p:style>
+          <p:txBody>
+            <a:bodyPr wrap="none" lIns="90000" tIns="45000" rIns="90000" bIns="45000" anchor="t">
+              <a:spAutoFit/>
+            </a:bodyPr>
+            <a:lstStyle/>
+            <a:p>
+              <a:pPr algn="ctr">
+                <a:lnSpc>
+                  <a:spcPct val="100000"/>
+                </a:lnSpc>
+                <a:buNone/>
+              </a:pPr>
+              <a:r>
+                <a:rPr lang="en-US" sz="1800" b="1" strike="noStrike" spc="-1" dirty="0">
+                  <a:solidFill>
+                    <a:srgbClr val="000000"/>
+                  </a:solidFill>
+                  <a:latin typeface="Aptos"/>
+                </a:rPr>
+                <a:t>Improved</a:t>
+              </a:r>
+              <a:endParaRPr lang="en-US" sz="1800" b="0" strike="noStrike" spc="-1" dirty="0">
+                <a:latin typeface="Arial"/>
+              </a:endParaRPr>
+            </a:p>
+            <a:p>
+              <a:pPr algn="ctr">
+                <a:lnSpc>
+                  <a:spcPct val="100000"/>
+                </a:lnSpc>
+                <a:buNone/>
+              </a:pPr>
+              <a:r>
+                <a:rPr lang="en-US" sz="1800" b="1" strike="noStrike" spc="-1" dirty="0">
+                  <a:solidFill>
+                    <a:srgbClr val="000000"/>
+                  </a:solidFill>
+                  <a:latin typeface="Aptos"/>
+                </a:rPr>
+                <a:t>Accuracy</a:t>
+              </a:r>
+              <a:endParaRPr lang="en-US" sz="1800" b="0" strike="noStrike" spc="-1" dirty="0">
+                <a:latin typeface="Arial"/>
+              </a:endParaRPr>
+            </a:p>
+          </p:txBody>
+        </p:sp>
+      </p:grpSp>
+      <p:pic>
+        <p:nvPicPr>
+          <p:cNvPr id="33" name="Picture 32">
+            <a:extLst>
+              <a:ext uri="{FF2B5EF4-FFF2-40B4-BE49-F238E27FC236}">
+                <a16:creationId xmlns:a16="http://schemas.microsoft.com/office/drawing/2014/main" id="{15EF872C-D110-4041-BCD5-EF0D5AC7E18C}"/>
+              </a:ext>
+            </a:extLst>
+          </p:cNvPr>
+          <p:cNvPicPr>
+            <a:picLocks noChangeAspect="1"/>
+          </p:cNvPicPr>
+          <p:nvPr/>
+        </p:nvPicPr>
+        <p:blipFill>
+          <a:blip r:embed="rId4"/>
+          <a:srcRect l="33649" t="42246" r="55406" b="44575"/>
+          <a:stretch>
+            <a:fillRect/>
+          </a:stretch>
+        </p:blipFill>
+        <p:spPr>
+          <a:xfrm>
+            <a:off x="3628892" y="2004236"/>
+            <a:ext cx="511062" cy="478379"/>
+          </a:xfrm>
+          <a:prstGeom prst="rect">
+            <a:avLst/>
+          </a:prstGeom>
+          <a:ln w="0">
+            <a:noFill/>
+          </a:ln>
+        </p:spPr>
+      </p:pic>
+      <p:grpSp>
+        <p:nvGrpSpPr>
+          <p:cNvPr id="17" name="Group 16">
+            <a:extLst>
+              <a:ext uri="{FF2B5EF4-FFF2-40B4-BE49-F238E27FC236}">
+                <a16:creationId xmlns:a16="http://schemas.microsoft.com/office/drawing/2014/main" id="{F8865646-2902-614E-8A1F-25DC18C6E5D2}"/>
+              </a:ext>
+            </a:extLst>
+          </p:cNvPr>
+          <p:cNvGrpSpPr/>
+          <p:nvPr/>
+        </p:nvGrpSpPr>
+        <p:grpSpPr>
+          <a:xfrm>
+            <a:off x="4480413" y="2268148"/>
+            <a:ext cx="723615" cy="1910152"/>
+            <a:chOff x="4291765" y="2268148"/>
+            <a:chExt cx="1018498" cy="1910152"/>
+          </a:xfrm>
+        </p:grpSpPr>
+        <p:cxnSp>
+          <p:nvCxnSpPr>
+            <p:cNvPr id="13" name="Curved Connector 12">
+              <a:extLst>
+                <a:ext uri="{FF2B5EF4-FFF2-40B4-BE49-F238E27FC236}">
+                  <a16:creationId xmlns:a16="http://schemas.microsoft.com/office/drawing/2014/main" id="{BBE2880D-E14A-0F42-8329-D89CCFD1F605}"/>
+                </a:ext>
+              </a:extLst>
+            </p:cNvPr>
+            <p:cNvCxnSpPr>
+              <a:cxnSpLocks/>
+            </p:cNvCxnSpPr>
+            <p:nvPr/>
+          </p:nvCxnSpPr>
+          <p:spPr>
+            <a:xfrm>
+              <a:off x="4395863" y="2268148"/>
+              <a:ext cx="914400" cy="914400"/>
+            </a:xfrm>
+            <a:prstGeom prst="curvedConnector3">
+              <a:avLst/>
+            </a:prstGeom>
+            <a:noFill/>
+            <a:ln w="34925">
+              <a:solidFill>
+                <a:srgbClr val="000000"/>
+              </a:solidFill>
+              <a:tailEnd type="none" w="med" len="med"/>
+            </a:ln>
+            <a:effectLst/>
+          </p:spPr>
+          <p:style>
+            <a:lnRef idx="2">
+              <a:schemeClr val="accent1"/>
+            </a:lnRef>
+            <a:fillRef idx="0">
+              <a:schemeClr val="accent1"/>
+            </a:fillRef>
+            <a:effectRef idx="1">
+              <a:schemeClr val="accent1"/>
+            </a:effectRef>
+            <a:fontRef idx="minor"/>
+          </p:style>
+        </p:cxnSp>
+        <p:cxnSp>
+          <p:nvCxnSpPr>
+            <p:cNvPr id="38" name="Curved Connector 37">
+              <a:extLst>
+                <a:ext uri="{FF2B5EF4-FFF2-40B4-BE49-F238E27FC236}">
+                  <a16:creationId xmlns:a16="http://schemas.microsoft.com/office/drawing/2014/main" id="{61134866-D093-C044-A818-F07E97CE0CBD}"/>
+                </a:ext>
+              </a:extLst>
+            </p:cNvPr>
+            <p:cNvCxnSpPr>
+              <a:cxnSpLocks/>
+            </p:cNvCxnSpPr>
+            <p:nvPr/>
+          </p:nvCxnSpPr>
+          <p:spPr>
+            <a:xfrm flipV="1">
+              <a:off x="4291765" y="3182548"/>
+              <a:ext cx="1018498" cy="995752"/>
+            </a:xfrm>
+            <a:prstGeom prst="curvedConnector3">
+              <a:avLst/>
+            </a:prstGeom>
+            <a:noFill/>
+            <a:ln w="34925">
+              <a:solidFill>
+                <a:srgbClr val="000000"/>
+              </a:solidFill>
+              <a:tailEnd type="none" w="med" len="med"/>
+            </a:ln>
+            <a:effectLst/>
+          </p:spPr>
+          <p:style>
+            <a:lnRef idx="2">
+              <a:schemeClr val="accent1"/>
+            </a:lnRef>
+            <a:fillRef idx="0">
+              <a:schemeClr val="accent1"/>
+            </a:fillRef>
+            <a:effectRef idx="1">
+              <a:schemeClr val="accent1"/>
+            </a:effectRef>
+            <a:fontRef idx="minor"/>
+          </p:style>
+        </p:cxnSp>
+      </p:grpSp>
+      <p:cxnSp>
+        <p:nvCxnSpPr>
+          <p:cNvPr id="48" name="Straight Arrow Connector 47">
+            <a:extLst>
+              <a:ext uri="{FF2B5EF4-FFF2-40B4-BE49-F238E27FC236}">
+                <a16:creationId xmlns:a16="http://schemas.microsoft.com/office/drawing/2014/main" id="{45B55CD3-1577-9341-8760-545CAA78BED6}"/>
+              </a:ext>
+            </a:extLst>
+          </p:cNvPr>
+          <p:cNvCxnSpPr>
+            <a:cxnSpLocks/>
+          </p:cNvCxnSpPr>
+          <p:nvPr/>
+        </p:nvCxnSpPr>
+        <p:spPr>
+          <a:xfrm flipV="1">
+            <a:off x="5253051" y="3181062"/>
+            <a:ext cx="40170" cy="901"/>
+          </a:xfrm>
+          <a:prstGeom prst="straightConnector1">
+            <a:avLst/>
+          </a:prstGeom>
+          <a:noFill/>
+          <a:ln w="34925">
+            <a:solidFill>
+              <a:srgbClr val="000000"/>
+            </a:solidFill>
+            <a:tailEnd type="triangle" w="med" len="med"/>
+          </a:ln>
+          <a:effectLst/>
+        </p:spPr>
+        <p:style>
+          <a:lnRef idx="2">
+            <a:schemeClr val="accent1"/>
+          </a:lnRef>
+          <a:fillRef idx="0">
+            <a:schemeClr val="accent1"/>
+          </a:fillRef>
+          <a:effectRef idx="1">
+            <a:schemeClr val="accent1"/>
+          </a:effectRef>
+          <a:fontRef idx="minor"/>
+        </p:style>
+      </p:cxnSp>
+      <p:grpSp>
+        <p:nvGrpSpPr>
+          <p:cNvPr id="27" name="Group 26">
+            <a:extLst>
+              <a:ext uri="{FF2B5EF4-FFF2-40B4-BE49-F238E27FC236}">
+                <a16:creationId xmlns:a16="http://schemas.microsoft.com/office/drawing/2014/main" id="{B83D466A-10F5-B540-8F10-20C2F88EDE6A}"/>
+              </a:ext>
+            </a:extLst>
+          </p:cNvPr>
+          <p:cNvGrpSpPr/>
+          <p:nvPr/>
+        </p:nvGrpSpPr>
+        <p:grpSpPr>
+          <a:xfrm>
+            <a:off x="5115334" y="2278544"/>
+            <a:ext cx="2329904" cy="2083776"/>
+            <a:chOff x="5249669" y="2278544"/>
+            <a:chExt cx="2329904" cy="2083776"/>
+          </a:xfrm>
+        </p:grpSpPr>
+        <p:grpSp>
+          <p:nvGrpSpPr>
+            <p:cNvPr id="25" name="Group 24">
+              <a:extLst>
+                <a:ext uri="{FF2B5EF4-FFF2-40B4-BE49-F238E27FC236}">
+                  <a16:creationId xmlns:a16="http://schemas.microsoft.com/office/drawing/2014/main" id="{481C166C-89F1-C344-A760-D49CD6937326}"/>
+                </a:ext>
+              </a:extLst>
+            </p:cNvPr>
+            <p:cNvGrpSpPr/>
+            <p:nvPr/>
+          </p:nvGrpSpPr>
+          <p:grpSpPr>
+            <a:xfrm>
+              <a:off x="5249669" y="2278544"/>
+              <a:ext cx="1565150" cy="1925586"/>
+              <a:chOff x="5307053" y="2253912"/>
+              <a:chExt cx="1565150" cy="1925586"/>
+            </a:xfrm>
+          </p:grpSpPr>
+          <p:sp>
+            <p:nvSpPr>
+              <p:cNvPr id="76" name="TextBox 2">
+                <a:extLst>
+                  <a:ext uri="{FF2B5EF4-FFF2-40B4-BE49-F238E27FC236}">
+                    <a16:creationId xmlns:a16="http://schemas.microsoft.com/office/drawing/2014/main" id="{BCDC65EC-C1C2-A7E5-9B56-63C723B9039F}"/>
+                  </a:ext>
+                </a:extLst>
+              </p:cNvPr>
+              <p:cNvSpPr/>
+              <p:nvPr/>
+            </p:nvSpPr>
+            <p:spPr>
+              <a:xfrm>
+                <a:off x="5307053" y="3257622"/>
+                <a:ext cx="1565150" cy="921876"/>
+              </a:xfrm>
+              <a:prstGeom prst="rect">
+                <a:avLst/>
+              </a:prstGeom>
+              <a:noFill/>
+              <a:ln w="0">
+                <a:noFill/>
+              </a:ln>
+            </p:spPr>
+            <p:style>
+              <a:lnRef idx="0">
+                <a:scrgbClr r="0" g="0" b="0"/>
+              </a:lnRef>
+              <a:fillRef idx="0">
+                <a:scrgbClr r="0" g="0" b="0"/>
+              </a:fillRef>
+              <a:effectRef idx="0">
+                <a:scrgbClr r="0" g="0" b="0"/>
+              </a:effectRef>
+              <a:fontRef idx="minor"/>
+            </p:style>
+            <p:txBody>
+              <a:bodyPr wrap="none" lIns="90000" tIns="45000" rIns="90000" bIns="45000" anchor="t">
+                <a:spAutoFit/>
+              </a:bodyPr>
+              <a:lstStyle/>
+              <a:p>
+                <a:pPr algn="ctr">
+                  <a:lnSpc>
+                    <a:spcPct val="100000"/>
+                  </a:lnSpc>
+                  <a:buNone/>
+                </a:pPr>
+                <a:r>
+                  <a:rPr lang="en-US" sz="1800" b="1" strike="noStrike" spc="-1" dirty="0">
+                    <a:solidFill>
+                      <a:srgbClr val="000000"/>
+                    </a:solidFill>
+                    <a:latin typeface="Aptos"/>
+                  </a:rPr>
+                  <a:t>Contextually</a:t>
+                </a:r>
+                <a:endParaRPr lang="en-US" sz="1800" b="0" strike="noStrike" spc="-1" dirty="0">
+                  <a:latin typeface="Arial"/>
+                </a:endParaRPr>
+              </a:p>
+              <a:p>
+                <a:pPr algn="ctr">
+                  <a:lnSpc>
+                    <a:spcPct val="100000"/>
+                  </a:lnSpc>
+                  <a:buNone/>
+                </a:pPr>
+                <a:r>
+                  <a:rPr lang="en-US" sz="1800" b="1" strike="noStrike" spc="-1" dirty="0">
+                    <a:solidFill>
+                      <a:srgbClr val="000000"/>
+                    </a:solidFill>
+                    <a:latin typeface="Aptos"/>
+                  </a:rPr>
+                  <a:t>Grounded</a:t>
+                </a:r>
+              </a:p>
+              <a:p>
+                <a:pPr algn="ctr">
+                  <a:lnSpc>
+                    <a:spcPct val="100000"/>
+                  </a:lnSpc>
+                  <a:buNone/>
+                </a:pPr>
+                <a:r>
+                  <a:rPr lang="en-US" sz="1800" b="1" strike="noStrike" spc="-1" dirty="0">
+                    <a:solidFill>
+                      <a:srgbClr val="000000"/>
+                    </a:solidFill>
+                    <a:latin typeface="Aptos"/>
+                  </a:rPr>
+                  <a:t>Query Rewrite</a:t>
+                </a:r>
+                <a:endParaRPr lang="en-US" sz="1800" b="0" strike="noStrike" spc="-1" dirty="0">
+                  <a:latin typeface="Arial"/>
+                </a:endParaRPr>
+              </a:p>
+            </p:txBody>
+          </p:sp>
+          <p:pic>
+            <p:nvPicPr>
+              <p:cNvPr id="81" name="Picture 80">
+                <a:extLst>
+                  <a:ext uri="{FF2B5EF4-FFF2-40B4-BE49-F238E27FC236}">
+                    <a16:creationId xmlns:a16="http://schemas.microsoft.com/office/drawing/2014/main" id="{06E052F7-59DC-4EA0-81F8-6D073CAEAE5E}"/>
+                  </a:ext>
+                </a:extLst>
+              </p:cNvPr>
+              <p:cNvPicPr/>
+              <p:nvPr/>
+            </p:nvPicPr>
+            <p:blipFill>
+              <a:blip r:embed="rId5"/>
+              <a:srcRect l="39057" t="28094" r="38296" b="28573"/>
+              <a:stretch>
+                <a:fillRect/>
+              </a:stretch>
+            </p:blipFill>
+            <p:spPr>
+              <a:xfrm>
+                <a:off x="5687919" y="2253912"/>
+                <a:ext cx="713425" cy="1061172"/>
+              </a:xfrm>
+              <a:prstGeom prst="rect">
+                <a:avLst/>
+              </a:prstGeom>
+              <a:ln w="0">
+                <a:noFill/>
+              </a:ln>
+            </p:spPr>
+          </p:pic>
+        </p:grpSp>
+        <p:sp>
+          <p:nvSpPr>
+            <p:cNvPr id="56" name="Rectangle 55">
+              <a:extLst>
+                <a:ext uri="{FF2B5EF4-FFF2-40B4-BE49-F238E27FC236}">
+                  <a16:creationId xmlns:a16="http://schemas.microsoft.com/office/drawing/2014/main" id="{84B3978B-7C7B-BD47-A533-FBB93B622FE2}"/>
+                </a:ext>
+              </a:extLst>
+            </p:cNvPr>
+            <p:cNvSpPr/>
+            <p:nvPr/>
+          </p:nvSpPr>
+          <p:spPr>
+            <a:xfrm>
+              <a:off x="5820672" y="2927350"/>
+              <a:ext cx="313428" cy="253712"/>
+            </a:xfrm>
+            <a:prstGeom prst="rect">
+              <a:avLst/>
+            </a:prstGeom>
+            <a:solidFill>
+              <a:schemeClr val="bg1"/>
+            </a:solidFill>
+            <a:ln>
+              <a:noFill/>
+            </a:ln>
+          </p:spPr>
+          <p:style>
+            <a:lnRef idx="2">
+              <a:schemeClr val="accent1">
+                <a:shade val="50000"/>
+              </a:schemeClr>
+            </a:lnRef>
+            <a:fillRef idx="1">
+              <a:schemeClr val="accent1"/>
+            </a:fillRef>
+            <a:effectRef idx="0">
+              <a:schemeClr val="accent1"/>
+            </a:effectRef>
+            <a:fontRef idx="minor">
+              <a:schemeClr val="lt1"/>
+            </a:fontRef>
+          </p:style>
+          <p:txBody>
+            <a:bodyPr rtlCol="0" anchor="ctr"/>
+            <a:lstStyle/>
+            <a:p>
+              <a:pPr algn="ctr"/>
+              <a:endParaRPr lang="en-US"/>
+            </a:p>
+          </p:txBody>
+        </p:sp>
+        <p:sp>
+          <p:nvSpPr>
+            <p:cNvPr id="90" name="Rectangle 89">
+              <a:extLst>
+                <a:ext uri="{FF2B5EF4-FFF2-40B4-BE49-F238E27FC236}">
+                  <a16:creationId xmlns:a16="http://schemas.microsoft.com/office/drawing/2014/main" id="{D97B73FB-693D-1848-8214-EFD0E8233EF5}"/>
+                </a:ext>
+              </a:extLst>
+            </p:cNvPr>
+            <p:cNvSpPr/>
+            <p:nvPr/>
+          </p:nvSpPr>
+          <p:spPr>
+            <a:xfrm>
+              <a:off x="7266145" y="4108608"/>
+              <a:ext cx="313428" cy="253712"/>
+            </a:xfrm>
+            <a:prstGeom prst="rect">
+              <a:avLst/>
+            </a:prstGeom>
+            <a:solidFill>
+              <a:schemeClr val="bg1"/>
+            </a:solidFill>
+            <a:ln>
+              <a:noFill/>
+            </a:ln>
+          </p:spPr>
+          <p:style>
+            <a:lnRef idx="2">
+              <a:schemeClr val="accent1">
+                <a:shade val="50000"/>
+              </a:schemeClr>
+            </a:lnRef>
+            <a:fillRef idx="1">
+              <a:schemeClr val="accent1"/>
+            </a:fillRef>
+            <a:effectRef idx="0">
+              <a:schemeClr val="accent1"/>
+            </a:effectRef>
+            <a:fontRef idx="minor">
+              <a:schemeClr val="lt1"/>
+            </a:fontRef>
+          </p:style>
+          <p:txBody>
+            <a:bodyPr rtlCol="0" anchor="ctr"/>
+            <a:lstStyle/>
+            <a:p>
+              <a:pPr algn="ctr"/>
+              <a:endParaRPr lang="en-US"/>
+            </a:p>
+          </p:txBody>
+        </p:sp>
+      </p:grpSp>
+      <p:grpSp>
+        <p:nvGrpSpPr>
+          <p:cNvPr id="34" name="Group 33">
+            <a:extLst>
+              <a:ext uri="{FF2B5EF4-FFF2-40B4-BE49-F238E27FC236}">
+                <a16:creationId xmlns:a16="http://schemas.microsoft.com/office/drawing/2014/main" id="{A93B4F98-92AB-AD48-A37E-A835AFF5A614}"/>
+              </a:ext>
+            </a:extLst>
+          </p:cNvPr>
+          <p:cNvGrpSpPr/>
+          <p:nvPr/>
+        </p:nvGrpSpPr>
+        <p:grpSpPr>
+          <a:xfrm>
+            <a:off x="6804673" y="2188828"/>
+            <a:ext cx="1050202" cy="1073040"/>
+            <a:chOff x="7028369" y="2502245"/>
+            <a:chExt cx="1050202" cy="1073040"/>
+          </a:xfrm>
+        </p:grpSpPr>
+        <p:pic>
+          <p:nvPicPr>
+            <p:cNvPr id="52" name="Picture 51">
+              <a:extLst>
+                <a:ext uri="{FF2B5EF4-FFF2-40B4-BE49-F238E27FC236}">
+                  <a16:creationId xmlns:a16="http://schemas.microsoft.com/office/drawing/2014/main" id="{40821653-C769-6943-BF01-3F560E6A8827}"/>
+                </a:ext>
+              </a:extLst>
+            </p:cNvPr>
+            <p:cNvPicPr>
+              <a:picLocks noChangeAspect="1"/>
+            </p:cNvPicPr>
+            <p:nvPr/>
+          </p:nvPicPr>
+          <p:blipFill>
+            <a:blip r:embed="rId4"/>
+            <a:srcRect l="33649" t="42246" r="55406" b="44575"/>
+            <a:stretch>
+              <a:fillRect/>
+            </a:stretch>
+          </p:blipFill>
+          <p:spPr>
+            <a:xfrm>
+              <a:off x="7258580" y="2502245"/>
+              <a:ext cx="511062" cy="478379"/>
+            </a:xfrm>
+            <a:prstGeom prst="rect">
+              <a:avLst/>
+            </a:prstGeom>
+            <a:ln w="0">
+              <a:noFill/>
+            </a:ln>
+          </p:spPr>
+        </p:pic>
+        <p:sp>
+          <p:nvSpPr>
+            <p:cNvPr id="26" name="Rectangle 25">
+              <a:extLst>
+                <a:ext uri="{FF2B5EF4-FFF2-40B4-BE49-F238E27FC236}">
+                  <a16:creationId xmlns:a16="http://schemas.microsoft.com/office/drawing/2014/main" id="{81E25098-88B1-454B-9C62-8C1F5432C7C9}"/>
+                </a:ext>
+              </a:extLst>
+            </p:cNvPr>
+            <p:cNvSpPr/>
+            <p:nvPr/>
+          </p:nvSpPr>
+          <p:spPr>
+            <a:xfrm>
+              <a:off x="7410791" y="2597684"/>
+              <a:ext cx="202859" cy="221716"/>
+            </a:xfrm>
+            <a:prstGeom prst="rect">
+              <a:avLst/>
+            </a:prstGeom>
+            <a:solidFill>
+              <a:schemeClr val="bg1"/>
+            </a:solidFill>
+            <a:ln>
+              <a:noFill/>
+            </a:ln>
+          </p:spPr>
+          <p:style>
+            <a:lnRef idx="2">
+              <a:schemeClr val="accent1">
+                <a:shade val="50000"/>
+              </a:schemeClr>
+            </a:lnRef>
+            <a:fillRef idx="1">
+              <a:schemeClr val="accent1"/>
+            </a:fillRef>
+            <a:effectRef idx="0">
+              <a:schemeClr val="accent1"/>
+            </a:effectRef>
+            <a:fontRef idx="minor">
+              <a:schemeClr val="lt1"/>
+            </a:fontRef>
+          </p:style>
+          <p:txBody>
+            <a:bodyPr rtlCol="0" anchor="ctr"/>
+            <a:lstStyle/>
+            <a:p>
+              <a:pPr algn="ctr"/>
+              <a:endParaRPr lang="en-US"/>
+            </a:p>
+          </p:txBody>
+        </p:sp>
+        <p:pic>
+          <p:nvPicPr>
+            <p:cNvPr id="53" name="Picture 52">
+              <a:extLst>
+                <a:ext uri="{FF2B5EF4-FFF2-40B4-BE49-F238E27FC236}">
+                  <a16:creationId xmlns:a16="http://schemas.microsoft.com/office/drawing/2014/main" id="{67C99A77-1607-0341-8163-E5730F3A64F2}"/>
+                </a:ext>
+              </a:extLst>
+            </p:cNvPr>
+            <p:cNvPicPr>
+              <a:picLocks noChangeAspect="1"/>
+            </p:cNvPicPr>
+            <p:nvPr/>
+          </p:nvPicPr>
+          <p:blipFill rotWithShape="1">
+            <a:blip r:embed="rId4"/>
+            <a:srcRect l="37338" t="44465" r="58718" b="48705"/>
+            <a:stretch/>
+          </p:blipFill>
+          <p:spPr>
+            <a:xfrm>
+              <a:off x="7369320" y="2584288"/>
+              <a:ext cx="184150" cy="247939"/>
+            </a:xfrm>
+            <a:prstGeom prst="rect">
+              <a:avLst/>
+            </a:prstGeom>
+            <a:ln w="0">
+              <a:noFill/>
+            </a:ln>
+          </p:spPr>
+        </p:pic>
+        <p:sp>
+          <p:nvSpPr>
+            <p:cNvPr id="59" name="TextBox 2">
+              <a:extLst>
+                <a:ext uri="{FF2B5EF4-FFF2-40B4-BE49-F238E27FC236}">
+                  <a16:creationId xmlns:a16="http://schemas.microsoft.com/office/drawing/2014/main" id="{DF6277D8-EA64-CF4A-A809-4541ECB30FC8}"/>
+                </a:ext>
+              </a:extLst>
+            </p:cNvPr>
+            <p:cNvSpPr/>
+            <p:nvPr/>
+          </p:nvSpPr>
+          <p:spPr>
+            <a:xfrm>
+              <a:off x="7453023" y="2517734"/>
+              <a:ext cx="297046" cy="367878"/>
+            </a:xfrm>
+            <a:prstGeom prst="rect">
+              <a:avLst/>
+            </a:prstGeom>
+            <a:noFill/>
+            <a:ln w="0">
+              <a:noFill/>
+            </a:ln>
+          </p:spPr>
+          <p:style>
+            <a:lnRef idx="0">
+              <a:scrgbClr r="0" g="0" b="0"/>
+            </a:lnRef>
+            <a:fillRef idx="0">
+              <a:scrgbClr r="0" g="0" b="0"/>
+            </a:fillRef>
+            <a:effectRef idx="0">
+              <a:scrgbClr r="0" g="0" b="0"/>
+            </a:effectRef>
+            <a:fontRef idx="minor"/>
+          </p:style>
+          <p:txBody>
+            <a:bodyPr wrap="none" lIns="90000" tIns="45000" rIns="90000" bIns="45000" anchor="t">
+              <a:spAutoFit/>
+            </a:bodyPr>
+            <a:lstStyle/>
+            <a:p>
+              <a:pPr algn="ctr">
+                <a:lnSpc>
+                  <a:spcPct val="100000"/>
+                </a:lnSpc>
+                <a:buNone/>
+              </a:pPr>
+              <a:r>
+                <a:rPr lang="en-US" sz="1800" b="1" strike="noStrike" spc="-1" dirty="0">
+                  <a:solidFill>
+                    <a:srgbClr val="000000"/>
+                  </a:solidFill>
+                  <a:latin typeface="Aptos"/>
+                </a:rPr>
+                <a:t>+</a:t>
+              </a:r>
+              <a:endParaRPr lang="en-US" sz="1800" b="0" strike="noStrike" spc="-1" dirty="0">
+                <a:latin typeface="Arial"/>
+              </a:endParaRPr>
+            </a:p>
+          </p:txBody>
+        </p:sp>
+        <p:sp>
+          <p:nvSpPr>
+            <p:cNvPr id="60" name="TextBox 2">
+              <a:extLst>
+                <a:ext uri="{FF2B5EF4-FFF2-40B4-BE49-F238E27FC236}">
+                  <a16:creationId xmlns:a16="http://schemas.microsoft.com/office/drawing/2014/main" id="{0A6D4CE1-9A97-374E-A4E8-B2CC92F57695}"/>
+                </a:ext>
+              </a:extLst>
+            </p:cNvPr>
+            <p:cNvSpPr/>
+            <p:nvPr/>
+          </p:nvSpPr>
+          <p:spPr>
+            <a:xfrm>
+              <a:off x="7028369" y="2930408"/>
+              <a:ext cx="1050202" cy="644877"/>
+            </a:xfrm>
+            <a:prstGeom prst="rect">
+              <a:avLst/>
+            </a:prstGeom>
+            <a:noFill/>
+            <a:ln w="0">
+              <a:noFill/>
+            </a:ln>
+          </p:spPr>
+          <p:style>
+            <a:lnRef idx="0">
+              <a:scrgbClr r="0" g="0" b="0"/>
+            </a:lnRef>
+            <a:fillRef idx="0">
+              <a:scrgbClr r="0" g="0" b="0"/>
+            </a:fillRef>
+            <a:effectRef idx="0">
+              <a:scrgbClr r="0" g="0" b="0"/>
+            </a:effectRef>
+            <a:fontRef idx="minor"/>
+          </p:style>
+          <p:txBody>
+            <a:bodyPr wrap="none" lIns="90000" tIns="45000" rIns="90000" bIns="45000" anchor="t">
+              <a:spAutoFit/>
+            </a:bodyPr>
+            <a:lstStyle/>
+            <a:p>
+              <a:pPr algn="ctr">
+                <a:lnSpc>
+                  <a:spcPct val="100000"/>
+                </a:lnSpc>
+                <a:buNone/>
+              </a:pPr>
+              <a:r>
+                <a:rPr lang="en-US" sz="1800" b="1" strike="noStrike" spc="-1" dirty="0">
+                  <a:solidFill>
+                    <a:srgbClr val="000000"/>
+                  </a:solidFill>
+                  <a:latin typeface="Aptos"/>
+                </a:rPr>
+                <a:t>Refined</a:t>
+              </a:r>
+              <a:br>
+                <a:rPr lang="en-US" sz="1800" b="1" strike="noStrike" spc="-1" dirty="0">
+                  <a:solidFill>
+                    <a:srgbClr val="000000"/>
+                  </a:solidFill>
+                  <a:latin typeface="Aptos"/>
+                </a:rPr>
+              </a:br>
+              <a:r>
+                <a:rPr lang="en-US" sz="1800" b="1" strike="noStrike" spc="-1" dirty="0">
+                  <a:solidFill>
+                    <a:srgbClr val="000000"/>
+                  </a:solidFill>
+                  <a:latin typeface="Aptos"/>
+                </a:rPr>
+                <a:t>Questio</a:t>
+              </a:r>
+              <a:r>
+                <a:rPr lang="en-US" b="1" spc="-1" dirty="0">
+                  <a:solidFill>
+                    <a:srgbClr val="000000"/>
+                  </a:solidFill>
+                  <a:latin typeface="Aptos"/>
+                </a:rPr>
+                <a:t>n</a:t>
+              </a:r>
+              <a:endParaRPr lang="en-US" sz="1800" b="0" strike="noStrike" spc="-1" dirty="0">
+                <a:latin typeface="Arial"/>
+              </a:endParaRPr>
+            </a:p>
+          </p:txBody>
+        </p:sp>
+      </p:grpSp>
+      <p:sp>
+        <p:nvSpPr>
+          <p:cNvPr id="63" name="Straight Arrow Connector 3">
+            <a:extLst>
+              <a:ext uri="{FF2B5EF4-FFF2-40B4-BE49-F238E27FC236}">
+                <a16:creationId xmlns:a16="http://schemas.microsoft.com/office/drawing/2014/main" id="{3F246962-1B8C-024D-8B35-BC37A5D47D08}"/>
+              </a:ext>
+            </a:extLst>
+          </p:cNvPr>
+          <p:cNvSpPr/>
+          <p:nvPr/>
+        </p:nvSpPr>
+        <p:spPr>
+          <a:xfrm flipV="1">
+            <a:off x="7822134" y="3005654"/>
+            <a:ext cx="635736" cy="736753"/>
+          </a:xfrm>
+          <a:custGeom>
+            <a:avLst/>
+            <a:gdLst/>
+            <a:ahLst/>
+            <a:cxnLst/>
+            <a:rect l="l" t="t" r="r" b="b"/>
+            <a:pathLst>
+              <a:path w="21600" h="21600">
+                <a:moveTo>
+                  <a:pt x="0" y="0"/>
+                </a:moveTo>
+                <a:lnTo>
+                  <a:pt x="21600" y="21600"/>
+                </a:lnTo>
+              </a:path>
+            </a:pathLst>
+          </a:custGeom>
+          <a:noFill/>
+          <a:ln w="34925">
+            <a:solidFill>
+              <a:srgbClr val="000000"/>
+            </a:solidFill>
+            <a:tailEnd type="triangle" w="med" len="med"/>
+          </a:ln>
+          <a:effectLst/>
+        </p:spPr>
+        <p:style>
+          <a:lnRef idx="2">
+            <a:schemeClr val="accent1"/>
+          </a:lnRef>
+          <a:fillRef idx="0">
+            <a:schemeClr val="accent1"/>
+          </a:fillRef>
+          <a:effectRef idx="1">
+            <a:schemeClr val="accent1"/>
+          </a:effectRef>
+          <a:fontRef idx="minor"/>
+        </p:style>
+        <p:txBody>
+          <a:bodyPr/>
+          <a:lstStyle/>
+          <a:p>
+            <a:endParaRPr lang="en-US"/>
+          </a:p>
+        </p:txBody>
+      </p:sp>
+      <p:sp>
+        <p:nvSpPr>
+          <p:cNvPr id="73" name="Straight Arrow Connector 3">
+            <a:extLst>
+              <a:ext uri="{FF2B5EF4-FFF2-40B4-BE49-F238E27FC236}">
+                <a16:creationId xmlns:a16="http://schemas.microsoft.com/office/drawing/2014/main" id="{4098D01C-3D46-1848-AD26-33AD060B9366}"/>
+              </a:ext>
+            </a:extLst>
+          </p:cNvPr>
+          <p:cNvSpPr/>
+          <p:nvPr/>
+        </p:nvSpPr>
+        <p:spPr>
+          <a:xfrm flipV="1">
+            <a:off x="6293328" y="2418163"/>
+            <a:ext cx="681376" cy="461245"/>
+          </a:xfrm>
+          <a:custGeom>
+            <a:avLst/>
+            <a:gdLst/>
+            <a:ahLst/>
+            <a:cxnLst/>
+            <a:rect l="l" t="t" r="r" b="b"/>
+            <a:pathLst>
+              <a:path w="21600" h="21600">
+                <a:moveTo>
+                  <a:pt x="0" y="0"/>
+                </a:moveTo>
+                <a:lnTo>
+                  <a:pt x="21600" y="21600"/>
+                </a:lnTo>
+              </a:path>
+            </a:pathLst>
+          </a:custGeom>
+          <a:noFill/>
+          <a:ln w="34925">
+            <a:solidFill>
+              <a:srgbClr val="000000"/>
+            </a:solidFill>
+            <a:tailEnd type="triangle" w="med" len="med"/>
+          </a:ln>
+          <a:effectLst/>
+        </p:spPr>
+        <p:style>
+          <a:lnRef idx="2">
+            <a:schemeClr val="accent1"/>
+          </a:lnRef>
+          <a:fillRef idx="0">
+            <a:schemeClr val="accent1"/>
+          </a:fillRef>
+          <a:effectRef idx="1">
+            <a:schemeClr val="accent1"/>
+          </a:effectRef>
+          <a:fontRef idx="minor"/>
+        </p:style>
+        <p:txBody>
+          <a:bodyPr/>
+          <a:lstStyle/>
+          <a:p>
+            <a:endParaRPr lang="en-US"/>
+          </a:p>
+        </p:txBody>
+      </p:sp>
+      <p:sp>
+        <p:nvSpPr>
+          <p:cNvPr id="91" name="TextBox 2">
+            <a:extLst>
+              <a:ext uri="{FF2B5EF4-FFF2-40B4-BE49-F238E27FC236}">
+                <a16:creationId xmlns:a16="http://schemas.microsoft.com/office/drawing/2014/main" id="{F003BD02-2021-1E49-98A9-4AA0FAFCB92C}"/>
+              </a:ext>
+            </a:extLst>
+          </p:cNvPr>
+          <p:cNvSpPr/>
+          <p:nvPr/>
+        </p:nvSpPr>
+        <p:spPr>
+          <a:xfrm>
+            <a:off x="5607332" y="2901159"/>
+            <a:ext cx="505180" cy="306323"/>
+          </a:xfrm>
+          <a:prstGeom prst="rect">
+            <a:avLst/>
+          </a:prstGeom>
+          <a:noFill/>
+          <a:ln w="0">
+            <a:noFill/>
+          </a:ln>
+        </p:spPr>
+        <p:style>
+          <a:lnRef idx="0">
+            <a:scrgbClr r="0" g="0" b="0"/>
+          </a:lnRef>
+          <a:fillRef idx="0">
+            <a:scrgbClr r="0" g="0" b="0"/>
+          </a:fillRef>
+          <a:effectRef idx="0">
+            <a:scrgbClr r="0" g="0" b="0"/>
+          </a:effectRef>
+          <a:fontRef idx="minor"/>
+        </p:style>
+        <p:txBody>
+          <a:bodyPr wrap="none" lIns="90000" tIns="45000" rIns="90000" bIns="45000" anchor="t">
+            <a:spAutoFit/>
+          </a:bodyPr>
+          <a:lstStyle/>
+          <a:p>
+            <a:pPr algn="ctr">
+              <a:lnSpc>
+                <a:spcPct val="100000"/>
+              </a:lnSpc>
+              <a:buNone/>
+            </a:pPr>
+            <a:r>
+              <a:rPr lang="en-US" sz="1400" b="1" strike="noStrike" spc="-1" dirty="0">
+                <a:solidFill>
+                  <a:srgbClr val="000000"/>
+                </a:solidFill>
+                <a:latin typeface="Aptos"/>
+              </a:rPr>
+              <a:t>LM1</a:t>
+            </a:r>
+            <a:endParaRPr lang="en-US" sz="1400" b="0" strike="noStrike" spc="-1" dirty="0">
+              <a:latin typeface="Arial"/>
+            </a:endParaRPr>
+          </a:p>
+        </p:txBody>
+      </p:sp>
+      <p:grpSp>
+        <p:nvGrpSpPr>
+          <p:cNvPr id="49" name="Group 48">
+            <a:extLst>
+              <a:ext uri="{FF2B5EF4-FFF2-40B4-BE49-F238E27FC236}">
+                <a16:creationId xmlns:a16="http://schemas.microsoft.com/office/drawing/2014/main" id="{510DA6AC-724E-6C49-8914-CFA878D0BE2C}"/>
+              </a:ext>
+            </a:extLst>
+          </p:cNvPr>
+          <p:cNvGrpSpPr/>
+          <p:nvPr/>
+        </p:nvGrpSpPr>
+        <p:grpSpPr>
+          <a:xfrm>
+            <a:off x="6710402" y="3623704"/>
+            <a:ext cx="1216688" cy="1083208"/>
+            <a:chOff x="6644988" y="5005073"/>
+            <a:chExt cx="1309274" cy="1165637"/>
+          </a:xfrm>
+        </p:grpSpPr>
+        <p:sp>
+          <p:nvSpPr>
+            <p:cNvPr id="92" name="TextBox 2">
+              <a:extLst>
+                <a:ext uri="{FF2B5EF4-FFF2-40B4-BE49-F238E27FC236}">
+                  <a16:creationId xmlns:a16="http://schemas.microsoft.com/office/drawing/2014/main" id="{4FC63024-0CEF-6040-84B6-F5D549772D8F}"/>
+                </a:ext>
+              </a:extLst>
+            </p:cNvPr>
+            <p:cNvSpPr/>
+            <p:nvPr/>
+          </p:nvSpPr>
+          <p:spPr>
+            <a:xfrm>
+              <a:off x="6955548" y="5587892"/>
+              <a:ext cx="699180" cy="423958"/>
+            </a:xfrm>
+            <a:prstGeom prst="rect">
+              <a:avLst/>
+            </a:prstGeom>
+            <a:noFill/>
+            <a:ln w="0">
+              <a:noFill/>
+            </a:ln>
+          </p:spPr>
+          <p:style>
+            <a:lnRef idx="0">
+              <a:scrgbClr r="0" g="0" b="0"/>
+            </a:lnRef>
+            <a:fillRef idx="0">
+              <a:scrgbClr r="0" g="0" b="0"/>
+            </a:fillRef>
+            <a:effectRef idx="0">
+              <a:scrgbClr r="0" g="0" b="0"/>
+            </a:effectRef>
+            <a:fontRef idx="minor"/>
+          </p:style>
+          <p:txBody>
+            <a:bodyPr wrap="none" lIns="90000" tIns="45000" rIns="90000" bIns="45000" anchor="t">
+              <a:spAutoFit/>
+            </a:bodyPr>
+            <a:lstStyle/>
+            <a:p>
+              <a:pPr algn="ctr">
+                <a:lnSpc>
+                  <a:spcPct val="100000"/>
+                </a:lnSpc>
+                <a:buNone/>
+              </a:pPr>
+              <a:r>
+                <a:rPr lang="en-US" sz="1400" b="1" strike="noStrike" spc="-1" dirty="0">
+                  <a:solidFill>
+                    <a:srgbClr val="000000"/>
+                  </a:solidFill>
+                  <a:latin typeface="Aptos"/>
+                </a:rPr>
+                <a:t>LM2</a:t>
+              </a:r>
+              <a:endParaRPr lang="en-US" sz="1400" b="0" strike="noStrike" spc="-1" dirty="0">
+                <a:latin typeface="Arial"/>
+              </a:endParaRPr>
+            </a:p>
+          </p:txBody>
+        </p:sp>
+        <p:grpSp>
+          <p:nvGrpSpPr>
+            <p:cNvPr id="47" name="Group 46">
+              <a:extLst>
+                <a:ext uri="{FF2B5EF4-FFF2-40B4-BE49-F238E27FC236}">
+                  <a16:creationId xmlns:a16="http://schemas.microsoft.com/office/drawing/2014/main" id="{EA846DB1-25BE-CC4A-A650-855A232DE362}"/>
+                </a:ext>
+              </a:extLst>
+            </p:cNvPr>
+            <p:cNvGrpSpPr/>
+            <p:nvPr/>
+          </p:nvGrpSpPr>
+          <p:grpSpPr>
+            <a:xfrm>
+              <a:off x="6644988" y="5005073"/>
+              <a:ext cx="1309274" cy="1165637"/>
+              <a:chOff x="6650503" y="4958543"/>
+              <a:chExt cx="1309274" cy="1165637"/>
+            </a:xfrm>
+          </p:grpSpPr>
+          <p:pic>
+            <p:nvPicPr>
+              <p:cNvPr id="89" name="Picture 88">
+                <a:extLst>
+                  <a:ext uri="{FF2B5EF4-FFF2-40B4-BE49-F238E27FC236}">
+                    <a16:creationId xmlns:a16="http://schemas.microsoft.com/office/drawing/2014/main" id="{D2E4CD89-4292-6642-A4EC-43B3606063FB}"/>
+                  </a:ext>
+                </a:extLst>
+              </p:cNvPr>
+              <p:cNvPicPr/>
+              <p:nvPr/>
+            </p:nvPicPr>
+            <p:blipFill rotWithShape="1">
+              <a:blip r:embed="rId5"/>
+              <a:srcRect l="43494" t="40092" r="42944" b="50420"/>
+              <a:stretch/>
+            </p:blipFill>
+            <p:spPr>
+              <a:xfrm>
+                <a:off x="7066996" y="5076720"/>
+                <a:ext cx="476287" cy="259032"/>
+              </a:xfrm>
+              <a:prstGeom prst="rect">
+                <a:avLst/>
+              </a:prstGeom>
+              <a:ln w="0">
+                <a:noFill/>
+              </a:ln>
+            </p:spPr>
+          </p:pic>
+          <p:pic>
+            <p:nvPicPr>
+              <p:cNvPr id="93" name="Picture 92">
+                <a:extLst>
+                  <a:ext uri="{FF2B5EF4-FFF2-40B4-BE49-F238E27FC236}">
+                    <a16:creationId xmlns:a16="http://schemas.microsoft.com/office/drawing/2014/main" id="{9A188E54-481F-D547-B77F-A3AF3AA2DF16}"/>
+                  </a:ext>
+                </a:extLst>
+              </p:cNvPr>
+              <p:cNvPicPr>
+                <a:picLocks noChangeAspect="1"/>
+              </p:cNvPicPr>
+              <p:nvPr/>
+            </p:nvPicPr>
+            <p:blipFill rotWithShape="1">
+              <a:blip r:embed="rId6"/>
+              <a:srcRect t="69807"/>
+              <a:stretch/>
+            </p:blipFill>
+            <p:spPr>
+              <a:xfrm>
+                <a:off x="6650503" y="5728878"/>
+                <a:ext cx="1309274" cy="395302"/>
+              </a:xfrm>
+              <a:prstGeom prst="rect">
+                <a:avLst/>
+              </a:prstGeom>
+            </p:spPr>
+          </p:pic>
+          <p:pic>
+            <p:nvPicPr>
+              <p:cNvPr id="39" name="Picture 38">
+                <a:extLst>
+                  <a:ext uri="{FF2B5EF4-FFF2-40B4-BE49-F238E27FC236}">
+                    <a16:creationId xmlns:a16="http://schemas.microsoft.com/office/drawing/2014/main" id="{239726E7-88C0-6E40-8F98-751195243BCB}"/>
+                  </a:ext>
+                </a:extLst>
+              </p:cNvPr>
+              <p:cNvPicPr>
+                <a:picLocks noChangeAspect="1"/>
+              </p:cNvPicPr>
+              <p:nvPr/>
+            </p:nvPicPr>
+            <p:blipFill rotWithShape="1">
+              <a:blip r:embed="rId6"/>
+              <a:srcRect t="19723" b="19723"/>
+              <a:stretch/>
+            </p:blipFill>
+            <p:spPr>
+              <a:xfrm>
+                <a:off x="6650503" y="4958543"/>
+                <a:ext cx="1309274" cy="792819"/>
+              </a:xfrm>
+              <a:prstGeom prst="rect">
+                <a:avLst/>
+              </a:prstGeom>
+            </p:spPr>
+          </p:pic>
+        </p:grpSp>
+      </p:grpSp>
+      <p:cxnSp>
+        <p:nvCxnSpPr>
+          <p:cNvPr id="54" name="Straight Arrow Connector 53">
+            <a:extLst>
+              <a:ext uri="{FF2B5EF4-FFF2-40B4-BE49-F238E27FC236}">
+                <a16:creationId xmlns:a16="http://schemas.microsoft.com/office/drawing/2014/main" id="{8120A5A7-0DDD-AF4F-826A-F6382F35C2D7}"/>
+              </a:ext>
+            </a:extLst>
+          </p:cNvPr>
+          <p:cNvCxnSpPr>
+            <a:cxnSpLocks/>
+          </p:cNvCxnSpPr>
+          <p:nvPr/>
+        </p:nvCxnSpPr>
+        <p:spPr>
+          <a:xfrm>
+            <a:off x="7314784" y="3284353"/>
+            <a:ext cx="0" cy="275811"/>
+          </a:xfrm>
+          <a:prstGeom prst="straightConnector1">
+            <a:avLst/>
+          </a:prstGeom>
+          <a:noFill/>
+          <a:ln w="34925">
+            <a:solidFill>
+              <a:srgbClr val="000000"/>
+            </a:solidFill>
+            <a:tailEnd type="triangle" w="med" len="med"/>
+          </a:ln>
+          <a:effectLst/>
+        </p:spPr>
+        <p:style>
+          <a:lnRef idx="2">
+            <a:schemeClr val="accent1"/>
+          </a:lnRef>
+          <a:fillRef idx="0">
+            <a:schemeClr val="accent1"/>
+          </a:fillRef>
+          <a:effectRef idx="1">
+            <a:schemeClr val="accent1"/>
+          </a:effectRef>
+          <a:fontRef idx="minor"/>
+        </p:style>
+      </p:cxnSp>
+      <p:pic>
+        <p:nvPicPr>
+          <p:cNvPr id="58" name="Picture 57">
+            <a:extLst>
+              <a:ext uri="{FF2B5EF4-FFF2-40B4-BE49-F238E27FC236}">
+                <a16:creationId xmlns:a16="http://schemas.microsoft.com/office/drawing/2014/main" id="{BDFF5101-C4F1-8743-9FE1-A22F855ECE4C}"/>
+              </a:ext>
+            </a:extLst>
+          </p:cNvPr>
+          <p:cNvPicPr>
+            <a:picLocks noChangeAspect="1"/>
+          </p:cNvPicPr>
+          <p:nvPr/>
+        </p:nvPicPr>
+        <p:blipFill rotWithShape="1">
+          <a:blip r:embed="rId7"/>
+          <a:srcRect l="23752" t="27486" r="24704" b="22496"/>
+          <a:stretch/>
+        </p:blipFill>
+        <p:spPr>
+          <a:xfrm>
+            <a:off x="8759910" y="2337012"/>
+            <a:ext cx="480032" cy="465830"/>
+          </a:xfrm>
+          <a:prstGeom prst="rect">
+            <a:avLst/>
+          </a:prstGeom>
+        </p:spPr>
+      </p:pic>
+      <p:sp>
+        <p:nvSpPr>
+          <p:cNvPr id="95" name="TextBox 4">
+            <a:extLst>
+              <a:ext uri="{FF2B5EF4-FFF2-40B4-BE49-F238E27FC236}">
+                <a16:creationId xmlns:a16="http://schemas.microsoft.com/office/drawing/2014/main" id="{52B351E2-0A2D-AB45-A767-C7D847E869A8}"/>
+              </a:ext>
+            </a:extLst>
+          </p:cNvPr>
+          <p:cNvSpPr/>
+          <p:nvPr/>
+        </p:nvSpPr>
+        <p:spPr>
+          <a:xfrm>
+            <a:off x="8500523" y="2735736"/>
+            <a:ext cx="1091046" cy="367878"/>
+          </a:xfrm>
+          <a:prstGeom prst="rect">
+            <a:avLst/>
+          </a:prstGeom>
+          <a:noFill/>
+          <a:ln w="0">
+            <a:noFill/>
+          </a:ln>
+        </p:spPr>
+        <p:style>
+          <a:lnRef idx="0">
+            <a:scrgbClr r="0" g="0" b="0"/>
+          </a:lnRef>
+          <a:fillRef idx="0">
+            <a:scrgbClr r="0" g="0" b="0"/>
+          </a:fillRef>
+          <a:effectRef idx="0">
+            <a:scrgbClr r="0" g="0" b="0"/>
+          </a:effectRef>
+          <a:fontRef idx="minor"/>
+        </p:style>
+        <p:txBody>
+          <a:bodyPr wrap="none" lIns="90000" tIns="45000" rIns="90000" bIns="45000" anchor="t">
+            <a:spAutoFit/>
+          </a:bodyPr>
+          <a:lstStyle/>
+          <a:p>
+            <a:pPr algn="ctr">
+              <a:lnSpc>
+                <a:spcPct val="100000"/>
+              </a:lnSpc>
+              <a:buNone/>
+            </a:pPr>
+            <a:r>
+              <a:rPr lang="en-US" sz="1800" b="1" strike="noStrike" spc="-1" dirty="0">
+                <a:solidFill>
+                  <a:srgbClr val="000000"/>
+                </a:solidFill>
+                <a:latin typeface="Aptos"/>
+              </a:rPr>
+              <a:t>Response</a:t>
+            </a:r>
+            <a:endParaRPr lang="en-US" sz="1800" b="0" strike="noStrike" spc="-1" dirty="0">
+              <a:latin typeface="Arial"/>
+            </a:endParaRPr>
+          </a:p>
+        </p:txBody>
+      </p:sp>
+    </p:spTree>
+    <p:extLst>
+      <p:ext uri="{BB962C8B-B14F-4D97-AF65-F5344CB8AC3E}">
+        <p14:creationId xmlns:p14="http://schemas.microsoft.com/office/powerpoint/2010/main" val="3866111200"/>
+      </p:ext>
+    </p:extLst>
+  </p:cSld>
+  <p:clrMapOvr>
+    <a:masterClrMapping/>
+  </p:clrMapOvr>
+</p:sld>
+</file>
+
+<file path=ppt/slides/slide5.xml><?xml version="1.0" encoding="utf-8"?>
+<p:sld xmlns:a="http://schemas.openxmlformats.org/drawingml/2006/main" xmlns:r="http://schemas.openxmlformats.org/officeDocument/2006/relationships" xmlns:p="http://schemas.openxmlformats.org/presentationml/2006/main">
+  <p:cSld>
+    <p:spTree>
+      <p:nvGrpSpPr>
+        <p:cNvPr id="1" name="">
+          <a:extLst>
+            <a:ext uri="{FF2B5EF4-FFF2-40B4-BE49-F238E27FC236}">
+              <a16:creationId xmlns:a16="http://schemas.microsoft.com/office/drawing/2014/main" id="{72DEDC8B-F5D4-38AF-FF92-484F01181A0E}"/>
+            </a:ext>
+          </a:extLst>
+        </p:cNvPr>
+        <p:cNvGrpSpPr/>
+        <p:nvPr/>
+      </p:nvGrpSpPr>
+      <p:grpSpPr>
+        <a:xfrm>
+          <a:off x="0" y="0"/>
+          <a:ext cx="0" cy="0"/>
+          <a:chOff x="0" y="0"/>
+          <a:chExt cx="0" cy="0"/>
+        </a:xfrm>
+      </p:grpSpPr>
+      <p:grpSp>
+        <p:nvGrpSpPr>
+          <p:cNvPr id="10" name="Group 9">
+            <a:extLst>
+              <a:ext uri="{FF2B5EF4-FFF2-40B4-BE49-F238E27FC236}">
+                <a16:creationId xmlns:a16="http://schemas.microsoft.com/office/drawing/2014/main" id="{1F41B27F-6BCE-D441-8DE8-03458ED5B486}"/>
+              </a:ext>
+            </a:extLst>
+          </p:cNvPr>
+          <p:cNvGrpSpPr/>
+          <p:nvPr/>
+        </p:nvGrpSpPr>
+        <p:grpSpPr>
+          <a:xfrm>
+            <a:off x="3378089" y="3037460"/>
+            <a:ext cx="1011605" cy="1475822"/>
+            <a:chOff x="3312631" y="3025574"/>
+            <a:chExt cx="1174081" cy="1712855"/>
+          </a:xfrm>
+        </p:grpSpPr>
+        <p:pic>
+          <p:nvPicPr>
+            <p:cNvPr id="70" name="Picture 2">
+              <a:extLst>
+                <a:ext uri="{FF2B5EF4-FFF2-40B4-BE49-F238E27FC236}">
+                  <a16:creationId xmlns:a16="http://schemas.microsoft.com/office/drawing/2014/main" id="{C2E79030-200E-37B0-6D30-AC9B65869514}"/>
+                </a:ext>
+              </a:extLst>
+            </p:cNvPr>
+            <p:cNvPicPr/>
+            <p:nvPr/>
+          </p:nvPicPr>
+          <p:blipFill>
+            <a:blip r:embed="rId2"/>
+            <a:stretch/>
+          </p:blipFill>
+          <p:spPr>
+            <a:xfrm>
+              <a:off x="3380602" y="3025574"/>
+              <a:ext cx="1054800" cy="1050480"/>
+            </a:xfrm>
+            <a:prstGeom prst="rect">
+              <a:avLst/>
+            </a:prstGeom>
+            <a:ln w="0">
+              <a:noFill/>
+            </a:ln>
+          </p:spPr>
+        </p:pic>
+        <p:sp>
+          <p:nvSpPr>
+            <p:cNvPr id="71" name="TextBox 1">
+              <a:extLst>
+                <a:ext uri="{FF2B5EF4-FFF2-40B4-BE49-F238E27FC236}">
+                  <a16:creationId xmlns:a16="http://schemas.microsoft.com/office/drawing/2014/main" id="{E8D4549D-D7BF-B44F-65D8-DDD72662341B}"/>
+                </a:ext>
+              </a:extLst>
+            </p:cNvPr>
+            <p:cNvSpPr/>
+            <p:nvPr/>
+          </p:nvSpPr>
+          <p:spPr>
+            <a:xfrm>
+              <a:off x="3312631" y="4093553"/>
+              <a:ext cx="1174081" cy="644876"/>
+            </a:xfrm>
+            <a:prstGeom prst="rect">
+              <a:avLst/>
+            </a:prstGeom>
+            <a:noFill/>
+            <a:ln w="0">
+              <a:noFill/>
+            </a:ln>
+          </p:spPr>
+          <p:style>
+            <a:lnRef idx="0">
+              <a:scrgbClr r="0" g="0" b="0"/>
+            </a:lnRef>
+            <a:fillRef idx="0">
+              <a:scrgbClr r="0" g="0" b="0"/>
+            </a:fillRef>
+            <a:effectRef idx="0">
+              <a:scrgbClr r="0" g="0" b="0"/>
+            </a:effectRef>
+            <a:fontRef idx="minor"/>
+          </p:style>
+          <p:txBody>
+            <a:bodyPr wrap="none" lIns="90000" tIns="45000" rIns="90000" bIns="45000" anchor="t">
+              <a:spAutoFit/>
+            </a:bodyPr>
+            <a:lstStyle/>
+            <a:p>
+              <a:pPr algn="ctr">
+                <a:lnSpc>
+                  <a:spcPct val="100000"/>
+                </a:lnSpc>
+                <a:buNone/>
+              </a:pPr>
+              <a:r>
+                <a:rPr lang="en-US" sz="1800" b="1" strike="noStrike" spc="-1" dirty="0">
+                  <a:solidFill>
+                    <a:srgbClr val="000000"/>
+                  </a:solidFill>
+                  <a:latin typeface="Aptos"/>
+                </a:rPr>
+                <a:t>Context</a:t>
+              </a:r>
+              <a:br>
+                <a:rPr lang="en-US" sz="1800" b="1" strike="noStrike" spc="-1" dirty="0">
+                  <a:solidFill>
+                    <a:srgbClr val="000000"/>
+                  </a:solidFill>
+                  <a:latin typeface="Aptos"/>
+                </a:rPr>
+              </a:br>
+              <a:r>
+                <a:rPr lang="en-US" sz="1800" b="1" strike="noStrike" spc="-1" dirty="0">
+                  <a:solidFill>
+                    <a:srgbClr val="000000"/>
+                  </a:solidFill>
+                  <a:latin typeface="Aptos"/>
+                </a:rPr>
+                <a:t>Document</a:t>
+              </a:r>
+              <a:endParaRPr lang="en-US" sz="1800" b="0" strike="noStrike" spc="-1" dirty="0">
+                <a:latin typeface="Arial"/>
+              </a:endParaRPr>
+            </a:p>
+          </p:txBody>
+        </p:sp>
+      </p:grpSp>
+      <p:sp>
+        <p:nvSpPr>
+          <p:cNvPr id="79" name="TextBox 3">
+            <a:extLst>
+              <a:ext uri="{FF2B5EF4-FFF2-40B4-BE49-F238E27FC236}">
+                <a16:creationId xmlns:a16="http://schemas.microsoft.com/office/drawing/2014/main" id="{E5EE5830-32B0-CD30-AFD2-D3A3BDD0C4DE}"/>
+              </a:ext>
+            </a:extLst>
+          </p:cNvPr>
+          <p:cNvSpPr/>
+          <p:nvPr/>
+        </p:nvSpPr>
+        <p:spPr>
+          <a:xfrm>
+            <a:off x="2943198" y="2432674"/>
+            <a:ext cx="1912945" cy="292674"/>
+          </a:xfrm>
+          <a:prstGeom prst="rect">
+            <a:avLst/>
+          </a:prstGeom>
+          <a:noFill/>
+          <a:ln w="0">
+            <a:noFill/>
+          </a:ln>
+        </p:spPr>
+        <p:style>
+          <a:lnRef idx="0">
+            <a:scrgbClr r="0" g="0" b="0"/>
+          </a:lnRef>
+          <a:fillRef idx="0">
+            <a:scrgbClr r="0" g="0" b="0"/>
+          </a:fillRef>
+          <a:effectRef idx="0">
+            <a:scrgbClr r="0" g="0" b="0"/>
+          </a:effectRef>
+          <a:fontRef idx="minor"/>
+        </p:style>
+        <p:txBody>
+          <a:bodyPr wrap="square" lIns="90000" tIns="45000" rIns="90000" bIns="45000" anchor="t">
+            <a:spAutoFit/>
+          </a:bodyPr>
+          <a:lstStyle/>
+          <a:p>
+            <a:pPr algn="ctr">
+              <a:lnSpc>
+                <a:spcPct val="100000"/>
+              </a:lnSpc>
+              <a:buNone/>
+            </a:pPr>
+            <a:r>
+              <a:rPr lang="en-US" sz="1800" b="1" strike="noStrike" spc="-1" dirty="0">
+                <a:solidFill>
+                  <a:srgbClr val="000000"/>
+                </a:solidFill>
+                <a:latin typeface="Aptos"/>
+              </a:rPr>
+              <a:t>User Query</a:t>
+            </a:r>
+            <a:endParaRPr lang="en-US" sz="1800" b="0" strike="noStrike" spc="-1" dirty="0">
+              <a:latin typeface="Arial"/>
+            </a:endParaRPr>
+          </a:p>
+        </p:txBody>
+      </p:sp>
+      <p:pic>
+        <p:nvPicPr>
+          <p:cNvPr id="33" name="Picture 32">
+            <a:extLst>
+              <a:ext uri="{FF2B5EF4-FFF2-40B4-BE49-F238E27FC236}">
+                <a16:creationId xmlns:a16="http://schemas.microsoft.com/office/drawing/2014/main" id="{15EF872C-D110-4041-BCD5-EF0D5AC7E18C}"/>
+              </a:ext>
+            </a:extLst>
+          </p:cNvPr>
+          <p:cNvPicPr>
+            <a:picLocks noChangeAspect="1"/>
+          </p:cNvPicPr>
+          <p:nvPr/>
+        </p:nvPicPr>
+        <p:blipFill>
+          <a:blip r:embed="rId3"/>
+          <a:srcRect l="33649" t="42246" r="55406" b="44575"/>
+          <a:stretch>
+            <a:fillRect/>
+          </a:stretch>
+        </p:blipFill>
+        <p:spPr>
+          <a:xfrm>
+            <a:off x="3628892" y="2004236"/>
+            <a:ext cx="511062" cy="478379"/>
+          </a:xfrm>
+          <a:prstGeom prst="rect">
+            <a:avLst/>
+          </a:prstGeom>
+          <a:ln w="0">
+            <a:noFill/>
+          </a:ln>
+        </p:spPr>
+      </p:pic>
+      <p:grpSp>
+        <p:nvGrpSpPr>
+          <p:cNvPr id="17" name="Group 16">
+            <a:extLst>
+              <a:ext uri="{FF2B5EF4-FFF2-40B4-BE49-F238E27FC236}">
+                <a16:creationId xmlns:a16="http://schemas.microsoft.com/office/drawing/2014/main" id="{F8865646-2902-614E-8A1F-25DC18C6E5D2}"/>
+              </a:ext>
+            </a:extLst>
+          </p:cNvPr>
+          <p:cNvGrpSpPr/>
+          <p:nvPr/>
+        </p:nvGrpSpPr>
+        <p:grpSpPr>
+          <a:xfrm>
+            <a:off x="4480413" y="2268148"/>
+            <a:ext cx="723615" cy="1910152"/>
+            <a:chOff x="4291765" y="2268148"/>
+            <a:chExt cx="1018498" cy="1910152"/>
+          </a:xfrm>
+        </p:grpSpPr>
+        <p:cxnSp>
+          <p:nvCxnSpPr>
+            <p:cNvPr id="13" name="Curved Connector 12">
+              <a:extLst>
+                <a:ext uri="{FF2B5EF4-FFF2-40B4-BE49-F238E27FC236}">
+                  <a16:creationId xmlns:a16="http://schemas.microsoft.com/office/drawing/2014/main" id="{BBE2880D-E14A-0F42-8329-D89CCFD1F605}"/>
+                </a:ext>
+              </a:extLst>
+            </p:cNvPr>
+            <p:cNvCxnSpPr>
+              <a:cxnSpLocks/>
+            </p:cNvCxnSpPr>
+            <p:nvPr/>
+          </p:nvCxnSpPr>
+          <p:spPr>
+            <a:xfrm>
+              <a:off x="4395863" y="2268148"/>
+              <a:ext cx="914400" cy="914400"/>
+            </a:xfrm>
+            <a:prstGeom prst="curvedConnector3">
+              <a:avLst/>
+            </a:prstGeom>
+            <a:noFill/>
+            <a:ln w="34925">
+              <a:solidFill>
+                <a:srgbClr val="000000"/>
+              </a:solidFill>
+              <a:tailEnd type="none" w="med" len="med"/>
+            </a:ln>
+            <a:effectLst/>
+          </p:spPr>
+          <p:style>
+            <a:lnRef idx="2">
+              <a:schemeClr val="accent1"/>
+            </a:lnRef>
+            <a:fillRef idx="0">
+              <a:schemeClr val="accent1"/>
+            </a:fillRef>
+            <a:effectRef idx="1">
+              <a:schemeClr val="accent1"/>
+            </a:effectRef>
+            <a:fontRef idx="minor"/>
+          </p:style>
+        </p:cxnSp>
+        <p:cxnSp>
+          <p:nvCxnSpPr>
+            <p:cNvPr id="38" name="Curved Connector 37">
+              <a:extLst>
+                <a:ext uri="{FF2B5EF4-FFF2-40B4-BE49-F238E27FC236}">
+                  <a16:creationId xmlns:a16="http://schemas.microsoft.com/office/drawing/2014/main" id="{61134866-D093-C044-A818-F07E97CE0CBD}"/>
+                </a:ext>
+              </a:extLst>
+            </p:cNvPr>
+            <p:cNvCxnSpPr>
+              <a:cxnSpLocks/>
+            </p:cNvCxnSpPr>
+            <p:nvPr/>
+          </p:nvCxnSpPr>
+          <p:spPr>
+            <a:xfrm flipV="1">
+              <a:off x="4291765" y="3182548"/>
+              <a:ext cx="1018498" cy="995752"/>
+            </a:xfrm>
+            <a:prstGeom prst="curvedConnector3">
+              <a:avLst/>
+            </a:prstGeom>
+            <a:noFill/>
+            <a:ln w="34925">
+              <a:solidFill>
+                <a:srgbClr val="000000"/>
+              </a:solidFill>
+              <a:tailEnd type="none" w="med" len="med"/>
+            </a:ln>
+            <a:effectLst/>
+          </p:spPr>
+          <p:style>
+            <a:lnRef idx="2">
+              <a:schemeClr val="accent1"/>
+            </a:lnRef>
+            <a:fillRef idx="0">
+              <a:schemeClr val="accent1"/>
+            </a:fillRef>
+            <a:effectRef idx="1">
+              <a:schemeClr val="accent1"/>
+            </a:effectRef>
+            <a:fontRef idx="minor"/>
+          </p:style>
+        </p:cxnSp>
+      </p:grpSp>
+      <p:cxnSp>
+        <p:nvCxnSpPr>
+          <p:cNvPr id="48" name="Straight Arrow Connector 47">
+            <a:extLst>
+              <a:ext uri="{FF2B5EF4-FFF2-40B4-BE49-F238E27FC236}">
+                <a16:creationId xmlns:a16="http://schemas.microsoft.com/office/drawing/2014/main" id="{45B55CD3-1577-9341-8760-545CAA78BED6}"/>
+              </a:ext>
+            </a:extLst>
+          </p:cNvPr>
+          <p:cNvCxnSpPr>
+            <a:cxnSpLocks/>
+          </p:cNvCxnSpPr>
+          <p:nvPr/>
+        </p:nvCxnSpPr>
+        <p:spPr>
+          <a:xfrm flipV="1">
+            <a:off x="5253051" y="3181062"/>
+            <a:ext cx="40170" cy="901"/>
+          </a:xfrm>
+          <a:prstGeom prst="straightConnector1">
+            <a:avLst/>
+          </a:prstGeom>
+          <a:noFill/>
+          <a:ln w="34925">
+            <a:solidFill>
+              <a:srgbClr val="000000"/>
+            </a:solidFill>
+            <a:tailEnd type="triangle" w="med" len="med"/>
+          </a:ln>
+          <a:effectLst/>
+        </p:spPr>
+        <p:style>
+          <a:lnRef idx="2">
+            <a:schemeClr val="accent1"/>
+          </a:lnRef>
+          <a:fillRef idx="0">
+            <a:schemeClr val="accent1"/>
+          </a:fillRef>
+          <a:effectRef idx="1">
+            <a:schemeClr val="accent1"/>
+          </a:effectRef>
+          <a:fontRef idx="minor"/>
+        </p:style>
+      </p:cxnSp>
+      <p:grpSp>
+        <p:nvGrpSpPr>
+          <p:cNvPr id="27" name="Group 26">
+            <a:extLst>
+              <a:ext uri="{FF2B5EF4-FFF2-40B4-BE49-F238E27FC236}">
+                <a16:creationId xmlns:a16="http://schemas.microsoft.com/office/drawing/2014/main" id="{B83D466A-10F5-B540-8F10-20C2F88EDE6A}"/>
+              </a:ext>
+            </a:extLst>
+          </p:cNvPr>
+          <p:cNvGrpSpPr/>
+          <p:nvPr/>
+        </p:nvGrpSpPr>
+        <p:grpSpPr>
+          <a:xfrm>
+            <a:off x="5115334" y="2278544"/>
+            <a:ext cx="2329904" cy="2083776"/>
+            <a:chOff x="5249669" y="2278544"/>
+            <a:chExt cx="2329904" cy="2083776"/>
+          </a:xfrm>
+        </p:grpSpPr>
+        <p:grpSp>
+          <p:nvGrpSpPr>
+            <p:cNvPr id="25" name="Group 24">
+              <a:extLst>
+                <a:ext uri="{FF2B5EF4-FFF2-40B4-BE49-F238E27FC236}">
+                  <a16:creationId xmlns:a16="http://schemas.microsoft.com/office/drawing/2014/main" id="{481C166C-89F1-C344-A760-D49CD6937326}"/>
+                </a:ext>
+              </a:extLst>
+            </p:cNvPr>
+            <p:cNvGrpSpPr/>
+            <p:nvPr/>
+          </p:nvGrpSpPr>
+          <p:grpSpPr>
+            <a:xfrm>
+              <a:off x="5249669" y="2278544"/>
+              <a:ext cx="1565150" cy="1925586"/>
+              <a:chOff x="5307053" y="2253912"/>
+              <a:chExt cx="1565150" cy="1925586"/>
+            </a:xfrm>
+          </p:grpSpPr>
+          <p:sp>
+            <p:nvSpPr>
+              <p:cNvPr id="76" name="TextBox 2">
+                <a:extLst>
+                  <a:ext uri="{FF2B5EF4-FFF2-40B4-BE49-F238E27FC236}">
+                    <a16:creationId xmlns:a16="http://schemas.microsoft.com/office/drawing/2014/main" id="{BCDC65EC-C1C2-A7E5-9B56-63C723B9039F}"/>
+                  </a:ext>
+                </a:extLst>
+              </p:cNvPr>
+              <p:cNvSpPr/>
+              <p:nvPr/>
+            </p:nvSpPr>
+            <p:spPr>
+              <a:xfrm>
+                <a:off x="5307053" y="3257622"/>
+                <a:ext cx="1565150" cy="921876"/>
+              </a:xfrm>
+              <a:prstGeom prst="rect">
+                <a:avLst/>
+              </a:prstGeom>
+              <a:noFill/>
+              <a:ln w="0">
+                <a:noFill/>
+              </a:ln>
+            </p:spPr>
+            <p:style>
+              <a:lnRef idx="0">
+                <a:scrgbClr r="0" g="0" b="0"/>
+              </a:lnRef>
+              <a:fillRef idx="0">
+                <a:scrgbClr r="0" g="0" b="0"/>
+              </a:fillRef>
+              <a:effectRef idx="0">
+                <a:scrgbClr r="0" g="0" b="0"/>
+              </a:effectRef>
+              <a:fontRef idx="minor"/>
+            </p:style>
+            <p:txBody>
+              <a:bodyPr wrap="none" lIns="90000" tIns="45000" rIns="90000" bIns="45000" anchor="t">
+                <a:spAutoFit/>
+              </a:bodyPr>
+              <a:lstStyle/>
+              <a:p>
+                <a:pPr algn="ctr">
+                  <a:lnSpc>
+                    <a:spcPct val="100000"/>
+                  </a:lnSpc>
+                  <a:buNone/>
+                </a:pPr>
+                <a:r>
+                  <a:rPr lang="en-US" sz="1800" b="1" strike="noStrike" spc="-1" dirty="0">
+                    <a:solidFill>
+                      <a:srgbClr val="000000"/>
+                    </a:solidFill>
+                    <a:latin typeface="Aptos"/>
+                  </a:rPr>
+                  <a:t>Contextually</a:t>
+                </a:r>
+                <a:endParaRPr lang="en-US" sz="1800" b="0" strike="noStrike" spc="-1" dirty="0">
+                  <a:latin typeface="Arial"/>
+                </a:endParaRPr>
+              </a:p>
+              <a:p>
+                <a:pPr algn="ctr">
+                  <a:lnSpc>
+                    <a:spcPct val="100000"/>
+                  </a:lnSpc>
+                  <a:buNone/>
+                </a:pPr>
+                <a:r>
+                  <a:rPr lang="en-US" sz="1800" b="1" strike="noStrike" spc="-1" dirty="0">
+                    <a:solidFill>
+                      <a:srgbClr val="000000"/>
+                    </a:solidFill>
+                    <a:latin typeface="Aptos"/>
+                  </a:rPr>
+                  <a:t>Grounded</a:t>
+                </a:r>
+              </a:p>
+              <a:p>
+                <a:pPr algn="ctr">
+                  <a:lnSpc>
+                    <a:spcPct val="100000"/>
+                  </a:lnSpc>
+                  <a:buNone/>
+                </a:pPr>
+                <a:r>
+                  <a:rPr lang="en-US" sz="1800" b="1" strike="noStrike" spc="-1" dirty="0">
+                    <a:solidFill>
+                      <a:srgbClr val="000000"/>
+                    </a:solidFill>
+                    <a:latin typeface="Aptos"/>
+                  </a:rPr>
+                  <a:t>Query Rewrite</a:t>
+                </a:r>
+                <a:endParaRPr lang="en-US" sz="1800" b="0" strike="noStrike" spc="-1" dirty="0">
+                  <a:latin typeface="Arial"/>
+                </a:endParaRPr>
+              </a:p>
+            </p:txBody>
+          </p:sp>
+          <p:pic>
+            <p:nvPicPr>
+              <p:cNvPr id="81" name="Picture 80">
+                <a:extLst>
+                  <a:ext uri="{FF2B5EF4-FFF2-40B4-BE49-F238E27FC236}">
+                    <a16:creationId xmlns:a16="http://schemas.microsoft.com/office/drawing/2014/main" id="{06E052F7-59DC-4EA0-81F8-6D073CAEAE5E}"/>
+                  </a:ext>
+                </a:extLst>
+              </p:cNvPr>
+              <p:cNvPicPr/>
+              <p:nvPr/>
+            </p:nvPicPr>
+            <p:blipFill>
+              <a:blip r:embed="rId4"/>
+              <a:srcRect l="39057" t="28094" r="38296" b="28573"/>
+              <a:stretch>
+                <a:fillRect/>
+              </a:stretch>
+            </p:blipFill>
+            <p:spPr>
+              <a:xfrm>
+                <a:off x="5687919" y="2253912"/>
+                <a:ext cx="713425" cy="1061172"/>
+              </a:xfrm>
+              <a:prstGeom prst="rect">
+                <a:avLst/>
+              </a:prstGeom>
+              <a:ln w="0">
+                <a:noFill/>
+              </a:ln>
+            </p:spPr>
+          </p:pic>
+        </p:grpSp>
+        <p:sp>
+          <p:nvSpPr>
+            <p:cNvPr id="56" name="Rectangle 55">
+              <a:extLst>
+                <a:ext uri="{FF2B5EF4-FFF2-40B4-BE49-F238E27FC236}">
+                  <a16:creationId xmlns:a16="http://schemas.microsoft.com/office/drawing/2014/main" id="{84B3978B-7C7B-BD47-A533-FBB93B622FE2}"/>
+                </a:ext>
+              </a:extLst>
+            </p:cNvPr>
+            <p:cNvSpPr/>
+            <p:nvPr/>
+          </p:nvSpPr>
+          <p:spPr>
+            <a:xfrm>
+              <a:off x="5820672" y="2927350"/>
+              <a:ext cx="313428" cy="253712"/>
+            </a:xfrm>
+            <a:prstGeom prst="rect">
+              <a:avLst/>
+            </a:prstGeom>
+            <a:solidFill>
+              <a:schemeClr val="bg1"/>
+            </a:solidFill>
+            <a:ln>
+              <a:noFill/>
+            </a:ln>
+          </p:spPr>
+          <p:style>
+            <a:lnRef idx="2">
+              <a:schemeClr val="accent1">
+                <a:shade val="50000"/>
+              </a:schemeClr>
+            </a:lnRef>
+            <a:fillRef idx="1">
+              <a:schemeClr val="accent1"/>
+            </a:fillRef>
+            <a:effectRef idx="0">
+              <a:schemeClr val="accent1"/>
+            </a:effectRef>
+            <a:fontRef idx="minor">
+              <a:schemeClr val="lt1"/>
+            </a:fontRef>
+          </p:style>
+          <p:txBody>
+            <a:bodyPr rtlCol="0" anchor="ctr"/>
+            <a:lstStyle/>
+            <a:p>
+              <a:pPr algn="ctr"/>
+              <a:endParaRPr lang="en-US"/>
+            </a:p>
+          </p:txBody>
+        </p:sp>
+        <p:sp>
+          <p:nvSpPr>
+            <p:cNvPr id="90" name="Rectangle 89">
+              <a:extLst>
+                <a:ext uri="{FF2B5EF4-FFF2-40B4-BE49-F238E27FC236}">
+                  <a16:creationId xmlns:a16="http://schemas.microsoft.com/office/drawing/2014/main" id="{D97B73FB-693D-1848-8214-EFD0E8233EF5}"/>
+                </a:ext>
+              </a:extLst>
+            </p:cNvPr>
+            <p:cNvSpPr/>
+            <p:nvPr/>
+          </p:nvSpPr>
+          <p:spPr>
+            <a:xfrm>
+              <a:off x="7266145" y="4108608"/>
+              <a:ext cx="313428" cy="253712"/>
+            </a:xfrm>
+            <a:prstGeom prst="rect">
+              <a:avLst/>
+            </a:prstGeom>
+            <a:solidFill>
+              <a:schemeClr val="bg1"/>
+            </a:solidFill>
+            <a:ln>
+              <a:noFill/>
+            </a:ln>
+          </p:spPr>
+          <p:style>
+            <a:lnRef idx="2">
+              <a:schemeClr val="accent1">
+                <a:shade val="50000"/>
+              </a:schemeClr>
+            </a:lnRef>
+            <a:fillRef idx="1">
+              <a:schemeClr val="accent1"/>
+            </a:fillRef>
+            <a:effectRef idx="0">
+              <a:schemeClr val="accent1"/>
+            </a:effectRef>
+            <a:fontRef idx="minor">
+              <a:schemeClr val="lt1"/>
+            </a:fontRef>
+          </p:style>
+          <p:txBody>
+            <a:bodyPr rtlCol="0" anchor="ctr"/>
+            <a:lstStyle/>
+            <a:p>
+              <a:pPr algn="ctr"/>
+              <a:endParaRPr lang="en-US"/>
+            </a:p>
+          </p:txBody>
+        </p:sp>
+      </p:grpSp>
+      <p:grpSp>
+        <p:nvGrpSpPr>
+          <p:cNvPr id="34" name="Group 33">
+            <a:extLst>
+              <a:ext uri="{FF2B5EF4-FFF2-40B4-BE49-F238E27FC236}">
+                <a16:creationId xmlns:a16="http://schemas.microsoft.com/office/drawing/2014/main" id="{A93B4F98-92AB-AD48-A37E-A835AFF5A614}"/>
+              </a:ext>
+            </a:extLst>
+          </p:cNvPr>
+          <p:cNvGrpSpPr/>
+          <p:nvPr/>
+        </p:nvGrpSpPr>
+        <p:grpSpPr>
+          <a:xfrm>
+            <a:off x="6901725" y="2080118"/>
+            <a:ext cx="1050202" cy="1073040"/>
+            <a:chOff x="7028369" y="2502245"/>
+            <a:chExt cx="1050202" cy="1073040"/>
+          </a:xfrm>
+        </p:grpSpPr>
+        <p:pic>
+          <p:nvPicPr>
+            <p:cNvPr id="52" name="Picture 51">
+              <a:extLst>
+                <a:ext uri="{FF2B5EF4-FFF2-40B4-BE49-F238E27FC236}">
+                  <a16:creationId xmlns:a16="http://schemas.microsoft.com/office/drawing/2014/main" id="{40821653-C769-6943-BF01-3F560E6A8827}"/>
+                </a:ext>
+              </a:extLst>
+            </p:cNvPr>
+            <p:cNvPicPr>
+              <a:picLocks noChangeAspect="1"/>
+            </p:cNvPicPr>
+            <p:nvPr/>
+          </p:nvPicPr>
+          <p:blipFill>
+            <a:blip r:embed="rId3"/>
+            <a:srcRect l="33649" t="42246" r="55406" b="44575"/>
+            <a:stretch>
+              <a:fillRect/>
+            </a:stretch>
+          </p:blipFill>
+          <p:spPr>
+            <a:xfrm>
+              <a:off x="7258580" y="2502245"/>
+              <a:ext cx="511062" cy="478379"/>
+            </a:xfrm>
+            <a:prstGeom prst="rect">
+              <a:avLst/>
+            </a:prstGeom>
+            <a:ln w="0">
+              <a:noFill/>
+            </a:ln>
+          </p:spPr>
+        </p:pic>
+        <p:sp>
+          <p:nvSpPr>
+            <p:cNvPr id="26" name="Rectangle 25">
+              <a:extLst>
+                <a:ext uri="{FF2B5EF4-FFF2-40B4-BE49-F238E27FC236}">
+                  <a16:creationId xmlns:a16="http://schemas.microsoft.com/office/drawing/2014/main" id="{81E25098-88B1-454B-9C62-8C1F5432C7C9}"/>
+                </a:ext>
+              </a:extLst>
+            </p:cNvPr>
+            <p:cNvSpPr/>
+            <p:nvPr/>
+          </p:nvSpPr>
+          <p:spPr>
+            <a:xfrm>
+              <a:off x="7410791" y="2597684"/>
+              <a:ext cx="202859" cy="221716"/>
+            </a:xfrm>
+            <a:prstGeom prst="rect">
+              <a:avLst/>
+            </a:prstGeom>
+            <a:solidFill>
+              <a:schemeClr val="bg1"/>
+            </a:solidFill>
+            <a:ln>
+              <a:noFill/>
+            </a:ln>
+          </p:spPr>
+          <p:style>
+            <a:lnRef idx="2">
+              <a:schemeClr val="accent1">
+                <a:shade val="50000"/>
+              </a:schemeClr>
+            </a:lnRef>
+            <a:fillRef idx="1">
+              <a:schemeClr val="accent1"/>
+            </a:fillRef>
+            <a:effectRef idx="0">
+              <a:schemeClr val="accent1"/>
+            </a:effectRef>
+            <a:fontRef idx="minor">
+              <a:schemeClr val="lt1"/>
+            </a:fontRef>
+          </p:style>
+          <p:txBody>
+            <a:bodyPr rtlCol="0" anchor="ctr"/>
+            <a:lstStyle/>
+            <a:p>
+              <a:pPr algn="ctr"/>
+              <a:endParaRPr lang="en-US"/>
+            </a:p>
+          </p:txBody>
+        </p:sp>
+        <p:pic>
+          <p:nvPicPr>
+            <p:cNvPr id="53" name="Picture 52">
+              <a:extLst>
+                <a:ext uri="{FF2B5EF4-FFF2-40B4-BE49-F238E27FC236}">
+                  <a16:creationId xmlns:a16="http://schemas.microsoft.com/office/drawing/2014/main" id="{67C99A77-1607-0341-8163-E5730F3A64F2}"/>
+                </a:ext>
+              </a:extLst>
+            </p:cNvPr>
+            <p:cNvPicPr>
+              <a:picLocks noChangeAspect="1"/>
+            </p:cNvPicPr>
+            <p:nvPr/>
+          </p:nvPicPr>
+          <p:blipFill rotWithShape="1">
+            <a:blip r:embed="rId3"/>
+            <a:srcRect l="37338" t="44465" r="58718" b="48705"/>
+            <a:stretch/>
+          </p:blipFill>
+          <p:spPr>
+            <a:xfrm>
+              <a:off x="7369320" y="2584288"/>
+              <a:ext cx="184150" cy="247939"/>
+            </a:xfrm>
+            <a:prstGeom prst="rect">
+              <a:avLst/>
+            </a:prstGeom>
+            <a:ln w="0">
+              <a:noFill/>
+            </a:ln>
+          </p:spPr>
+        </p:pic>
+        <p:sp>
+          <p:nvSpPr>
+            <p:cNvPr id="59" name="TextBox 2">
+              <a:extLst>
+                <a:ext uri="{FF2B5EF4-FFF2-40B4-BE49-F238E27FC236}">
+                  <a16:creationId xmlns:a16="http://schemas.microsoft.com/office/drawing/2014/main" id="{DF6277D8-EA64-CF4A-A809-4541ECB30FC8}"/>
+                </a:ext>
+              </a:extLst>
+            </p:cNvPr>
+            <p:cNvSpPr/>
+            <p:nvPr/>
+          </p:nvSpPr>
+          <p:spPr>
+            <a:xfrm>
+              <a:off x="7453023" y="2517734"/>
+              <a:ext cx="297046" cy="367878"/>
+            </a:xfrm>
+            <a:prstGeom prst="rect">
+              <a:avLst/>
+            </a:prstGeom>
+            <a:noFill/>
+            <a:ln w="0">
+              <a:noFill/>
+            </a:ln>
+          </p:spPr>
+          <p:style>
+            <a:lnRef idx="0">
+              <a:scrgbClr r="0" g="0" b="0"/>
+            </a:lnRef>
+            <a:fillRef idx="0">
+              <a:scrgbClr r="0" g="0" b="0"/>
+            </a:fillRef>
+            <a:effectRef idx="0">
+              <a:scrgbClr r="0" g="0" b="0"/>
+            </a:effectRef>
+            <a:fontRef idx="minor"/>
+          </p:style>
+          <p:txBody>
+            <a:bodyPr wrap="none" lIns="90000" tIns="45000" rIns="90000" bIns="45000" anchor="t">
+              <a:spAutoFit/>
+            </a:bodyPr>
+            <a:lstStyle/>
+            <a:p>
+              <a:pPr algn="ctr">
+                <a:lnSpc>
+                  <a:spcPct val="100000"/>
+                </a:lnSpc>
+                <a:buNone/>
+              </a:pPr>
+              <a:r>
+                <a:rPr lang="en-US" sz="1800" b="1" strike="noStrike" spc="-1" dirty="0">
+                  <a:solidFill>
+                    <a:srgbClr val="000000"/>
+                  </a:solidFill>
+                  <a:latin typeface="Aptos"/>
+                </a:rPr>
+                <a:t>+</a:t>
+              </a:r>
+              <a:endParaRPr lang="en-US" sz="1800" b="0" strike="noStrike" spc="-1" dirty="0">
+                <a:latin typeface="Arial"/>
+              </a:endParaRPr>
+            </a:p>
+          </p:txBody>
+        </p:sp>
+        <p:sp>
+          <p:nvSpPr>
+            <p:cNvPr id="60" name="TextBox 2">
+              <a:extLst>
+                <a:ext uri="{FF2B5EF4-FFF2-40B4-BE49-F238E27FC236}">
+                  <a16:creationId xmlns:a16="http://schemas.microsoft.com/office/drawing/2014/main" id="{0A6D4CE1-9A97-374E-A4E8-B2CC92F57695}"/>
+                </a:ext>
+              </a:extLst>
+            </p:cNvPr>
+            <p:cNvSpPr/>
+            <p:nvPr/>
+          </p:nvSpPr>
+          <p:spPr>
+            <a:xfrm>
+              <a:off x="7028369" y="2930408"/>
+              <a:ext cx="1050202" cy="644877"/>
+            </a:xfrm>
+            <a:prstGeom prst="rect">
+              <a:avLst/>
+            </a:prstGeom>
+            <a:noFill/>
+            <a:ln w="0">
+              <a:noFill/>
+            </a:ln>
+          </p:spPr>
+          <p:style>
+            <a:lnRef idx="0">
+              <a:scrgbClr r="0" g="0" b="0"/>
+            </a:lnRef>
+            <a:fillRef idx="0">
+              <a:scrgbClr r="0" g="0" b="0"/>
+            </a:fillRef>
+            <a:effectRef idx="0">
+              <a:scrgbClr r="0" g="0" b="0"/>
+            </a:effectRef>
+            <a:fontRef idx="minor"/>
+          </p:style>
+          <p:txBody>
+            <a:bodyPr wrap="none" lIns="90000" tIns="45000" rIns="90000" bIns="45000" anchor="t">
+              <a:spAutoFit/>
+            </a:bodyPr>
+            <a:lstStyle/>
+            <a:p>
+              <a:pPr algn="ctr">
+                <a:lnSpc>
+                  <a:spcPct val="100000"/>
+                </a:lnSpc>
+                <a:buNone/>
+              </a:pPr>
+              <a:r>
+                <a:rPr lang="en-US" sz="1800" b="1" strike="noStrike" spc="-1" dirty="0">
+                  <a:solidFill>
+                    <a:srgbClr val="000000"/>
+                  </a:solidFill>
+                  <a:latin typeface="Aptos"/>
+                </a:rPr>
+                <a:t>Refined</a:t>
+              </a:r>
+              <a:br>
+                <a:rPr lang="en-US" sz="1800" b="1" strike="noStrike" spc="-1" dirty="0">
+                  <a:solidFill>
+                    <a:srgbClr val="000000"/>
+                  </a:solidFill>
+                  <a:latin typeface="Aptos"/>
+                </a:rPr>
+              </a:br>
+              <a:r>
+                <a:rPr lang="en-US" sz="1800" b="1" strike="noStrike" spc="-1" dirty="0">
+                  <a:solidFill>
+                    <a:srgbClr val="000000"/>
+                  </a:solidFill>
+                  <a:latin typeface="Aptos"/>
+                </a:rPr>
+                <a:t>Questio</a:t>
+              </a:r>
+              <a:r>
+                <a:rPr lang="en-US" b="1" spc="-1" dirty="0">
+                  <a:solidFill>
+                    <a:srgbClr val="000000"/>
+                  </a:solidFill>
+                  <a:latin typeface="Aptos"/>
+                </a:rPr>
+                <a:t>n</a:t>
+              </a:r>
+              <a:endParaRPr lang="en-US" sz="1800" b="0" strike="noStrike" spc="-1" dirty="0">
+                <a:latin typeface="Arial"/>
+              </a:endParaRPr>
+            </a:p>
+          </p:txBody>
+        </p:sp>
+      </p:grpSp>
+      <p:sp>
+        <p:nvSpPr>
+          <p:cNvPr id="63" name="Straight Arrow Connector 3">
+            <a:extLst>
+              <a:ext uri="{FF2B5EF4-FFF2-40B4-BE49-F238E27FC236}">
+                <a16:creationId xmlns:a16="http://schemas.microsoft.com/office/drawing/2014/main" id="{3F246962-1B8C-024D-8B35-BC37A5D47D08}"/>
+              </a:ext>
+            </a:extLst>
+          </p:cNvPr>
+          <p:cNvSpPr/>
+          <p:nvPr/>
+        </p:nvSpPr>
+        <p:spPr>
+          <a:xfrm flipH="1">
+            <a:off x="8220636" y="3267562"/>
+            <a:ext cx="470195" cy="508945"/>
+          </a:xfrm>
+          <a:custGeom>
+            <a:avLst/>
+            <a:gdLst/>
+            <a:ahLst/>
+            <a:cxnLst/>
+            <a:rect l="l" t="t" r="r" b="b"/>
+            <a:pathLst>
+              <a:path w="21600" h="21600">
+                <a:moveTo>
+                  <a:pt x="0" y="0"/>
+                </a:moveTo>
+                <a:lnTo>
+                  <a:pt x="21600" y="21600"/>
+                </a:lnTo>
+              </a:path>
+            </a:pathLst>
+          </a:custGeom>
+          <a:noFill/>
+          <a:ln w="34925">
+            <a:solidFill>
+              <a:srgbClr val="000000"/>
+            </a:solidFill>
+            <a:tailEnd type="triangle" w="med" len="med"/>
+          </a:ln>
+          <a:effectLst/>
+        </p:spPr>
+        <p:style>
+          <a:lnRef idx="2">
+            <a:schemeClr val="accent1"/>
+          </a:lnRef>
+          <a:fillRef idx="0">
+            <a:schemeClr val="accent1"/>
+          </a:fillRef>
+          <a:effectRef idx="1">
+            <a:schemeClr val="accent1"/>
+          </a:effectRef>
+          <a:fontRef idx="minor"/>
+        </p:style>
+        <p:txBody>
+          <a:bodyPr/>
+          <a:lstStyle/>
+          <a:p>
+            <a:endParaRPr lang="en-US"/>
+          </a:p>
+        </p:txBody>
+      </p:sp>
+      <p:sp>
+        <p:nvSpPr>
+          <p:cNvPr id="73" name="Straight Arrow Connector 3">
+            <a:extLst>
+              <a:ext uri="{FF2B5EF4-FFF2-40B4-BE49-F238E27FC236}">
+                <a16:creationId xmlns:a16="http://schemas.microsoft.com/office/drawing/2014/main" id="{4098D01C-3D46-1848-AD26-33AD060B9366}"/>
+              </a:ext>
+            </a:extLst>
+          </p:cNvPr>
+          <p:cNvSpPr/>
+          <p:nvPr/>
+        </p:nvSpPr>
+        <p:spPr>
+          <a:xfrm flipV="1">
+            <a:off x="6293328" y="2418163"/>
+            <a:ext cx="681376" cy="461245"/>
+          </a:xfrm>
+          <a:custGeom>
+            <a:avLst/>
+            <a:gdLst/>
+            <a:ahLst/>
+            <a:cxnLst/>
+            <a:rect l="l" t="t" r="r" b="b"/>
+            <a:pathLst>
+              <a:path w="21600" h="21600">
+                <a:moveTo>
+                  <a:pt x="0" y="0"/>
+                </a:moveTo>
+                <a:lnTo>
+                  <a:pt x="21600" y="21600"/>
+                </a:lnTo>
+              </a:path>
+            </a:pathLst>
+          </a:custGeom>
+          <a:noFill/>
+          <a:ln w="34925">
+            <a:solidFill>
+              <a:srgbClr val="000000"/>
+            </a:solidFill>
+            <a:tailEnd type="triangle" w="med" len="med"/>
+          </a:ln>
+          <a:effectLst/>
+        </p:spPr>
+        <p:style>
+          <a:lnRef idx="2">
+            <a:schemeClr val="accent1"/>
+          </a:lnRef>
+          <a:fillRef idx="0">
+            <a:schemeClr val="accent1"/>
+          </a:fillRef>
+          <a:effectRef idx="1">
+            <a:schemeClr val="accent1"/>
+          </a:effectRef>
+          <a:fontRef idx="minor"/>
+        </p:style>
+        <p:txBody>
+          <a:bodyPr/>
+          <a:lstStyle/>
+          <a:p>
+            <a:endParaRPr lang="en-US"/>
+          </a:p>
+        </p:txBody>
+      </p:sp>
+      <p:sp>
+        <p:nvSpPr>
+          <p:cNvPr id="91" name="TextBox 2">
+            <a:extLst>
+              <a:ext uri="{FF2B5EF4-FFF2-40B4-BE49-F238E27FC236}">
+                <a16:creationId xmlns:a16="http://schemas.microsoft.com/office/drawing/2014/main" id="{F003BD02-2021-1E49-98A9-4AA0FAFCB92C}"/>
+              </a:ext>
+            </a:extLst>
+          </p:cNvPr>
+          <p:cNvSpPr/>
+          <p:nvPr/>
+        </p:nvSpPr>
+        <p:spPr>
+          <a:xfrm>
+            <a:off x="5607332" y="2901159"/>
+            <a:ext cx="505180" cy="306323"/>
+          </a:xfrm>
+          <a:prstGeom prst="rect">
+            <a:avLst/>
+          </a:prstGeom>
+          <a:noFill/>
+          <a:ln w="0">
+            <a:noFill/>
+          </a:ln>
+        </p:spPr>
+        <p:style>
+          <a:lnRef idx="0">
+            <a:scrgbClr r="0" g="0" b="0"/>
+          </a:lnRef>
+          <a:fillRef idx="0">
+            <a:scrgbClr r="0" g="0" b="0"/>
+          </a:fillRef>
+          <a:effectRef idx="0">
+            <a:scrgbClr r="0" g="0" b="0"/>
+          </a:effectRef>
+          <a:fontRef idx="minor"/>
+        </p:style>
+        <p:txBody>
+          <a:bodyPr wrap="none" lIns="90000" tIns="45000" rIns="90000" bIns="45000" anchor="t">
+            <a:spAutoFit/>
+          </a:bodyPr>
+          <a:lstStyle/>
+          <a:p>
+            <a:pPr algn="ctr">
+              <a:lnSpc>
+                <a:spcPct val="100000"/>
+              </a:lnSpc>
+              <a:buNone/>
+            </a:pPr>
+            <a:r>
+              <a:rPr lang="en-US" sz="1400" b="1" strike="noStrike" spc="-1" dirty="0">
+                <a:solidFill>
+                  <a:srgbClr val="000000"/>
+                </a:solidFill>
+                <a:latin typeface="Aptos"/>
+              </a:rPr>
+              <a:t>LM1</a:t>
+            </a:r>
+            <a:endParaRPr lang="en-US" sz="1400" b="0" strike="noStrike" spc="-1" dirty="0">
+              <a:latin typeface="Arial"/>
+            </a:endParaRPr>
+          </a:p>
+        </p:txBody>
+      </p:sp>
+      <p:grpSp>
+        <p:nvGrpSpPr>
+          <p:cNvPr id="49" name="Group 48">
+            <a:extLst>
+              <a:ext uri="{FF2B5EF4-FFF2-40B4-BE49-F238E27FC236}">
+                <a16:creationId xmlns:a16="http://schemas.microsoft.com/office/drawing/2014/main" id="{510DA6AC-724E-6C49-8914-CFA878D0BE2C}"/>
+              </a:ext>
+            </a:extLst>
+          </p:cNvPr>
+          <p:cNvGrpSpPr/>
+          <p:nvPr/>
+        </p:nvGrpSpPr>
+        <p:grpSpPr>
+          <a:xfrm>
+            <a:off x="8199472" y="2225021"/>
+            <a:ext cx="1216688" cy="1083208"/>
+            <a:chOff x="6644988" y="5005073"/>
+            <a:chExt cx="1309274" cy="1165637"/>
+          </a:xfrm>
+        </p:grpSpPr>
+        <p:sp>
+          <p:nvSpPr>
+            <p:cNvPr id="92" name="TextBox 2">
+              <a:extLst>
+                <a:ext uri="{FF2B5EF4-FFF2-40B4-BE49-F238E27FC236}">
+                  <a16:creationId xmlns:a16="http://schemas.microsoft.com/office/drawing/2014/main" id="{4FC63024-0CEF-6040-84B6-F5D549772D8F}"/>
+                </a:ext>
+              </a:extLst>
+            </p:cNvPr>
+            <p:cNvSpPr/>
+            <p:nvPr/>
+          </p:nvSpPr>
+          <p:spPr>
+            <a:xfrm>
+              <a:off x="6955548" y="5587892"/>
+              <a:ext cx="699180" cy="423958"/>
+            </a:xfrm>
+            <a:prstGeom prst="rect">
+              <a:avLst/>
+            </a:prstGeom>
+            <a:noFill/>
+            <a:ln w="0">
+              <a:noFill/>
+            </a:ln>
+          </p:spPr>
+          <p:style>
+            <a:lnRef idx="0">
+              <a:scrgbClr r="0" g="0" b="0"/>
+            </a:lnRef>
+            <a:fillRef idx="0">
+              <a:scrgbClr r="0" g="0" b="0"/>
+            </a:fillRef>
+            <a:effectRef idx="0">
+              <a:scrgbClr r="0" g="0" b="0"/>
+            </a:effectRef>
+            <a:fontRef idx="minor"/>
+          </p:style>
+          <p:txBody>
+            <a:bodyPr wrap="none" lIns="90000" tIns="45000" rIns="90000" bIns="45000" anchor="t">
+              <a:spAutoFit/>
+            </a:bodyPr>
+            <a:lstStyle/>
+            <a:p>
+              <a:pPr algn="ctr">
+                <a:lnSpc>
+                  <a:spcPct val="100000"/>
+                </a:lnSpc>
+                <a:buNone/>
+              </a:pPr>
+              <a:r>
+                <a:rPr lang="en-US" sz="1400" b="1" strike="noStrike" spc="-1" dirty="0">
+                  <a:solidFill>
+                    <a:srgbClr val="000000"/>
+                  </a:solidFill>
+                  <a:latin typeface="Aptos"/>
+                </a:rPr>
+                <a:t>LM2</a:t>
+              </a:r>
+              <a:endParaRPr lang="en-US" sz="1400" b="0" strike="noStrike" spc="-1" dirty="0">
+                <a:latin typeface="Arial"/>
+              </a:endParaRPr>
+            </a:p>
+          </p:txBody>
+        </p:sp>
+        <p:grpSp>
+          <p:nvGrpSpPr>
+            <p:cNvPr id="47" name="Group 46">
+              <a:extLst>
+                <a:ext uri="{FF2B5EF4-FFF2-40B4-BE49-F238E27FC236}">
+                  <a16:creationId xmlns:a16="http://schemas.microsoft.com/office/drawing/2014/main" id="{EA846DB1-25BE-CC4A-A650-855A232DE362}"/>
+                </a:ext>
+              </a:extLst>
+            </p:cNvPr>
+            <p:cNvGrpSpPr/>
+            <p:nvPr/>
+          </p:nvGrpSpPr>
+          <p:grpSpPr>
+            <a:xfrm>
+              <a:off x="6644988" y="5005073"/>
+              <a:ext cx="1309274" cy="1165637"/>
+              <a:chOff x="6650503" y="4958543"/>
+              <a:chExt cx="1309274" cy="1165637"/>
+            </a:xfrm>
+          </p:grpSpPr>
+          <p:pic>
+            <p:nvPicPr>
+              <p:cNvPr id="89" name="Picture 88">
+                <a:extLst>
+                  <a:ext uri="{FF2B5EF4-FFF2-40B4-BE49-F238E27FC236}">
+                    <a16:creationId xmlns:a16="http://schemas.microsoft.com/office/drawing/2014/main" id="{D2E4CD89-4292-6642-A4EC-43B3606063FB}"/>
+                  </a:ext>
+                </a:extLst>
+              </p:cNvPr>
+              <p:cNvPicPr/>
+              <p:nvPr/>
+            </p:nvPicPr>
+            <p:blipFill rotWithShape="1">
+              <a:blip r:embed="rId4"/>
+              <a:srcRect l="43494" t="40092" r="42944" b="50420"/>
+              <a:stretch/>
+            </p:blipFill>
+            <p:spPr>
+              <a:xfrm>
+                <a:off x="7066996" y="5076720"/>
+                <a:ext cx="476287" cy="259032"/>
+              </a:xfrm>
+              <a:prstGeom prst="rect">
+                <a:avLst/>
+              </a:prstGeom>
+              <a:ln w="0">
+                <a:noFill/>
+              </a:ln>
+            </p:spPr>
+          </p:pic>
+          <p:pic>
+            <p:nvPicPr>
+              <p:cNvPr id="93" name="Picture 92">
+                <a:extLst>
+                  <a:ext uri="{FF2B5EF4-FFF2-40B4-BE49-F238E27FC236}">
+                    <a16:creationId xmlns:a16="http://schemas.microsoft.com/office/drawing/2014/main" id="{9A188E54-481F-D547-B77F-A3AF3AA2DF16}"/>
+                  </a:ext>
+                </a:extLst>
+              </p:cNvPr>
+              <p:cNvPicPr>
+                <a:picLocks noChangeAspect="1"/>
+              </p:cNvPicPr>
+              <p:nvPr/>
+            </p:nvPicPr>
+            <p:blipFill rotWithShape="1">
+              <a:blip r:embed="rId5"/>
+              <a:srcRect t="69807"/>
+              <a:stretch/>
+            </p:blipFill>
+            <p:spPr>
+              <a:xfrm>
+                <a:off x="6650503" y="5728878"/>
+                <a:ext cx="1309274" cy="395302"/>
+              </a:xfrm>
+              <a:prstGeom prst="rect">
+                <a:avLst/>
+              </a:prstGeom>
+            </p:spPr>
+          </p:pic>
+          <p:pic>
+            <p:nvPicPr>
+              <p:cNvPr id="39" name="Picture 38">
+                <a:extLst>
+                  <a:ext uri="{FF2B5EF4-FFF2-40B4-BE49-F238E27FC236}">
+                    <a16:creationId xmlns:a16="http://schemas.microsoft.com/office/drawing/2014/main" id="{239726E7-88C0-6E40-8F98-751195243BCB}"/>
+                  </a:ext>
+                </a:extLst>
+              </p:cNvPr>
+              <p:cNvPicPr>
+                <a:picLocks noChangeAspect="1"/>
+              </p:cNvPicPr>
+              <p:nvPr/>
+            </p:nvPicPr>
+            <p:blipFill rotWithShape="1">
+              <a:blip r:embed="rId5"/>
+              <a:srcRect t="19723" b="19723"/>
+              <a:stretch/>
+            </p:blipFill>
+            <p:spPr>
+              <a:xfrm>
+                <a:off x="6650503" y="4958543"/>
+                <a:ext cx="1309274" cy="792819"/>
+              </a:xfrm>
+              <a:prstGeom prst="rect">
+                <a:avLst/>
+              </a:prstGeom>
+            </p:spPr>
+          </p:pic>
+        </p:grpSp>
+      </p:grpSp>
+      <p:cxnSp>
+        <p:nvCxnSpPr>
+          <p:cNvPr id="54" name="Straight Arrow Connector 53">
+            <a:extLst>
+              <a:ext uri="{FF2B5EF4-FFF2-40B4-BE49-F238E27FC236}">
+                <a16:creationId xmlns:a16="http://schemas.microsoft.com/office/drawing/2014/main" id="{8120A5A7-0DDD-AF4F-826A-F6382F35C2D7}"/>
+              </a:ext>
+            </a:extLst>
+          </p:cNvPr>
+          <p:cNvCxnSpPr>
+            <a:cxnSpLocks/>
+          </p:cNvCxnSpPr>
+          <p:nvPr/>
+        </p:nvCxnSpPr>
+        <p:spPr>
+          <a:xfrm>
+            <a:off x="7789913" y="2418163"/>
+            <a:ext cx="495346" cy="0"/>
+          </a:xfrm>
+          <a:prstGeom prst="straightConnector1">
+            <a:avLst/>
+          </a:prstGeom>
+          <a:noFill/>
+          <a:ln w="34925">
+            <a:solidFill>
+              <a:srgbClr val="000000"/>
+            </a:solidFill>
+            <a:tailEnd type="triangle" w="med" len="med"/>
+          </a:ln>
+          <a:effectLst/>
+        </p:spPr>
+        <p:style>
+          <a:lnRef idx="2">
+            <a:schemeClr val="accent1"/>
+          </a:lnRef>
+          <a:fillRef idx="0">
+            <a:schemeClr val="accent1"/>
+          </a:fillRef>
+          <a:effectRef idx="1">
+            <a:schemeClr val="accent1"/>
+          </a:effectRef>
+          <a:fontRef idx="minor"/>
+        </p:style>
+      </p:cxnSp>
+      <p:grpSp>
+        <p:nvGrpSpPr>
+          <p:cNvPr id="2" name="Group 1">
+            <a:extLst>
+              <a:ext uri="{FF2B5EF4-FFF2-40B4-BE49-F238E27FC236}">
+                <a16:creationId xmlns:a16="http://schemas.microsoft.com/office/drawing/2014/main" id="{4648A1B7-5911-1044-B2F5-153A2FB8A3F6}"/>
+              </a:ext>
+            </a:extLst>
+          </p:cNvPr>
+          <p:cNvGrpSpPr/>
+          <p:nvPr/>
+        </p:nvGrpSpPr>
+        <p:grpSpPr>
+          <a:xfrm>
+            <a:off x="7355711" y="3585067"/>
+            <a:ext cx="1100022" cy="1043601"/>
+            <a:chOff x="8496035" y="2337012"/>
+            <a:chExt cx="1100022" cy="1043601"/>
+          </a:xfrm>
+        </p:grpSpPr>
+        <p:pic>
+          <p:nvPicPr>
+            <p:cNvPr id="58" name="Picture 57">
+              <a:extLst>
+                <a:ext uri="{FF2B5EF4-FFF2-40B4-BE49-F238E27FC236}">
+                  <a16:creationId xmlns:a16="http://schemas.microsoft.com/office/drawing/2014/main" id="{BDFF5101-C4F1-8743-9FE1-A22F855ECE4C}"/>
+                </a:ext>
+              </a:extLst>
+            </p:cNvPr>
+            <p:cNvPicPr>
+              <a:picLocks noChangeAspect="1"/>
+            </p:cNvPicPr>
+            <p:nvPr/>
+          </p:nvPicPr>
+          <p:blipFill rotWithShape="1">
+            <a:blip r:embed="rId6"/>
+            <a:srcRect l="23752" t="27486" r="24704" b="22496"/>
+            <a:stretch/>
+          </p:blipFill>
+          <p:spPr>
+            <a:xfrm>
+              <a:off x="8759910" y="2337012"/>
+              <a:ext cx="480032" cy="465830"/>
+            </a:xfrm>
+            <a:prstGeom prst="rect">
+              <a:avLst/>
+            </a:prstGeom>
+          </p:spPr>
+        </p:pic>
+        <p:sp>
+          <p:nvSpPr>
+            <p:cNvPr id="95" name="TextBox 4">
+              <a:extLst>
+                <a:ext uri="{FF2B5EF4-FFF2-40B4-BE49-F238E27FC236}">
+                  <a16:creationId xmlns:a16="http://schemas.microsoft.com/office/drawing/2014/main" id="{52B351E2-0A2D-AB45-A767-C7D847E869A8}"/>
+                </a:ext>
+              </a:extLst>
+            </p:cNvPr>
+            <p:cNvSpPr/>
+            <p:nvPr/>
+          </p:nvSpPr>
+          <p:spPr>
+            <a:xfrm>
+              <a:off x="8496035" y="2735736"/>
+              <a:ext cx="1100022" cy="644877"/>
+            </a:xfrm>
+            <a:prstGeom prst="rect">
+              <a:avLst/>
+            </a:prstGeom>
+            <a:noFill/>
+            <a:ln w="0">
+              <a:noFill/>
+            </a:ln>
+          </p:spPr>
+          <p:style>
+            <a:lnRef idx="0">
+              <a:scrgbClr r="0" g="0" b="0"/>
+            </a:lnRef>
+            <a:fillRef idx="0">
+              <a:scrgbClr r="0" g="0" b="0"/>
+            </a:fillRef>
+            <a:effectRef idx="0">
+              <a:scrgbClr r="0" g="0" b="0"/>
+            </a:effectRef>
+            <a:fontRef idx="minor"/>
+          </p:style>
+          <p:txBody>
+            <a:bodyPr wrap="none" lIns="90000" tIns="45000" rIns="90000" bIns="45000" anchor="t">
+              <a:spAutoFit/>
+            </a:bodyPr>
+            <a:lstStyle/>
+            <a:p>
+              <a:pPr algn="ctr">
+                <a:lnSpc>
+                  <a:spcPct val="100000"/>
+                </a:lnSpc>
+                <a:buNone/>
+              </a:pPr>
+              <a:r>
+                <a:rPr lang="en-US" sz="1800" b="1" strike="noStrike" spc="-1" dirty="0">
+                  <a:solidFill>
+                    <a:srgbClr val="000000"/>
+                  </a:solidFill>
+                  <a:latin typeface="Aptos"/>
+                </a:rPr>
+                <a:t>Improved</a:t>
+              </a:r>
+              <a:br>
+                <a:rPr lang="en-US" sz="1800" b="1" strike="noStrike" spc="-1" dirty="0">
+                  <a:solidFill>
+                    <a:srgbClr val="000000"/>
+                  </a:solidFill>
+                  <a:latin typeface="Aptos"/>
+                </a:rPr>
+              </a:br>
+              <a:r>
+                <a:rPr lang="en-US" sz="1800" b="1" strike="noStrike" spc="-1" dirty="0">
+                  <a:solidFill>
+                    <a:srgbClr val="000000"/>
+                  </a:solidFill>
+                  <a:latin typeface="Aptos"/>
+                </a:rPr>
+                <a:t>Response</a:t>
+              </a:r>
+              <a:endParaRPr lang="en-US" sz="1800" b="0" strike="noStrike" spc="-1" dirty="0">
+                <a:latin typeface="Arial"/>
+              </a:endParaRPr>
+            </a:p>
+          </p:txBody>
+        </p:sp>
+      </p:grpSp>
+    </p:spTree>
+    <p:extLst>
+      <p:ext uri="{BB962C8B-B14F-4D97-AF65-F5344CB8AC3E}">
+        <p14:creationId xmlns:p14="http://schemas.microsoft.com/office/powerpoint/2010/main" val="253889252"/>
+      </p:ext>
+    </p:extLst>
+  </p:cSld>
+  <p:clrMapOvr>
+    <a:masterClrMapping/>
+  </p:clrMapOvr>
+</p:sld>
+</file>
+
+<file path=ppt/slides/slide6.xml><?xml version="1.0" encoding="utf-8"?>
+<p:sld xmlns:a="http://schemas.openxmlformats.org/drawingml/2006/main" xmlns:r="http://schemas.openxmlformats.org/officeDocument/2006/relationships" xmlns:p="http://schemas.openxmlformats.org/presentationml/2006/main">
+  <p:cSld>
+    <p:spTree>
+      <p:nvGrpSpPr>
+        <p:cNvPr id="1" name="">
+          <a:extLst>
+            <a:ext uri="{FF2B5EF4-FFF2-40B4-BE49-F238E27FC236}">
+              <a16:creationId xmlns:a16="http://schemas.microsoft.com/office/drawing/2014/main" id="{72DEDC8B-F5D4-38AF-FF92-484F01181A0E}"/>
+            </a:ext>
+          </a:extLst>
+        </p:cNvPr>
+        <p:cNvGrpSpPr/>
+        <p:nvPr/>
+      </p:nvGrpSpPr>
+      <p:grpSpPr>
+        <a:xfrm>
+          <a:off x="0" y="0"/>
+          <a:ext cx="0" cy="0"/>
+          <a:chOff x="0" y="0"/>
+          <a:chExt cx="0" cy="0"/>
+        </a:xfrm>
+      </p:grpSpPr>
+      <p:grpSp>
+        <p:nvGrpSpPr>
+          <p:cNvPr id="10" name="Group 9">
+            <a:extLst>
+              <a:ext uri="{FF2B5EF4-FFF2-40B4-BE49-F238E27FC236}">
+                <a16:creationId xmlns:a16="http://schemas.microsoft.com/office/drawing/2014/main" id="{1F41B27F-6BCE-D441-8DE8-03458ED5B486}"/>
+              </a:ext>
+            </a:extLst>
+          </p:cNvPr>
+          <p:cNvGrpSpPr/>
+          <p:nvPr/>
+        </p:nvGrpSpPr>
+        <p:grpSpPr>
+          <a:xfrm>
+            <a:off x="3378089" y="3037460"/>
+            <a:ext cx="1011605" cy="1475822"/>
+            <a:chOff x="3312631" y="3025574"/>
+            <a:chExt cx="1174081" cy="1712855"/>
+          </a:xfrm>
+        </p:grpSpPr>
+        <p:pic>
+          <p:nvPicPr>
+            <p:cNvPr id="70" name="Picture 2">
+              <a:extLst>
+                <a:ext uri="{FF2B5EF4-FFF2-40B4-BE49-F238E27FC236}">
+                  <a16:creationId xmlns:a16="http://schemas.microsoft.com/office/drawing/2014/main" id="{C2E79030-200E-37B0-6D30-AC9B65869514}"/>
+                </a:ext>
+              </a:extLst>
+            </p:cNvPr>
+            <p:cNvPicPr/>
+            <p:nvPr/>
+          </p:nvPicPr>
+          <p:blipFill>
+            <a:blip r:embed="rId2"/>
+            <a:stretch/>
+          </p:blipFill>
+          <p:spPr>
+            <a:xfrm>
+              <a:off x="3380602" y="3025574"/>
+              <a:ext cx="1054800" cy="1050480"/>
+            </a:xfrm>
+            <a:prstGeom prst="rect">
+              <a:avLst/>
+            </a:prstGeom>
+            <a:ln w="0">
+              <a:noFill/>
+            </a:ln>
+          </p:spPr>
+        </p:pic>
+        <p:sp>
+          <p:nvSpPr>
+            <p:cNvPr id="71" name="TextBox 1">
+              <a:extLst>
+                <a:ext uri="{FF2B5EF4-FFF2-40B4-BE49-F238E27FC236}">
+                  <a16:creationId xmlns:a16="http://schemas.microsoft.com/office/drawing/2014/main" id="{E8D4549D-D7BF-B44F-65D8-DDD72662341B}"/>
+                </a:ext>
+              </a:extLst>
+            </p:cNvPr>
+            <p:cNvSpPr/>
+            <p:nvPr/>
+          </p:nvSpPr>
+          <p:spPr>
+            <a:xfrm>
+              <a:off x="3312631" y="4093553"/>
+              <a:ext cx="1174081" cy="644876"/>
+            </a:xfrm>
+            <a:prstGeom prst="rect">
+              <a:avLst/>
+            </a:prstGeom>
+            <a:noFill/>
+            <a:ln w="0">
+              <a:noFill/>
+            </a:ln>
+          </p:spPr>
+          <p:style>
+            <a:lnRef idx="0">
+              <a:scrgbClr r="0" g="0" b="0"/>
+            </a:lnRef>
+            <a:fillRef idx="0">
+              <a:scrgbClr r="0" g="0" b="0"/>
+            </a:fillRef>
+            <a:effectRef idx="0">
+              <a:scrgbClr r="0" g="0" b="0"/>
+            </a:effectRef>
+            <a:fontRef idx="minor"/>
+          </p:style>
+          <p:txBody>
+            <a:bodyPr wrap="none" lIns="90000" tIns="45000" rIns="90000" bIns="45000" anchor="t">
+              <a:spAutoFit/>
+            </a:bodyPr>
+            <a:lstStyle/>
+            <a:p>
+              <a:pPr algn="ctr">
+                <a:lnSpc>
+                  <a:spcPct val="100000"/>
+                </a:lnSpc>
+                <a:buNone/>
+              </a:pPr>
+              <a:r>
+                <a:rPr lang="en-US" sz="1800" b="1" strike="noStrike" spc="-1" dirty="0">
+                  <a:solidFill>
+                    <a:srgbClr val="000000"/>
+                  </a:solidFill>
+                  <a:latin typeface="Aptos"/>
+                </a:rPr>
+                <a:t>Context</a:t>
+              </a:r>
+              <a:br>
+                <a:rPr lang="en-US" sz="1800" b="1" strike="noStrike" spc="-1" dirty="0">
+                  <a:solidFill>
+                    <a:srgbClr val="000000"/>
+                  </a:solidFill>
+                  <a:latin typeface="Aptos"/>
+                </a:rPr>
+              </a:br>
+              <a:r>
+                <a:rPr lang="en-US" sz="1800" b="1" strike="noStrike" spc="-1" dirty="0">
+                  <a:solidFill>
+                    <a:srgbClr val="000000"/>
+                  </a:solidFill>
+                  <a:latin typeface="Aptos"/>
+                </a:rPr>
+                <a:t>Document</a:t>
+              </a:r>
+              <a:endParaRPr lang="en-US" sz="1800" b="0" strike="noStrike" spc="-1" dirty="0">
+                <a:latin typeface="Arial"/>
+              </a:endParaRPr>
+            </a:p>
+          </p:txBody>
+        </p:sp>
+      </p:grpSp>
+      <p:sp>
+        <p:nvSpPr>
+          <p:cNvPr id="79" name="TextBox 3">
+            <a:extLst>
+              <a:ext uri="{FF2B5EF4-FFF2-40B4-BE49-F238E27FC236}">
+                <a16:creationId xmlns:a16="http://schemas.microsoft.com/office/drawing/2014/main" id="{E5EE5830-32B0-CD30-AFD2-D3A3BDD0C4DE}"/>
+              </a:ext>
+            </a:extLst>
+          </p:cNvPr>
+          <p:cNvSpPr/>
+          <p:nvPr/>
+        </p:nvSpPr>
+        <p:spPr>
+          <a:xfrm>
+            <a:off x="2943198" y="2432674"/>
+            <a:ext cx="1912945" cy="292674"/>
+          </a:xfrm>
+          <a:prstGeom prst="rect">
+            <a:avLst/>
+          </a:prstGeom>
+          <a:noFill/>
+          <a:ln w="0">
+            <a:noFill/>
+          </a:ln>
+        </p:spPr>
+        <p:style>
+          <a:lnRef idx="0">
+            <a:scrgbClr r="0" g="0" b="0"/>
+          </a:lnRef>
+          <a:fillRef idx="0">
+            <a:scrgbClr r="0" g="0" b="0"/>
+          </a:fillRef>
+          <a:effectRef idx="0">
+            <a:scrgbClr r="0" g="0" b="0"/>
+          </a:effectRef>
+          <a:fontRef idx="minor"/>
+        </p:style>
+        <p:txBody>
+          <a:bodyPr wrap="square" lIns="90000" tIns="45000" rIns="90000" bIns="45000" anchor="t">
+            <a:spAutoFit/>
+          </a:bodyPr>
+          <a:lstStyle/>
+          <a:p>
+            <a:pPr algn="ctr">
+              <a:lnSpc>
+                <a:spcPct val="100000"/>
+              </a:lnSpc>
+              <a:buNone/>
+            </a:pPr>
+            <a:r>
+              <a:rPr lang="en-US" sz="1800" b="1" strike="noStrike" spc="-1" dirty="0">
+                <a:solidFill>
+                  <a:srgbClr val="000000"/>
+                </a:solidFill>
+                <a:latin typeface="Aptos"/>
+              </a:rPr>
+              <a:t>User Query</a:t>
+            </a:r>
+            <a:endParaRPr lang="en-US" sz="1800" b="0" strike="noStrike" spc="-1" dirty="0">
+              <a:latin typeface="Arial"/>
+            </a:endParaRPr>
+          </a:p>
+        </p:txBody>
+      </p:sp>
+      <p:pic>
+        <p:nvPicPr>
+          <p:cNvPr id="33" name="Picture 32">
+            <a:extLst>
+              <a:ext uri="{FF2B5EF4-FFF2-40B4-BE49-F238E27FC236}">
+                <a16:creationId xmlns:a16="http://schemas.microsoft.com/office/drawing/2014/main" id="{15EF872C-D110-4041-BCD5-EF0D5AC7E18C}"/>
+              </a:ext>
+            </a:extLst>
+          </p:cNvPr>
+          <p:cNvPicPr>
+            <a:picLocks noChangeAspect="1"/>
+          </p:cNvPicPr>
+          <p:nvPr/>
+        </p:nvPicPr>
+        <p:blipFill>
+          <a:blip r:embed="rId3"/>
+          <a:srcRect l="33649" t="42246" r="55406" b="44575"/>
+          <a:stretch>
+            <a:fillRect/>
+          </a:stretch>
+        </p:blipFill>
+        <p:spPr>
+          <a:xfrm>
+            <a:off x="3628892" y="2004236"/>
+            <a:ext cx="511062" cy="478379"/>
+          </a:xfrm>
+          <a:prstGeom prst="rect">
+            <a:avLst/>
+          </a:prstGeom>
+          <a:ln w="0">
+            <a:noFill/>
+          </a:ln>
+        </p:spPr>
+      </p:pic>
+      <p:grpSp>
+        <p:nvGrpSpPr>
+          <p:cNvPr id="17" name="Group 16">
+            <a:extLst>
+              <a:ext uri="{FF2B5EF4-FFF2-40B4-BE49-F238E27FC236}">
+                <a16:creationId xmlns:a16="http://schemas.microsoft.com/office/drawing/2014/main" id="{F8865646-2902-614E-8A1F-25DC18C6E5D2}"/>
+              </a:ext>
+            </a:extLst>
+          </p:cNvPr>
+          <p:cNvGrpSpPr/>
+          <p:nvPr/>
+        </p:nvGrpSpPr>
+        <p:grpSpPr>
+          <a:xfrm>
+            <a:off x="4480413" y="2268148"/>
+            <a:ext cx="723615" cy="1910152"/>
+            <a:chOff x="4291765" y="2268148"/>
+            <a:chExt cx="1018498" cy="1910152"/>
+          </a:xfrm>
+        </p:grpSpPr>
+        <p:cxnSp>
+          <p:nvCxnSpPr>
+            <p:cNvPr id="13" name="Curved Connector 12">
+              <a:extLst>
+                <a:ext uri="{FF2B5EF4-FFF2-40B4-BE49-F238E27FC236}">
+                  <a16:creationId xmlns:a16="http://schemas.microsoft.com/office/drawing/2014/main" id="{BBE2880D-E14A-0F42-8329-D89CCFD1F605}"/>
+                </a:ext>
+              </a:extLst>
+            </p:cNvPr>
+            <p:cNvCxnSpPr>
+              <a:cxnSpLocks/>
+            </p:cNvCxnSpPr>
+            <p:nvPr/>
+          </p:nvCxnSpPr>
+          <p:spPr>
+            <a:xfrm>
+              <a:off x="4395863" y="2268148"/>
+              <a:ext cx="914400" cy="914400"/>
+            </a:xfrm>
+            <a:prstGeom prst="curvedConnector3">
+              <a:avLst/>
+            </a:prstGeom>
+            <a:noFill/>
+            <a:ln w="34925">
+              <a:solidFill>
+                <a:srgbClr val="000000"/>
+              </a:solidFill>
+              <a:tailEnd type="none" w="med" len="med"/>
+            </a:ln>
+            <a:effectLst/>
+          </p:spPr>
+          <p:style>
+            <a:lnRef idx="2">
+              <a:schemeClr val="accent1"/>
+            </a:lnRef>
+            <a:fillRef idx="0">
+              <a:schemeClr val="accent1"/>
+            </a:fillRef>
+            <a:effectRef idx="1">
+              <a:schemeClr val="accent1"/>
+            </a:effectRef>
+            <a:fontRef idx="minor"/>
+          </p:style>
+        </p:cxnSp>
+        <p:cxnSp>
+          <p:nvCxnSpPr>
+            <p:cNvPr id="38" name="Curved Connector 37">
+              <a:extLst>
+                <a:ext uri="{FF2B5EF4-FFF2-40B4-BE49-F238E27FC236}">
+                  <a16:creationId xmlns:a16="http://schemas.microsoft.com/office/drawing/2014/main" id="{61134866-D093-C044-A818-F07E97CE0CBD}"/>
+                </a:ext>
+              </a:extLst>
+            </p:cNvPr>
+            <p:cNvCxnSpPr>
+              <a:cxnSpLocks/>
+            </p:cNvCxnSpPr>
+            <p:nvPr/>
+          </p:nvCxnSpPr>
+          <p:spPr>
+            <a:xfrm flipV="1">
+              <a:off x="4291765" y="3182548"/>
+              <a:ext cx="1018498" cy="995752"/>
+            </a:xfrm>
+            <a:prstGeom prst="curvedConnector3">
+              <a:avLst/>
+            </a:prstGeom>
+            <a:noFill/>
+            <a:ln w="34925">
+              <a:solidFill>
+                <a:srgbClr val="000000"/>
+              </a:solidFill>
+              <a:tailEnd type="none" w="med" len="med"/>
+            </a:ln>
+            <a:effectLst/>
+          </p:spPr>
+          <p:style>
+            <a:lnRef idx="2">
+              <a:schemeClr val="accent1"/>
+            </a:lnRef>
+            <a:fillRef idx="0">
+              <a:schemeClr val="accent1"/>
+            </a:fillRef>
+            <a:effectRef idx="1">
+              <a:schemeClr val="accent1"/>
+            </a:effectRef>
+            <a:fontRef idx="minor"/>
+          </p:style>
+        </p:cxnSp>
+      </p:grpSp>
+      <p:cxnSp>
+        <p:nvCxnSpPr>
+          <p:cNvPr id="48" name="Straight Arrow Connector 47">
+            <a:extLst>
+              <a:ext uri="{FF2B5EF4-FFF2-40B4-BE49-F238E27FC236}">
+                <a16:creationId xmlns:a16="http://schemas.microsoft.com/office/drawing/2014/main" id="{45B55CD3-1577-9341-8760-545CAA78BED6}"/>
+              </a:ext>
+            </a:extLst>
+          </p:cNvPr>
+          <p:cNvCxnSpPr>
+            <a:cxnSpLocks/>
+          </p:cNvCxnSpPr>
+          <p:nvPr/>
+        </p:nvCxnSpPr>
+        <p:spPr>
+          <a:xfrm flipV="1">
+            <a:off x="5253051" y="3181062"/>
+            <a:ext cx="40170" cy="901"/>
+          </a:xfrm>
+          <a:prstGeom prst="straightConnector1">
+            <a:avLst/>
+          </a:prstGeom>
+          <a:noFill/>
+          <a:ln w="34925">
+            <a:solidFill>
+              <a:srgbClr val="000000"/>
+            </a:solidFill>
+            <a:tailEnd type="triangle" w="med" len="med"/>
+          </a:ln>
+          <a:effectLst/>
+        </p:spPr>
+        <p:style>
+          <a:lnRef idx="2">
+            <a:schemeClr val="accent1"/>
+          </a:lnRef>
+          <a:fillRef idx="0">
+            <a:schemeClr val="accent1"/>
+          </a:fillRef>
+          <a:effectRef idx="1">
+            <a:schemeClr val="accent1"/>
+          </a:effectRef>
+          <a:fontRef idx="minor"/>
+        </p:style>
+      </p:cxnSp>
+      <p:grpSp>
+        <p:nvGrpSpPr>
+          <p:cNvPr id="27" name="Group 26">
+            <a:extLst>
+              <a:ext uri="{FF2B5EF4-FFF2-40B4-BE49-F238E27FC236}">
+                <a16:creationId xmlns:a16="http://schemas.microsoft.com/office/drawing/2014/main" id="{B83D466A-10F5-B540-8F10-20C2F88EDE6A}"/>
+              </a:ext>
+            </a:extLst>
+          </p:cNvPr>
+          <p:cNvGrpSpPr/>
+          <p:nvPr/>
+        </p:nvGrpSpPr>
+        <p:grpSpPr>
+          <a:xfrm>
+            <a:off x="5115337" y="2278544"/>
+            <a:ext cx="2329901" cy="2202585"/>
+            <a:chOff x="5249672" y="2278544"/>
+            <a:chExt cx="2329901" cy="2202585"/>
+          </a:xfrm>
+        </p:grpSpPr>
+        <p:grpSp>
+          <p:nvGrpSpPr>
+            <p:cNvPr id="25" name="Group 24">
+              <a:extLst>
+                <a:ext uri="{FF2B5EF4-FFF2-40B4-BE49-F238E27FC236}">
+                  <a16:creationId xmlns:a16="http://schemas.microsoft.com/office/drawing/2014/main" id="{481C166C-89F1-C344-A760-D49CD6937326}"/>
+                </a:ext>
+              </a:extLst>
+            </p:cNvPr>
+            <p:cNvGrpSpPr/>
+            <p:nvPr/>
+          </p:nvGrpSpPr>
+          <p:grpSpPr>
+            <a:xfrm>
+              <a:off x="5249672" y="2278544"/>
+              <a:ext cx="1565150" cy="2202585"/>
+              <a:chOff x="5307056" y="2253912"/>
+              <a:chExt cx="1565150" cy="2202585"/>
+            </a:xfrm>
+          </p:grpSpPr>
+          <p:sp>
+            <p:nvSpPr>
+              <p:cNvPr id="76" name="TextBox 2">
+                <a:extLst>
+                  <a:ext uri="{FF2B5EF4-FFF2-40B4-BE49-F238E27FC236}">
+                    <a16:creationId xmlns:a16="http://schemas.microsoft.com/office/drawing/2014/main" id="{BCDC65EC-C1C2-A7E5-9B56-63C723B9039F}"/>
+                  </a:ext>
+                </a:extLst>
+              </p:cNvPr>
+              <p:cNvSpPr/>
+              <p:nvPr/>
+            </p:nvSpPr>
+            <p:spPr>
+              <a:xfrm>
+                <a:off x="5307056" y="3257622"/>
+                <a:ext cx="1565150" cy="1198875"/>
+              </a:xfrm>
+              <a:prstGeom prst="rect">
+                <a:avLst/>
+              </a:prstGeom>
+              <a:noFill/>
+              <a:ln w="0">
+                <a:noFill/>
+              </a:ln>
+            </p:spPr>
+            <p:style>
+              <a:lnRef idx="0">
+                <a:scrgbClr r="0" g="0" b="0"/>
+              </a:lnRef>
+              <a:fillRef idx="0">
+                <a:scrgbClr r="0" g="0" b="0"/>
+              </a:fillRef>
+              <a:effectRef idx="0">
+                <a:scrgbClr r="0" g="0" b="0"/>
+              </a:effectRef>
+              <a:fontRef idx="minor"/>
+            </p:style>
+            <p:txBody>
+              <a:bodyPr wrap="none" lIns="90000" tIns="45000" rIns="90000" bIns="45000" anchor="t">
+                <a:spAutoFit/>
+              </a:bodyPr>
+              <a:lstStyle/>
+              <a:p>
+                <a:pPr algn="ctr">
+                  <a:lnSpc>
+                    <a:spcPct val="100000"/>
+                  </a:lnSpc>
+                  <a:buNone/>
+                </a:pPr>
+                <a:r>
+                  <a:rPr lang="en-US" sz="1800" b="1" strike="noStrike" spc="-1" dirty="0">
+                    <a:solidFill>
+                      <a:srgbClr val="000000"/>
+                    </a:solidFill>
+                    <a:latin typeface="Aptos"/>
+                  </a:rPr>
+                  <a:t>Answer-Free,</a:t>
+                </a:r>
+                <a:br>
+                  <a:rPr lang="en-US" sz="1800" b="1" strike="noStrike" spc="-1" dirty="0">
+                    <a:solidFill>
+                      <a:srgbClr val="000000"/>
+                    </a:solidFill>
+                    <a:latin typeface="Aptos"/>
+                  </a:rPr>
+                </a:br>
+                <a:r>
+                  <a:rPr lang="en-US" sz="1800" b="1" strike="noStrike" spc="-1" dirty="0">
+                    <a:solidFill>
+                      <a:srgbClr val="000000"/>
+                    </a:solidFill>
+                    <a:latin typeface="Aptos"/>
+                  </a:rPr>
+                  <a:t>Contextually</a:t>
+                </a:r>
+                <a:endParaRPr lang="en-US" sz="1800" b="0" strike="noStrike" spc="-1" dirty="0">
+                  <a:latin typeface="Arial"/>
+                </a:endParaRPr>
+              </a:p>
+              <a:p>
+                <a:pPr algn="ctr">
+                  <a:lnSpc>
+                    <a:spcPct val="100000"/>
+                  </a:lnSpc>
+                  <a:buNone/>
+                </a:pPr>
+                <a:r>
+                  <a:rPr lang="en-US" sz="1800" b="1" strike="noStrike" spc="-1" dirty="0">
+                    <a:solidFill>
+                      <a:srgbClr val="000000"/>
+                    </a:solidFill>
+                    <a:latin typeface="Aptos"/>
+                  </a:rPr>
+                  <a:t>Grounded</a:t>
+                </a:r>
+              </a:p>
+              <a:p>
+                <a:pPr algn="ctr">
+                  <a:lnSpc>
+                    <a:spcPct val="100000"/>
+                  </a:lnSpc>
+                  <a:buNone/>
+                </a:pPr>
+                <a:r>
+                  <a:rPr lang="en-US" sz="1800" b="1" strike="noStrike" spc="-1" dirty="0">
+                    <a:solidFill>
+                      <a:srgbClr val="000000"/>
+                    </a:solidFill>
+                    <a:latin typeface="Aptos"/>
+                  </a:rPr>
+                  <a:t>Query Rewrite</a:t>
+                </a:r>
+                <a:endParaRPr lang="en-US" sz="1800" b="0" strike="noStrike" spc="-1" dirty="0">
+                  <a:latin typeface="Arial"/>
+                </a:endParaRPr>
+              </a:p>
+            </p:txBody>
+          </p:sp>
+          <p:pic>
+            <p:nvPicPr>
+              <p:cNvPr id="81" name="Picture 80">
+                <a:extLst>
+                  <a:ext uri="{FF2B5EF4-FFF2-40B4-BE49-F238E27FC236}">
+                    <a16:creationId xmlns:a16="http://schemas.microsoft.com/office/drawing/2014/main" id="{06E052F7-59DC-4EA0-81F8-6D073CAEAE5E}"/>
+                  </a:ext>
+                </a:extLst>
+              </p:cNvPr>
+              <p:cNvPicPr/>
+              <p:nvPr/>
+            </p:nvPicPr>
+            <p:blipFill>
+              <a:blip r:embed="rId4"/>
+              <a:srcRect l="39057" t="28094" r="38296" b="28573"/>
+              <a:stretch>
+                <a:fillRect/>
+              </a:stretch>
+            </p:blipFill>
+            <p:spPr>
+              <a:xfrm>
+                <a:off x="5687919" y="2253912"/>
+                <a:ext cx="713425" cy="1061172"/>
+              </a:xfrm>
+              <a:prstGeom prst="rect">
+                <a:avLst/>
+              </a:prstGeom>
+              <a:ln w="0">
+                <a:noFill/>
+              </a:ln>
+            </p:spPr>
+          </p:pic>
+        </p:grpSp>
+        <p:sp>
+          <p:nvSpPr>
+            <p:cNvPr id="56" name="Rectangle 55">
+              <a:extLst>
+                <a:ext uri="{FF2B5EF4-FFF2-40B4-BE49-F238E27FC236}">
+                  <a16:creationId xmlns:a16="http://schemas.microsoft.com/office/drawing/2014/main" id="{84B3978B-7C7B-BD47-A533-FBB93B622FE2}"/>
+                </a:ext>
+              </a:extLst>
+            </p:cNvPr>
+            <p:cNvSpPr/>
+            <p:nvPr/>
+          </p:nvSpPr>
+          <p:spPr>
+            <a:xfrm>
+              <a:off x="5820672" y="2927350"/>
+              <a:ext cx="313428" cy="253712"/>
+            </a:xfrm>
+            <a:prstGeom prst="rect">
+              <a:avLst/>
+            </a:prstGeom>
+            <a:solidFill>
+              <a:schemeClr val="bg1"/>
+            </a:solidFill>
+            <a:ln>
+              <a:noFill/>
+            </a:ln>
+          </p:spPr>
+          <p:style>
+            <a:lnRef idx="2">
+              <a:schemeClr val="accent1">
+                <a:shade val="50000"/>
+              </a:schemeClr>
+            </a:lnRef>
+            <a:fillRef idx="1">
+              <a:schemeClr val="accent1"/>
+            </a:fillRef>
+            <a:effectRef idx="0">
+              <a:schemeClr val="accent1"/>
+            </a:effectRef>
+            <a:fontRef idx="minor">
+              <a:schemeClr val="lt1"/>
+            </a:fontRef>
+          </p:style>
+          <p:txBody>
+            <a:bodyPr rtlCol="0" anchor="ctr"/>
+            <a:lstStyle/>
+            <a:p>
+              <a:pPr algn="ctr"/>
+              <a:endParaRPr lang="en-US"/>
+            </a:p>
+          </p:txBody>
+        </p:sp>
+        <p:sp>
+          <p:nvSpPr>
+            <p:cNvPr id="90" name="Rectangle 89">
+              <a:extLst>
+                <a:ext uri="{FF2B5EF4-FFF2-40B4-BE49-F238E27FC236}">
+                  <a16:creationId xmlns:a16="http://schemas.microsoft.com/office/drawing/2014/main" id="{D97B73FB-693D-1848-8214-EFD0E8233EF5}"/>
+                </a:ext>
+              </a:extLst>
+            </p:cNvPr>
+            <p:cNvSpPr/>
+            <p:nvPr/>
+          </p:nvSpPr>
+          <p:spPr>
+            <a:xfrm>
+              <a:off x="7266145" y="4108608"/>
+              <a:ext cx="313428" cy="253712"/>
+            </a:xfrm>
+            <a:prstGeom prst="rect">
+              <a:avLst/>
+            </a:prstGeom>
+            <a:solidFill>
+              <a:schemeClr val="bg1"/>
+            </a:solidFill>
+            <a:ln>
+              <a:noFill/>
+            </a:ln>
+          </p:spPr>
+          <p:style>
+            <a:lnRef idx="2">
+              <a:schemeClr val="accent1">
+                <a:shade val="50000"/>
+              </a:schemeClr>
+            </a:lnRef>
+            <a:fillRef idx="1">
+              <a:schemeClr val="accent1"/>
+            </a:fillRef>
+            <a:effectRef idx="0">
+              <a:schemeClr val="accent1"/>
+            </a:effectRef>
+            <a:fontRef idx="minor">
+              <a:schemeClr val="lt1"/>
+            </a:fontRef>
+          </p:style>
+          <p:txBody>
+            <a:bodyPr rtlCol="0" anchor="ctr"/>
+            <a:lstStyle/>
+            <a:p>
+              <a:pPr algn="ctr"/>
+              <a:endParaRPr lang="en-US"/>
+            </a:p>
+          </p:txBody>
+        </p:sp>
+      </p:grpSp>
+      <p:grpSp>
+        <p:nvGrpSpPr>
+          <p:cNvPr id="34" name="Group 33">
+            <a:extLst>
+              <a:ext uri="{FF2B5EF4-FFF2-40B4-BE49-F238E27FC236}">
+                <a16:creationId xmlns:a16="http://schemas.microsoft.com/office/drawing/2014/main" id="{A93B4F98-92AB-AD48-A37E-A835AFF5A614}"/>
+              </a:ext>
+            </a:extLst>
+          </p:cNvPr>
+          <p:cNvGrpSpPr/>
+          <p:nvPr/>
+        </p:nvGrpSpPr>
+        <p:grpSpPr>
+          <a:xfrm>
+            <a:off x="6901725" y="2080118"/>
+            <a:ext cx="1050202" cy="1073040"/>
+            <a:chOff x="7028369" y="2502245"/>
+            <a:chExt cx="1050202" cy="1073040"/>
+          </a:xfrm>
+        </p:grpSpPr>
+        <p:pic>
+          <p:nvPicPr>
+            <p:cNvPr id="52" name="Picture 51">
+              <a:extLst>
+                <a:ext uri="{FF2B5EF4-FFF2-40B4-BE49-F238E27FC236}">
+                  <a16:creationId xmlns:a16="http://schemas.microsoft.com/office/drawing/2014/main" id="{40821653-C769-6943-BF01-3F560E6A8827}"/>
+                </a:ext>
+              </a:extLst>
+            </p:cNvPr>
+            <p:cNvPicPr>
+              <a:picLocks noChangeAspect="1"/>
+            </p:cNvPicPr>
+            <p:nvPr/>
+          </p:nvPicPr>
+          <p:blipFill>
+            <a:blip r:embed="rId3"/>
+            <a:srcRect l="33649" t="42246" r="55406" b="44575"/>
+            <a:stretch>
+              <a:fillRect/>
+            </a:stretch>
+          </p:blipFill>
+          <p:spPr>
+            <a:xfrm>
+              <a:off x="7258580" y="2502245"/>
+              <a:ext cx="511062" cy="478379"/>
+            </a:xfrm>
+            <a:prstGeom prst="rect">
+              <a:avLst/>
+            </a:prstGeom>
+            <a:ln w="0">
+              <a:noFill/>
+            </a:ln>
+          </p:spPr>
+        </p:pic>
+        <p:sp>
+          <p:nvSpPr>
+            <p:cNvPr id="26" name="Rectangle 25">
+              <a:extLst>
+                <a:ext uri="{FF2B5EF4-FFF2-40B4-BE49-F238E27FC236}">
+                  <a16:creationId xmlns:a16="http://schemas.microsoft.com/office/drawing/2014/main" id="{81E25098-88B1-454B-9C62-8C1F5432C7C9}"/>
+                </a:ext>
+              </a:extLst>
+            </p:cNvPr>
+            <p:cNvSpPr/>
+            <p:nvPr/>
+          </p:nvSpPr>
+          <p:spPr>
+            <a:xfrm>
+              <a:off x="7410791" y="2597684"/>
+              <a:ext cx="202859" cy="221716"/>
+            </a:xfrm>
+            <a:prstGeom prst="rect">
+              <a:avLst/>
+            </a:prstGeom>
+            <a:solidFill>
+              <a:schemeClr val="bg1"/>
+            </a:solidFill>
+            <a:ln>
+              <a:noFill/>
+            </a:ln>
+          </p:spPr>
+          <p:style>
+            <a:lnRef idx="2">
+              <a:schemeClr val="accent1">
+                <a:shade val="50000"/>
+              </a:schemeClr>
+            </a:lnRef>
+            <a:fillRef idx="1">
+              <a:schemeClr val="accent1"/>
+            </a:fillRef>
+            <a:effectRef idx="0">
+              <a:schemeClr val="accent1"/>
+            </a:effectRef>
+            <a:fontRef idx="minor">
+              <a:schemeClr val="lt1"/>
+            </a:fontRef>
+          </p:style>
+          <p:txBody>
+            <a:bodyPr rtlCol="0" anchor="ctr"/>
+            <a:lstStyle/>
+            <a:p>
+              <a:pPr algn="ctr"/>
+              <a:endParaRPr lang="en-US"/>
+            </a:p>
+          </p:txBody>
+        </p:sp>
+        <p:pic>
+          <p:nvPicPr>
+            <p:cNvPr id="53" name="Picture 52">
+              <a:extLst>
+                <a:ext uri="{FF2B5EF4-FFF2-40B4-BE49-F238E27FC236}">
+                  <a16:creationId xmlns:a16="http://schemas.microsoft.com/office/drawing/2014/main" id="{67C99A77-1607-0341-8163-E5730F3A64F2}"/>
+                </a:ext>
+              </a:extLst>
+            </p:cNvPr>
+            <p:cNvPicPr>
+              <a:picLocks noChangeAspect="1"/>
+            </p:cNvPicPr>
+            <p:nvPr/>
+          </p:nvPicPr>
+          <p:blipFill rotWithShape="1">
+            <a:blip r:embed="rId3"/>
+            <a:srcRect l="37338" t="44465" r="58718" b="48705"/>
+            <a:stretch/>
+          </p:blipFill>
+          <p:spPr>
+            <a:xfrm>
+              <a:off x="7369320" y="2584288"/>
+              <a:ext cx="184150" cy="247939"/>
+            </a:xfrm>
+            <a:prstGeom prst="rect">
+              <a:avLst/>
+            </a:prstGeom>
+            <a:ln w="0">
+              <a:noFill/>
+            </a:ln>
+          </p:spPr>
+        </p:pic>
+        <p:sp>
+          <p:nvSpPr>
+            <p:cNvPr id="59" name="TextBox 2">
+              <a:extLst>
+                <a:ext uri="{FF2B5EF4-FFF2-40B4-BE49-F238E27FC236}">
+                  <a16:creationId xmlns:a16="http://schemas.microsoft.com/office/drawing/2014/main" id="{DF6277D8-EA64-CF4A-A809-4541ECB30FC8}"/>
+                </a:ext>
+              </a:extLst>
+            </p:cNvPr>
+            <p:cNvSpPr/>
+            <p:nvPr/>
+          </p:nvSpPr>
+          <p:spPr>
+            <a:xfrm>
+              <a:off x="7453023" y="2517734"/>
+              <a:ext cx="297046" cy="367878"/>
+            </a:xfrm>
+            <a:prstGeom prst="rect">
+              <a:avLst/>
+            </a:prstGeom>
+            <a:noFill/>
+            <a:ln w="0">
+              <a:noFill/>
+            </a:ln>
+          </p:spPr>
+          <p:style>
+            <a:lnRef idx="0">
+              <a:scrgbClr r="0" g="0" b="0"/>
+            </a:lnRef>
+            <a:fillRef idx="0">
+              <a:scrgbClr r="0" g="0" b="0"/>
+            </a:fillRef>
+            <a:effectRef idx="0">
+              <a:scrgbClr r="0" g="0" b="0"/>
+            </a:effectRef>
+            <a:fontRef idx="minor"/>
+          </p:style>
+          <p:txBody>
+            <a:bodyPr wrap="none" lIns="90000" tIns="45000" rIns="90000" bIns="45000" anchor="t">
+              <a:spAutoFit/>
+            </a:bodyPr>
+            <a:lstStyle/>
+            <a:p>
+              <a:pPr algn="ctr">
+                <a:lnSpc>
+                  <a:spcPct val="100000"/>
+                </a:lnSpc>
+                <a:buNone/>
+              </a:pPr>
+              <a:r>
+                <a:rPr lang="en-US" sz="1800" b="1" strike="noStrike" spc="-1" dirty="0">
+                  <a:solidFill>
+                    <a:srgbClr val="000000"/>
+                  </a:solidFill>
+                  <a:latin typeface="Aptos"/>
+                </a:rPr>
+                <a:t>+</a:t>
+              </a:r>
+              <a:endParaRPr lang="en-US" sz="1800" b="0" strike="noStrike" spc="-1" dirty="0">
+                <a:latin typeface="Arial"/>
+              </a:endParaRPr>
+            </a:p>
+          </p:txBody>
+        </p:sp>
+        <p:sp>
+          <p:nvSpPr>
+            <p:cNvPr id="60" name="TextBox 2">
+              <a:extLst>
+                <a:ext uri="{FF2B5EF4-FFF2-40B4-BE49-F238E27FC236}">
+                  <a16:creationId xmlns:a16="http://schemas.microsoft.com/office/drawing/2014/main" id="{0A6D4CE1-9A97-374E-A4E8-B2CC92F57695}"/>
+                </a:ext>
+              </a:extLst>
+            </p:cNvPr>
+            <p:cNvSpPr/>
+            <p:nvPr/>
+          </p:nvSpPr>
+          <p:spPr>
+            <a:xfrm>
+              <a:off x="7028369" y="2930408"/>
+              <a:ext cx="1050202" cy="644877"/>
+            </a:xfrm>
+            <a:prstGeom prst="rect">
+              <a:avLst/>
+            </a:prstGeom>
+            <a:noFill/>
+            <a:ln w="0">
+              <a:noFill/>
+            </a:ln>
+          </p:spPr>
+          <p:style>
+            <a:lnRef idx="0">
+              <a:scrgbClr r="0" g="0" b="0"/>
+            </a:lnRef>
+            <a:fillRef idx="0">
+              <a:scrgbClr r="0" g="0" b="0"/>
+            </a:fillRef>
+            <a:effectRef idx="0">
+              <a:scrgbClr r="0" g="0" b="0"/>
+            </a:effectRef>
+            <a:fontRef idx="minor"/>
+          </p:style>
+          <p:txBody>
+            <a:bodyPr wrap="none" lIns="90000" tIns="45000" rIns="90000" bIns="45000" anchor="t">
+              <a:spAutoFit/>
+            </a:bodyPr>
+            <a:lstStyle/>
+            <a:p>
+              <a:pPr algn="ctr">
+                <a:lnSpc>
+                  <a:spcPct val="100000"/>
+                </a:lnSpc>
+                <a:buNone/>
+              </a:pPr>
+              <a:r>
+                <a:rPr lang="en-US" sz="1800" b="1" strike="noStrike" spc="-1" dirty="0">
+                  <a:solidFill>
+                    <a:srgbClr val="000000"/>
+                  </a:solidFill>
+                  <a:latin typeface="Aptos"/>
+                </a:rPr>
+                <a:t>Refined</a:t>
+              </a:r>
+              <a:br>
+                <a:rPr lang="en-US" sz="1800" b="1" strike="noStrike" spc="-1" dirty="0">
+                  <a:solidFill>
+                    <a:srgbClr val="000000"/>
+                  </a:solidFill>
+                  <a:latin typeface="Aptos"/>
+                </a:rPr>
+              </a:br>
+              <a:r>
+                <a:rPr lang="en-US" sz="1800" b="1" strike="noStrike" spc="-1" dirty="0">
+                  <a:solidFill>
+                    <a:srgbClr val="000000"/>
+                  </a:solidFill>
+                  <a:latin typeface="Aptos"/>
+                </a:rPr>
+                <a:t>Questio</a:t>
+              </a:r>
+              <a:r>
+                <a:rPr lang="en-US" b="1" spc="-1" dirty="0">
+                  <a:solidFill>
+                    <a:srgbClr val="000000"/>
+                  </a:solidFill>
+                  <a:latin typeface="Aptos"/>
+                </a:rPr>
+                <a:t>n</a:t>
+              </a:r>
+              <a:endParaRPr lang="en-US" sz="1800" b="0" strike="noStrike" spc="-1" dirty="0">
+                <a:latin typeface="Arial"/>
+              </a:endParaRPr>
+            </a:p>
+          </p:txBody>
+        </p:sp>
+      </p:grpSp>
+      <p:sp>
+        <p:nvSpPr>
+          <p:cNvPr id="63" name="Straight Arrow Connector 3">
+            <a:extLst>
+              <a:ext uri="{FF2B5EF4-FFF2-40B4-BE49-F238E27FC236}">
+                <a16:creationId xmlns:a16="http://schemas.microsoft.com/office/drawing/2014/main" id="{3F246962-1B8C-024D-8B35-BC37A5D47D08}"/>
+              </a:ext>
+            </a:extLst>
+          </p:cNvPr>
+          <p:cNvSpPr/>
+          <p:nvPr/>
+        </p:nvSpPr>
+        <p:spPr>
+          <a:xfrm flipH="1">
+            <a:off x="8220636" y="3267562"/>
+            <a:ext cx="470195" cy="508945"/>
+          </a:xfrm>
+          <a:custGeom>
+            <a:avLst/>
+            <a:gdLst/>
+            <a:ahLst/>
+            <a:cxnLst/>
+            <a:rect l="l" t="t" r="r" b="b"/>
+            <a:pathLst>
+              <a:path w="21600" h="21600">
+                <a:moveTo>
+                  <a:pt x="0" y="0"/>
+                </a:moveTo>
+                <a:lnTo>
+                  <a:pt x="21600" y="21600"/>
+                </a:lnTo>
+              </a:path>
+            </a:pathLst>
+          </a:custGeom>
+          <a:noFill/>
+          <a:ln w="34925">
+            <a:solidFill>
+              <a:srgbClr val="000000"/>
+            </a:solidFill>
+            <a:tailEnd type="triangle" w="med" len="med"/>
+          </a:ln>
+          <a:effectLst/>
+        </p:spPr>
+        <p:style>
+          <a:lnRef idx="2">
+            <a:schemeClr val="accent1"/>
+          </a:lnRef>
+          <a:fillRef idx="0">
+            <a:schemeClr val="accent1"/>
+          </a:fillRef>
+          <a:effectRef idx="1">
+            <a:schemeClr val="accent1"/>
+          </a:effectRef>
+          <a:fontRef idx="minor"/>
+        </p:style>
+        <p:txBody>
+          <a:bodyPr/>
+          <a:lstStyle/>
+          <a:p>
+            <a:endParaRPr lang="en-US"/>
+          </a:p>
+        </p:txBody>
+      </p:sp>
+      <p:sp>
+        <p:nvSpPr>
+          <p:cNvPr id="73" name="Straight Arrow Connector 3">
+            <a:extLst>
+              <a:ext uri="{FF2B5EF4-FFF2-40B4-BE49-F238E27FC236}">
+                <a16:creationId xmlns:a16="http://schemas.microsoft.com/office/drawing/2014/main" id="{4098D01C-3D46-1848-AD26-33AD060B9366}"/>
+              </a:ext>
+            </a:extLst>
+          </p:cNvPr>
+          <p:cNvSpPr/>
+          <p:nvPr/>
+        </p:nvSpPr>
+        <p:spPr>
+          <a:xfrm flipV="1">
+            <a:off x="6293328" y="2418163"/>
+            <a:ext cx="681376" cy="461245"/>
+          </a:xfrm>
+          <a:custGeom>
+            <a:avLst/>
+            <a:gdLst/>
+            <a:ahLst/>
+            <a:cxnLst/>
+            <a:rect l="l" t="t" r="r" b="b"/>
+            <a:pathLst>
+              <a:path w="21600" h="21600">
+                <a:moveTo>
+                  <a:pt x="0" y="0"/>
+                </a:moveTo>
+                <a:lnTo>
+                  <a:pt x="21600" y="21600"/>
+                </a:lnTo>
+              </a:path>
+            </a:pathLst>
+          </a:custGeom>
+          <a:noFill/>
+          <a:ln w="34925">
+            <a:solidFill>
+              <a:srgbClr val="000000"/>
+            </a:solidFill>
+            <a:tailEnd type="triangle" w="med" len="med"/>
+          </a:ln>
+          <a:effectLst/>
+        </p:spPr>
+        <p:style>
+          <a:lnRef idx="2">
+            <a:schemeClr val="accent1"/>
+          </a:lnRef>
+          <a:fillRef idx="0">
+            <a:schemeClr val="accent1"/>
+          </a:fillRef>
+          <a:effectRef idx="1">
+            <a:schemeClr val="accent1"/>
+          </a:effectRef>
+          <a:fontRef idx="minor"/>
+        </p:style>
+        <p:txBody>
+          <a:bodyPr/>
+          <a:lstStyle/>
+          <a:p>
+            <a:endParaRPr lang="en-US"/>
+          </a:p>
+        </p:txBody>
+      </p:sp>
+      <p:sp>
+        <p:nvSpPr>
+          <p:cNvPr id="91" name="TextBox 2">
+            <a:extLst>
+              <a:ext uri="{FF2B5EF4-FFF2-40B4-BE49-F238E27FC236}">
+                <a16:creationId xmlns:a16="http://schemas.microsoft.com/office/drawing/2014/main" id="{F003BD02-2021-1E49-98A9-4AA0FAFCB92C}"/>
+              </a:ext>
+            </a:extLst>
+          </p:cNvPr>
+          <p:cNvSpPr/>
+          <p:nvPr/>
+        </p:nvSpPr>
+        <p:spPr>
+          <a:xfrm>
+            <a:off x="5607332" y="2901159"/>
+            <a:ext cx="505180" cy="306323"/>
+          </a:xfrm>
+          <a:prstGeom prst="rect">
+            <a:avLst/>
+          </a:prstGeom>
+          <a:noFill/>
+          <a:ln w="0">
+            <a:noFill/>
+          </a:ln>
+        </p:spPr>
+        <p:style>
+          <a:lnRef idx="0">
+            <a:scrgbClr r="0" g="0" b="0"/>
+          </a:lnRef>
+          <a:fillRef idx="0">
+            <a:scrgbClr r="0" g="0" b="0"/>
+          </a:fillRef>
+          <a:effectRef idx="0">
+            <a:scrgbClr r="0" g="0" b="0"/>
+          </a:effectRef>
+          <a:fontRef idx="minor"/>
+        </p:style>
+        <p:txBody>
+          <a:bodyPr wrap="none" lIns="90000" tIns="45000" rIns="90000" bIns="45000" anchor="t">
+            <a:spAutoFit/>
+          </a:bodyPr>
+          <a:lstStyle/>
+          <a:p>
+            <a:pPr algn="ctr">
+              <a:lnSpc>
+                <a:spcPct val="100000"/>
+              </a:lnSpc>
+              <a:buNone/>
+            </a:pPr>
+            <a:r>
+              <a:rPr lang="en-US" sz="1400" b="1" strike="noStrike" spc="-1" dirty="0">
+                <a:solidFill>
+                  <a:srgbClr val="000000"/>
+                </a:solidFill>
+                <a:latin typeface="Aptos"/>
+              </a:rPr>
+              <a:t>LM1</a:t>
+            </a:r>
+            <a:endParaRPr lang="en-US" sz="1400" b="0" strike="noStrike" spc="-1" dirty="0">
+              <a:latin typeface="Arial"/>
+            </a:endParaRPr>
+          </a:p>
+        </p:txBody>
+      </p:sp>
+      <p:grpSp>
+        <p:nvGrpSpPr>
+          <p:cNvPr id="49" name="Group 48">
+            <a:extLst>
+              <a:ext uri="{FF2B5EF4-FFF2-40B4-BE49-F238E27FC236}">
+                <a16:creationId xmlns:a16="http://schemas.microsoft.com/office/drawing/2014/main" id="{510DA6AC-724E-6C49-8914-CFA878D0BE2C}"/>
+              </a:ext>
+            </a:extLst>
+          </p:cNvPr>
+          <p:cNvGrpSpPr/>
+          <p:nvPr/>
+        </p:nvGrpSpPr>
+        <p:grpSpPr>
+          <a:xfrm>
+            <a:off x="8199472" y="2225021"/>
+            <a:ext cx="1216688" cy="1083208"/>
+            <a:chOff x="6644988" y="5005073"/>
+            <a:chExt cx="1309274" cy="1165637"/>
+          </a:xfrm>
+        </p:grpSpPr>
+        <p:sp>
+          <p:nvSpPr>
+            <p:cNvPr id="92" name="TextBox 2">
+              <a:extLst>
+                <a:ext uri="{FF2B5EF4-FFF2-40B4-BE49-F238E27FC236}">
+                  <a16:creationId xmlns:a16="http://schemas.microsoft.com/office/drawing/2014/main" id="{4FC63024-0CEF-6040-84B6-F5D549772D8F}"/>
+                </a:ext>
+              </a:extLst>
+            </p:cNvPr>
+            <p:cNvSpPr/>
+            <p:nvPr/>
+          </p:nvSpPr>
+          <p:spPr>
+            <a:xfrm>
+              <a:off x="6955548" y="5587892"/>
+              <a:ext cx="699180" cy="423958"/>
+            </a:xfrm>
+            <a:prstGeom prst="rect">
+              <a:avLst/>
+            </a:prstGeom>
+            <a:noFill/>
+            <a:ln w="0">
+              <a:noFill/>
+            </a:ln>
+          </p:spPr>
+          <p:style>
+            <a:lnRef idx="0">
+              <a:scrgbClr r="0" g="0" b="0"/>
+            </a:lnRef>
+            <a:fillRef idx="0">
+              <a:scrgbClr r="0" g="0" b="0"/>
+            </a:fillRef>
+            <a:effectRef idx="0">
+              <a:scrgbClr r="0" g="0" b="0"/>
+            </a:effectRef>
+            <a:fontRef idx="minor"/>
+          </p:style>
+          <p:txBody>
+            <a:bodyPr wrap="none" lIns="90000" tIns="45000" rIns="90000" bIns="45000" anchor="t">
+              <a:spAutoFit/>
+            </a:bodyPr>
+            <a:lstStyle/>
+            <a:p>
+              <a:pPr algn="ctr">
+                <a:lnSpc>
+                  <a:spcPct val="100000"/>
+                </a:lnSpc>
+                <a:buNone/>
+              </a:pPr>
+              <a:r>
+                <a:rPr lang="en-US" sz="1400" b="1" strike="noStrike" spc="-1" dirty="0">
+                  <a:solidFill>
+                    <a:srgbClr val="000000"/>
+                  </a:solidFill>
+                  <a:latin typeface="Aptos"/>
+                </a:rPr>
+                <a:t>LM2</a:t>
+              </a:r>
+              <a:endParaRPr lang="en-US" sz="1400" b="0" strike="noStrike" spc="-1" dirty="0">
+                <a:latin typeface="Arial"/>
+              </a:endParaRPr>
+            </a:p>
+          </p:txBody>
+        </p:sp>
+        <p:grpSp>
+          <p:nvGrpSpPr>
+            <p:cNvPr id="47" name="Group 46">
+              <a:extLst>
+                <a:ext uri="{FF2B5EF4-FFF2-40B4-BE49-F238E27FC236}">
+                  <a16:creationId xmlns:a16="http://schemas.microsoft.com/office/drawing/2014/main" id="{EA846DB1-25BE-CC4A-A650-855A232DE362}"/>
+                </a:ext>
+              </a:extLst>
+            </p:cNvPr>
+            <p:cNvGrpSpPr/>
+            <p:nvPr/>
+          </p:nvGrpSpPr>
+          <p:grpSpPr>
+            <a:xfrm>
+              <a:off x="6644988" y="5005073"/>
+              <a:ext cx="1309274" cy="1165637"/>
+              <a:chOff x="6650503" y="4958543"/>
+              <a:chExt cx="1309274" cy="1165637"/>
+            </a:xfrm>
+          </p:grpSpPr>
+          <p:pic>
+            <p:nvPicPr>
+              <p:cNvPr id="89" name="Picture 88">
+                <a:extLst>
+                  <a:ext uri="{FF2B5EF4-FFF2-40B4-BE49-F238E27FC236}">
+                    <a16:creationId xmlns:a16="http://schemas.microsoft.com/office/drawing/2014/main" id="{D2E4CD89-4292-6642-A4EC-43B3606063FB}"/>
+                  </a:ext>
+                </a:extLst>
+              </p:cNvPr>
+              <p:cNvPicPr/>
+              <p:nvPr/>
+            </p:nvPicPr>
+            <p:blipFill rotWithShape="1">
+              <a:blip r:embed="rId4"/>
+              <a:srcRect l="43494" t="40092" r="42944" b="50420"/>
+              <a:stretch/>
+            </p:blipFill>
+            <p:spPr>
+              <a:xfrm>
+                <a:off x="7066996" y="5076720"/>
+                <a:ext cx="476287" cy="259032"/>
+              </a:xfrm>
+              <a:prstGeom prst="rect">
+                <a:avLst/>
+              </a:prstGeom>
+              <a:ln w="0">
+                <a:noFill/>
+              </a:ln>
+            </p:spPr>
+          </p:pic>
+          <p:pic>
+            <p:nvPicPr>
+              <p:cNvPr id="93" name="Picture 92">
+                <a:extLst>
+                  <a:ext uri="{FF2B5EF4-FFF2-40B4-BE49-F238E27FC236}">
+                    <a16:creationId xmlns:a16="http://schemas.microsoft.com/office/drawing/2014/main" id="{9A188E54-481F-D547-B77F-A3AF3AA2DF16}"/>
+                  </a:ext>
+                </a:extLst>
+              </p:cNvPr>
+              <p:cNvPicPr>
+                <a:picLocks noChangeAspect="1"/>
+              </p:cNvPicPr>
+              <p:nvPr/>
+            </p:nvPicPr>
+            <p:blipFill rotWithShape="1">
+              <a:blip r:embed="rId5"/>
+              <a:srcRect t="69807"/>
+              <a:stretch/>
+            </p:blipFill>
+            <p:spPr>
+              <a:xfrm>
+                <a:off x="6650503" y="5728878"/>
+                <a:ext cx="1309274" cy="395302"/>
+              </a:xfrm>
+              <a:prstGeom prst="rect">
+                <a:avLst/>
+              </a:prstGeom>
+            </p:spPr>
+          </p:pic>
+          <p:pic>
+            <p:nvPicPr>
+              <p:cNvPr id="39" name="Picture 38">
+                <a:extLst>
+                  <a:ext uri="{FF2B5EF4-FFF2-40B4-BE49-F238E27FC236}">
+                    <a16:creationId xmlns:a16="http://schemas.microsoft.com/office/drawing/2014/main" id="{239726E7-88C0-6E40-8F98-751195243BCB}"/>
+                  </a:ext>
+                </a:extLst>
+              </p:cNvPr>
+              <p:cNvPicPr>
+                <a:picLocks noChangeAspect="1"/>
+              </p:cNvPicPr>
+              <p:nvPr/>
+            </p:nvPicPr>
+            <p:blipFill rotWithShape="1">
+              <a:blip r:embed="rId5"/>
+              <a:srcRect t="19723" b="19723"/>
+              <a:stretch/>
+            </p:blipFill>
+            <p:spPr>
+              <a:xfrm>
+                <a:off x="6650503" y="4958543"/>
+                <a:ext cx="1309274" cy="792819"/>
+              </a:xfrm>
+              <a:prstGeom prst="rect">
+                <a:avLst/>
+              </a:prstGeom>
+            </p:spPr>
+          </p:pic>
+        </p:grpSp>
+      </p:grpSp>
+      <p:cxnSp>
+        <p:nvCxnSpPr>
+          <p:cNvPr id="54" name="Straight Arrow Connector 53">
+            <a:extLst>
+              <a:ext uri="{FF2B5EF4-FFF2-40B4-BE49-F238E27FC236}">
+                <a16:creationId xmlns:a16="http://schemas.microsoft.com/office/drawing/2014/main" id="{8120A5A7-0DDD-AF4F-826A-F6382F35C2D7}"/>
+              </a:ext>
+            </a:extLst>
+          </p:cNvPr>
+          <p:cNvCxnSpPr>
+            <a:cxnSpLocks/>
+          </p:cNvCxnSpPr>
+          <p:nvPr/>
+        </p:nvCxnSpPr>
+        <p:spPr>
+          <a:xfrm>
+            <a:off x="7789913" y="2418163"/>
+            <a:ext cx="495346" cy="0"/>
+          </a:xfrm>
+          <a:prstGeom prst="straightConnector1">
+            <a:avLst/>
+          </a:prstGeom>
+          <a:noFill/>
+          <a:ln w="34925">
+            <a:solidFill>
+              <a:srgbClr val="000000"/>
+            </a:solidFill>
+            <a:tailEnd type="triangle" w="med" len="med"/>
+          </a:ln>
+          <a:effectLst/>
+        </p:spPr>
+        <p:style>
+          <a:lnRef idx="2">
+            <a:schemeClr val="accent1"/>
+          </a:lnRef>
+          <a:fillRef idx="0">
+            <a:schemeClr val="accent1"/>
+          </a:fillRef>
+          <a:effectRef idx="1">
+            <a:schemeClr val="accent1"/>
+          </a:effectRef>
+          <a:fontRef idx="minor"/>
+        </p:style>
+      </p:cxnSp>
+      <p:grpSp>
+        <p:nvGrpSpPr>
+          <p:cNvPr id="2" name="Group 1">
+            <a:extLst>
+              <a:ext uri="{FF2B5EF4-FFF2-40B4-BE49-F238E27FC236}">
+                <a16:creationId xmlns:a16="http://schemas.microsoft.com/office/drawing/2014/main" id="{4648A1B7-5911-1044-B2F5-153A2FB8A3F6}"/>
+              </a:ext>
+            </a:extLst>
+          </p:cNvPr>
+          <p:cNvGrpSpPr/>
+          <p:nvPr/>
+        </p:nvGrpSpPr>
+        <p:grpSpPr>
+          <a:xfrm>
+            <a:off x="7239902" y="3389938"/>
+            <a:ext cx="1100022" cy="1320600"/>
+            <a:chOff x="8496035" y="2337012"/>
+            <a:chExt cx="1100022" cy="1320600"/>
+          </a:xfrm>
+        </p:grpSpPr>
+        <p:pic>
+          <p:nvPicPr>
+            <p:cNvPr id="58" name="Picture 57">
+              <a:extLst>
+                <a:ext uri="{FF2B5EF4-FFF2-40B4-BE49-F238E27FC236}">
+                  <a16:creationId xmlns:a16="http://schemas.microsoft.com/office/drawing/2014/main" id="{BDFF5101-C4F1-8743-9FE1-A22F855ECE4C}"/>
+                </a:ext>
+              </a:extLst>
+            </p:cNvPr>
+            <p:cNvPicPr>
+              <a:picLocks noChangeAspect="1"/>
+            </p:cNvPicPr>
+            <p:nvPr/>
+          </p:nvPicPr>
+          <p:blipFill rotWithShape="1">
+            <a:blip r:embed="rId6"/>
+            <a:srcRect l="23752" t="27486" r="24704" b="22496"/>
+            <a:stretch/>
+          </p:blipFill>
+          <p:spPr>
+            <a:xfrm>
+              <a:off x="8759910" y="2337012"/>
+              <a:ext cx="480032" cy="465830"/>
+            </a:xfrm>
+            <a:prstGeom prst="rect">
+              <a:avLst/>
+            </a:prstGeom>
+          </p:spPr>
+        </p:pic>
+        <p:sp>
+          <p:nvSpPr>
+            <p:cNvPr id="95" name="TextBox 4">
+              <a:extLst>
+                <a:ext uri="{FF2B5EF4-FFF2-40B4-BE49-F238E27FC236}">
+                  <a16:creationId xmlns:a16="http://schemas.microsoft.com/office/drawing/2014/main" id="{52B351E2-0A2D-AB45-A767-C7D847E869A8}"/>
+                </a:ext>
+              </a:extLst>
+            </p:cNvPr>
+            <p:cNvSpPr/>
+            <p:nvPr/>
+          </p:nvSpPr>
+          <p:spPr>
+            <a:xfrm>
+              <a:off x="8496035" y="2735736"/>
+              <a:ext cx="1100022" cy="921876"/>
+            </a:xfrm>
+            <a:prstGeom prst="rect">
+              <a:avLst/>
+            </a:prstGeom>
+            <a:noFill/>
+            <a:ln w="0">
+              <a:noFill/>
+            </a:ln>
+          </p:spPr>
+          <p:style>
+            <a:lnRef idx="0">
+              <a:scrgbClr r="0" g="0" b="0"/>
+            </a:lnRef>
+            <a:fillRef idx="0">
+              <a:scrgbClr r="0" g="0" b="0"/>
+            </a:fillRef>
+            <a:effectRef idx="0">
+              <a:scrgbClr r="0" g="0" b="0"/>
+            </a:effectRef>
+            <a:fontRef idx="minor"/>
+          </p:style>
+          <p:txBody>
+            <a:bodyPr wrap="none" lIns="90000" tIns="45000" rIns="90000" bIns="45000" anchor="t">
+              <a:spAutoFit/>
+            </a:bodyPr>
+            <a:lstStyle/>
+            <a:p>
+              <a:pPr algn="ctr">
+                <a:lnSpc>
+                  <a:spcPct val="100000"/>
+                </a:lnSpc>
+                <a:buNone/>
+              </a:pPr>
+              <a:r>
+                <a:rPr lang="en-US" sz="1800" b="1" strike="noStrike" spc="-1" dirty="0">
+                  <a:solidFill>
+                    <a:srgbClr val="000000"/>
+                  </a:solidFill>
+                  <a:latin typeface="Aptos"/>
+                </a:rPr>
+                <a:t>Improved</a:t>
+              </a:r>
+              <a:br>
+                <a:rPr lang="en-US" sz="1800" b="1" strike="noStrike" spc="-1" dirty="0">
+                  <a:solidFill>
+                    <a:srgbClr val="000000"/>
+                  </a:solidFill>
+                  <a:latin typeface="Aptos"/>
+                </a:rPr>
+              </a:br>
+              <a:r>
+                <a:rPr lang="en-US" sz="1800" b="1" strike="noStrike" spc="-1" dirty="0">
+                  <a:solidFill>
+                    <a:srgbClr val="000000"/>
+                  </a:solidFill>
+                  <a:latin typeface="Aptos"/>
+                </a:rPr>
+                <a:t>Response</a:t>
+              </a:r>
+              <a:br>
+                <a:rPr lang="en-US" sz="1800" b="1" strike="noStrike" spc="-1" dirty="0">
+                  <a:solidFill>
+                    <a:srgbClr val="000000"/>
+                  </a:solidFill>
+                  <a:latin typeface="Aptos"/>
+                </a:rPr>
+              </a:br>
+              <a:r>
+                <a:rPr lang="en-US" sz="1800" b="1" strike="noStrike" spc="-1" dirty="0">
+                  <a:solidFill>
+                    <a:srgbClr val="000000"/>
+                  </a:solidFill>
+                  <a:latin typeface="Aptos"/>
+                </a:rPr>
+                <a:t>Accuracy</a:t>
+              </a:r>
+              <a:endParaRPr lang="en-US" sz="1800" b="0" strike="noStrike" spc="-1" dirty="0">
+                <a:latin typeface="Arial"/>
+              </a:endParaRPr>
+            </a:p>
+          </p:txBody>
+        </p:sp>
+      </p:grpSp>
+    </p:spTree>
+    <p:extLst>
+      <p:ext uri="{BB962C8B-B14F-4D97-AF65-F5344CB8AC3E}">
+        <p14:creationId xmlns:p14="http://schemas.microsoft.com/office/powerpoint/2010/main" val="1987981372"/>
+      </p:ext>
+    </p:extLst>
+  </p:cSld>
+  <p:clrMapOvr>
+    <a:masterClrMapping/>
+  </p:clrMapOvr>
+</p:sld>
+</file>
+
+<file path=ppt/slides/slide7.xml><?xml version="1.0" encoding="utf-8"?>
+<p:sld xmlns:a="http://schemas.openxmlformats.org/drawingml/2006/main" xmlns:r="http://schemas.openxmlformats.org/officeDocument/2006/relationships" xmlns:p="http://schemas.openxmlformats.org/presentationml/2006/main">
+  <p:cSld>
+    <p:spTree>
+      <p:nvGrpSpPr>
+        <p:cNvPr id="1" name="">
+          <a:extLst>
+            <a:ext uri="{FF2B5EF4-FFF2-40B4-BE49-F238E27FC236}">
+              <a16:creationId xmlns:a16="http://schemas.microsoft.com/office/drawing/2014/main" id="{2A35C8E3-B876-D217-55F2-4969311AECD7}"/>
+            </a:ext>
+          </a:extLst>
+        </p:cNvPr>
+        <p:cNvGrpSpPr/>
+        <p:nvPr/>
+      </p:nvGrpSpPr>
+      <p:grpSpPr>
+        <a:xfrm>
+          <a:off x="0" y="0"/>
+          <a:ext cx="0" cy="0"/>
+          <a:chOff x="0" y="0"/>
+          <a:chExt cx="0" cy="0"/>
+        </a:xfrm>
+      </p:grpSpPr>
+      <p:sp>
+        <p:nvSpPr>
+          <p:cNvPr id="90" name="Rectangle 89">
+            <a:extLst>
+              <a:ext uri="{FF2B5EF4-FFF2-40B4-BE49-F238E27FC236}">
+                <a16:creationId xmlns:a16="http://schemas.microsoft.com/office/drawing/2014/main" id="{7E53DF9F-D305-EC21-A568-4819FE39E5B8}"/>
+              </a:ext>
+            </a:extLst>
+          </p:cNvPr>
+          <p:cNvSpPr/>
+          <p:nvPr/>
+        </p:nvSpPr>
+        <p:spPr>
+          <a:xfrm>
+            <a:off x="7131810" y="4108608"/>
+            <a:ext cx="313428" cy="253712"/>
+          </a:xfrm>
+          <a:prstGeom prst="rect">
+            <a:avLst/>
+          </a:prstGeom>
+          <a:solidFill>
+            <a:schemeClr val="bg1"/>
+          </a:solidFill>
+          <a:ln>
+            <a:noFill/>
+          </a:ln>
+        </p:spPr>
+        <p:style>
+          <a:lnRef idx="2">
+            <a:schemeClr val="accent1">
+              <a:shade val="50000"/>
+            </a:schemeClr>
+          </a:lnRef>
+          <a:fillRef idx="1">
+            <a:schemeClr val="accent1"/>
+          </a:fillRef>
+          <a:effectRef idx="0">
+            <a:schemeClr val="accent1"/>
+          </a:effectRef>
+          <a:fontRef idx="minor">
+            <a:schemeClr val="lt1"/>
+          </a:fontRef>
+        </p:style>
+        <p:txBody>
+          <a:bodyPr rtlCol="0" anchor="ctr"/>
+          <a:lstStyle/>
+          <a:p>
+            <a:pPr algn="ctr"/>
+            <a:endParaRPr lang="en-US"/>
+          </a:p>
+        </p:txBody>
+      </p:sp>
+      <p:grpSp>
+        <p:nvGrpSpPr>
+          <p:cNvPr id="57" name="Group 56">
+            <a:extLst>
+              <a:ext uri="{FF2B5EF4-FFF2-40B4-BE49-F238E27FC236}">
+                <a16:creationId xmlns:a16="http://schemas.microsoft.com/office/drawing/2014/main" id="{BF98B9AC-9D92-7F9F-8B7D-B72C1634C0BB}"/>
+              </a:ext>
+            </a:extLst>
+          </p:cNvPr>
+          <p:cNvGrpSpPr/>
+          <p:nvPr/>
+        </p:nvGrpSpPr>
+        <p:grpSpPr>
+          <a:xfrm>
+            <a:off x="8357582" y="1918232"/>
+            <a:ext cx="1057832" cy="1198876"/>
+            <a:chOff x="8146370" y="1954282"/>
+            <a:chExt cx="1057832" cy="1198876"/>
+          </a:xfrm>
+        </p:grpSpPr>
+        <p:pic>
+          <p:nvPicPr>
+            <p:cNvPr id="6" name="Picture 5">
+              <a:extLst>
+                <a:ext uri="{FF2B5EF4-FFF2-40B4-BE49-F238E27FC236}">
+                  <a16:creationId xmlns:a16="http://schemas.microsoft.com/office/drawing/2014/main" id="{ED01407F-6CC4-5190-5E77-3A5996E2BA73}"/>
+                </a:ext>
+              </a:extLst>
+            </p:cNvPr>
+            <p:cNvPicPr>
+              <a:picLocks noChangeAspect="1"/>
+            </p:cNvPicPr>
+            <p:nvPr/>
+          </p:nvPicPr>
+          <p:blipFill>
+            <a:blip r:embed="rId2">
+              <a:extLst>
+                <a:ext uri="{28A0092B-C50C-407E-A947-70E740481C1C}">
+                  <a14:useLocalDpi xmlns:a14="http://schemas.microsoft.com/office/drawing/2010/main" val="0"/>
+                </a:ext>
+              </a:extLst>
+            </a:blip>
+            <a:stretch>
+              <a:fillRect/>
+            </a:stretch>
+          </p:blipFill>
+          <p:spPr>
+            <a:xfrm>
+              <a:off x="8146370" y="1954282"/>
+              <a:ext cx="1057832" cy="1198876"/>
+            </a:xfrm>
+            <a:prstGeom prst="rect">
+              <a:avLst/>
+            </a:prstGeom>
+          </p:spPr>
+        </p:pic>
+        <p:pic>
+          <p:nvPicPr>
+            <p:cNvPr id="9" name="Picture 8">
+              <a:extLst>
+                <a:ext uri="{FF2B5EF4-FFF2-40B4-BE49-F238E27FC236}">
+                  <a16:creationId xmlns:a16="http://schemas.microsoft.com/office/drawing/2014/main" id="{5CFB1612-8B4E-9180-1253-2ACC7DE90743}"/>
+                </a:ext>
+              </a:extLst>
+            </p:cNvPr>
+            <p:cNvPicPr>
+              <a:picLocks noChangeAspect="1"/>
+            </p:cNvPicPr>
+            <p:nvPr/>
+          </p:nvPicPr>
+          <p:blipFill>
+            <a:blip r:embed="rId3">
+              <a:extLst>
+                <a:ext uri="{28A0092B-C50C-407E-A947-70E740481C1C}">
+                  <a14:useLocalDpi xmlns:a14="http://schemas.microsoft.com/office/drawing/2010/main" val="0"/>
+                </a:ext>
+              </a:extLst>
+            </a:blip>
+            <a:srcRect l="13450" t="15792" r="11012" b="19710"/>
+            <a:stretch>
+              <a:fillRect/>
+            </a:stretch>
+          </p:blipFill>
+          <p:spPr>
+            <a:xfrm>
+              <a:off x="8502189" y="2682944"/>
+              <a:ext cx="353719" cy="159064"/>
+            </a:xfrm>
+            <a:prstGeom prst="rect">
+              <a:avLst/>
+            </a:prstGeom>
+          </p:spPr>
+        </p:pic>
+      </p:grpSp>
+      <p:sp>
+        <p:nvSpPr>
+          <p:cNvPr id="11" name="Straight Arrow Connector 3">
+            <a:extLst>
+              <a:ext uri="{FF2B5EF4-FFF2-40B4-BE49-F238E27FC236}">
+                <a16:creationId xmlns:a16="http://schemas.microsoft.com/office/drawing/2014/main" id="{23DC937E-4E6D-5F10-1103-E82B4749A79F}"/>
+              </a:ext>
+            </a:extLst>
+          </p:cNvPr>
+          <p:cNvSpPr/>
+          <p:nvPr/>
+        </p:nvSpPr>
+        <p:spPr>
+          <a:xfrm rot="5400000">
+            <a:off x="8785734" y="3220464"/>
+            <a:ext cx="201168" cy="360"/>
+          </a:xfrm>
+          <a:custGeom>
+            <a:avLst/>
+            <a:gdLst/>
+            <a:ahLst/>
+            <a:cxnLst/>
+            <a:rect l="l" t="t" r="r" b="b"/>
+            <a:pathLst>
+              <a:path w="21600" h="21600">
+                <a:moveTo>
+                  <a:pt x="0" y="0"/>
+                </a:moveTo>
+                <a:lnTo>
+                  <a:pt x="21600" y="21600"/>
+                </a:lnTo>
+              </a:path>
+            </a:pathLst>
+          </a:custGeom>
+          <a:noFill/>
+          <a:ln w="44450">
+            <a:solidFill>
+              <a:srgbClr val="000000"/>
+            </a:solidFill>
+            <a:tailEnd type="triangle" w="med" len="med"/>
+          </a:ln>
+        </p:spPr>
+        <p:style>
+          <a:lnRef idx="2">
+            <a:schemeClr val="accent1"/>
+          </a:lnRef>
+          <a:fillRef idx="0">
+            <a:schemeClr val="accent1"/>
+          </a:fillRef>
+          <a:effectRef idx="1">
+            <a:schemeClr val="accent1"/>
+          </a:effectRef>
+          <a:fontRef idx="minor"/>
+        </p:style>
+        <p:txBody>
+          <a:bodyPr/>
+          <a:lstStyle/>
+          <a:p>
+            <a:endParaRPr lang="en-US" dirty="0"/>
+          </a:p>
+        </p:txBody>
+      </p:sp>
+      <p:grpSp>
+        <p:nvGrpSpPr>
+          <p:cNvPr id="30" name="Group 29">
+            <a:extLst>
+              <a:ext uri="{FF2B5EF4-FFF2-40B4-BE49-F238E27FC236}">
+                <a16:creationId xmlns:a16="http://schemas.microsoft.com/office/drawing/2014/main" id="{C63F432C-4724-2444-95E7-F89FA92CEF39}"/>
+              </a:ext>
+            </a:extLst>
+          </p:cNvPr>
+          <p:cNvGrpSpPr/>
+          <p:nvPr/>
+        </p:nvGrpSpPr>
+        <p:grpSpPr>
+          <a:xfrm>
+            <a:off x="5102594" y="1980326"/>
+            <a:ext cx="1565150" cy="2404444"/>
+            <a:chOff x="9707574" y="935272"/>
+            <a:chExt cx="1565150" cy="2404444"/>
+          </a:xfrm>
+        </p:grpSpPr>
+        <p:sp>
+          <p:nvSpPr>
+            <p:cNvPr id="16" name="Rounded Rectangle 2">
+              <a:extLst>
+                <a:ext uri="{FF2B5EF4-FFF2-40B4-BE49-F238E27FC236}">
+                  <a16:creationId xmlns:a16="http://schemas.microsoft.com/office/drawing/2014/main" id="{62B317F9-37CA-9FE4-ECD2-332FCE32AAA7}"/>
+                </a:ext>
+              </a:extLst>
+            </p:cNvPr>
+            <p:cNvSpPr/>
+            <p:nvPr/>
+          </p:nvSpPr>
+          <p:spPr>
+            <a:xfrm>
+              <a:off x="9715969" y="935272"/>
+              <a:ext cx="1548360" cy="2404444"/>
+            </a:xfrm>
+            <a:prstGeom prst="roundRect">
+              <a:avLst>
+                <a:gd name="adj" fmla="val 16667"/>
+              </a:avLst>
+            </a:prstGeom>
+            <a:noFill/>
+            <a:ln w="25400">
+              <a:solidFill>
+                <a:srgbClr val="000000"/>
+              </a:solidFill>
+            </a:ln>
+          </p:spPr>
+          <p:style>
+            <a:lnRef idx="2">
+              <a:schemeClr val="accent1">
+                <a:shade val="15000"/>
+              </a:schemeClr>
+            </a:lnRef>
+            <a:fillRef idx="1">
+              <a:schemeClr val="accent1"/>
+            </a:fillRef>
+            <a:effectRef idx="0">
+              <a:schemeClr val="accent1"/>
+            </a:effectRef>
+            <a:fontRef idx="minor"/>
+          </p:style>
+          <p:txBody>
+            <a:bodyPr/>
+            <a:lstStyle/>
+            <a:p>
+              <a:endParaRPr lang="en-US"/>
+            </a:p>
+          </p:txBody>
+        </p:sp>
+        <p:sp>
+          <p:nvSpPr>
+            <p:cNvPr id="20" name="TextBox 2">
+              <a:extLst>
+                <a:ext uri="{FF2B5EF4-FFF2-40B4-BE49-F238E27FC236}">
+                  <a16:creationId xmlns:a16="http://schemas.microsoft.com/office/drawing/2014/main" id="{20DB0A2B-4AB1-9C4F-231E-FE5004B00278}"/>
+                </a:ext>
+              </a:extLst>
+            </p:cNvPr>
+            <p:cNvSpPr/>
+            <p:nvPr/>
+          </p:nvSpPr>
+          <p:spPr>
+            <a:xfrm>
+              <a:off x="9707574" y="956267"/>
+              <a:ext cx="1565150" cy="1198875"/>
+            </a:xfrm>
+            <a:prstGeom prst="rect">
+              <a:avLst/>
+            </a:prstGeom>
+            <a:noFill/>
+            <a:ln w="0">
+              <a:noFill/>
+            </a:ln>
+          </p:spPr>
+          <p:style>
+            <a:lnRef idx="0">
+              <a:scrgbClr r="0" g="0" b="0"/>
+            </a:lnRef>
+            <a:fillRef idx="0">
+              <a:scrgbClr r="0" g="0" b="0"/>
+            </a:fillRef>
+            <a:effectRef idx="0">
+              <a:scrgbClr r="0" g="0" b="0"/>
+            </a:effectRef>
+            <a:fontRef idx="minor"/>
+          </p:style>
+          <p:txBody>
+            <a:bodyPr wrap="none" lIns="90000" tIns="45000" rIns="90000" bIns="45000" anchor="t">
+              <a:spAutoFit/>
+            </a:bodyPr>
+            <a:lstStyle/>
+            <a:p>
+              <a:pPr algn="ctr">
+                <a:lnSpc>
+                  <a:spcPct val="100000"/>
+                </a:lnSpc>
+                <a:buNone/>
+              </a:pPr>
+              <a:r>
+                <a:rPr lang="en-US" sz="1800" b="1" strike="noStrike" spc="-1" dirty="0">
+                  <a:solidFill>
+                    <a:srgbClr val="000000"/>
+                  </a:solidFill>
+                  <a:latin typeface="Aptos"/>
+                </a:rPr>
+                <a:t>Answer-Free,</a:t>
+              </a:r>
+              <a:br>
+                <a:rPr lang="en-US" sz="1800" b="1" strike="noStrike" spc="-1" dirty="0">
+                  <a:solidFill>
+                    <a:srgbClr val="000000"/>
+                  </a:solidFill>
+                  <a:latin typeface="Aptos"/>
+                </a:rPr>
+              </a:br>
+              <a:r>
+                <a:rPr lang="en-US" sz="1800" b="1" strike="noStrike" spc="-1" dirty="0">
+                  <a:solidFill>
+                    <a:srgbClr val="000000"/>
+                  </a:solidFill>
+                  <a:latin typeface="Aptos"/>
+                </a:rPr>
+                <a:t>Contextually</a:t>
+              </a:r>
+              <a:endParaRPr lang="en-US" sz="1800" b="0" strike="noStrike" spc="-1" dirty="0">
+                <a:latin typeface="Arial"/>
+              </a:endParaRPr>
+            </a:p>
+            <a:p>
+              <a:pPr algn="ctr">
+                <a:lnSpc>
+                  <a:spcPct val="100000"/>
+                </a:lnSpc>
+                <a:buNone/>
+              </a:pPr>
+              <a:r>
+                <a:rPr lang="en-US" sz="1800" b="1" strike="noStrike" spc="-1" dirty="0">
+                  <a:solidFill>
+                    <a:srgbClr val="000000"/>
+                  </a:solidFill>
+                  <a:latin typeface="Aptos"/>
+                </a:rPr>
+                <a:t>Grounded</a:t>
+              </a:r>
+            </a:p>
+            <a:p>
+              <a:pPr algn="ctr">
+                <a:lnSpc>
+                  <a:spcPct val="100000"/>
+                </a:lnSpc>
+                <a:buNone/>
+              </a:pPr>
+              <a:r>
+                <a:rPr lang="en-US" sz="1800" b="1" strike="noStrike" spc="-1" dirty="0">
+                  <a:solidFill>
+                    <a:srgbClr val="000000"/>
+                  </a:solidFill>
+                  <a:latin typeface="Aptos"/>
+                </a:rPr>
+                <a:t>Query Rewrite</a:t>
+              </a:r>
+              <a:endParaRPr lang="en-US" sz="1800" b="0" strike="noStrike" spc="-1" dirty="0">
+                <a:latin typeface="Arial"/>
+              </a:endParaRPr>
+            </a:p>
+          </p:txBody>
+        </p:sp>
+        <p:grpSp>
+          <p:nvGrpSpPr>
+            <p:cNvPr id="29" name="Group 28">
+              <a:extLst>
+                <a:ext uri="{FF2B5EF4-FFF2-40B4-BE49-F238E27FC236}">
+                  <a16:creationId xmlns:a16="http://schemas.microsoft.com/office/drawing/2014/main" id="{D6A57D31-D3A5-1767-0142-5FC8B95F5F6B}"/>
+                </a:ext>
+              </a:extLst>
+            </p:cNvPr>
+            <p:cNvGrpSpPr/>
+            <p:nvPr/>
+          </p:nvGrpSpPr>
+          <p:grpSpPr>
+            <a:xfrm>
+              <a:off x="10133437" y="2155691"/>
+              <a:ext cx="713425" cy="1061172"/>
+              <a:chOff x="10077928" y="2155691"/>
+              <a:chExt cx="713425" cy="1061172"/>
+            </a:xfrm>
+          </p:grpSpPr>
+          <p:grpSp>
+            <p:nvGrpSpPr>
+              <p:cNvPr id="24" name="Group 23">
+                <a:extLst>
+                  <a:ext uri="{FF2B5EF4-FFF2-40B4-BE49-F238E27FC236}">
+                    <a16:creationId xmlns:a16="http://schemas.microsoft.com/office/drawing/2014/main" id="{2D373433-BB82-2EFC-ACFF-15DF323D1D40}"/>
+                  </a:ext>
+                </a:extLst>
+              </p:cNvPr>
+              <p:cNvGrpSpPr/>
+              <p:nvPr/>
+            </p:nvGrpSpPr>
+            <p:grpSpPr>
+              <a:xfrm>
+                <a:off x="10077928" y="2155691"/>
+                <a:ext cx="713425" cy="1061172"/>
+                <a:chOff x="10076667" y="4181041"/>
+                <a:chExt cx="713425" cy="1061172"/>
+              </a:xfrm>
+            </p:grpSpPr>
+            <p:pic>
+              <p:nvPicPr>
+                <p:cNvPr id="22" name="Picture 21">
+                  <a:extLst>
+                    <a:ext uri="{FF2B5EF4-FFF2-40B4-BE49-F238E27FC236}">
+                      <a16:creationId xmlns:a16="http://schemas.microsoft.com/office/drawing/2014/main" id="{ED163F81-9F02-638E-30E0-50A2C6070CF8}"/>
+                    </a:ext>
+                  </a:extLst>
+                </p:cNvPr>
+                <p:cNvPicPr/>
+                <p:nvPr/>
+              </p:nvPicPr>
+              <p:blipFill>
+                <a:blip r:embed="rId4"/>
+                <a:srcRect l="39057" t="28094" r="38296" b="28573"/>
+                <a:stretch>
+                  <a:fillRect/>
+                </a:stretch>
+              </p:blipFill>
+              <p:spPr>
+                <a:xfrm>
+                  <a:off x="10076667" y="4181041"/>
+                  <a:ext cx="713425" cy="1061172"/>
+                </a:xfrm>
+                <a:prstGeom prst="rect">
+                  <a:avLst/>
+                </a:prstGeom>
+                <a:ln w="0">
+                  <a:noFill/>
+                </a:ln>
+              </p:spPr>
+            </p:pic>
+            <p:sp>
+              <p:nvSpPr>
+                <p:cNvPr id="23" name="Rectangle 22">
+                  <a:extLst>
+                    <a:ext uri="{FF2B5EF4-FFF2-40B4-BE49-F238E27FC236}">
+                      <a16:creationId xmlns:a16="http://schemas.microsoft.com/office/drawing/2014/main" id="{3E300BC7-82E4-05ED-CD7E-959AC9DDB1E2}"/>
+                    </a:ext>
+                  </a:extLst>
+                </p:cNvPr>
+                <p:cNvSpPr/>
+                <p:nvPr/>
+              </p:nvSpPr>
+              <p:spPr>
+                <a:xfrm>
+                  <a:off x="10266804" y="4829847"/>
+                  <a:ext cx="313428" cy="253712"/>
+                </a:xfrm>
+                <a:prstGeom prst="rect">
+                  <a:avLst/>
+                </a:prstGeom>
+                <a:solidFill>
+                  <a:schemeClr val="bg1"/>
+                </a:solidFill>
+                <a:ln>
+                  <a:noFill/>
+                </a:ln>
+              </p:spPr>
+              <p:style>
+                <a:lnRef idx="2">
+                  <a:schemeClr val="accent1">
+                    <a:shade val="50000"/>
+                  </a:schemeClr>
+                </a:lnRef>
+                <a:fillRef idx="1">
+                  <a:schemeClr val="accent1"/>
+                </a:fillRef>
+                <a:effectRef idx="0">
+                  <a:schemeClr val="accent1"/>
+                </a:effectRef>
+                <a:fontRef idx="minor">
+                  <a:schemeClr val="lt1"/>
+                </a:fontRef>
+              </p:style>
+              <p:txBody>
+                <a:bodyPr rtlCol="0" anchor="ctr"/>
+                <a:lstStyle/>
+                <a:p>
+                  <a:pPr algn="ctr"/>
+                  <a:endParaRPr lang="en-US"/>
+                </a:p>
+              </p:txBody>
+            </p:sp>
+          </p:grpSp>
+          <p:sp>
+            <p:nvSpPr>
+              <p:cNvPr id="28" name="TextBox 2">
+                <a:extLst>
+                  <a:ext uri="{FF2B5EF4-FFF2-40B4-BE49-F238E27FC236}">
+                    <a16:creationId xmlns:a16="http://schemas.microsoft.com/office/drawing/2014/main" id="{0C6A8BEA-155B-2ACB-8696-95C864E389A5}"/>
+                  </a:ext>
+                </a:extLst>
+              </p:cNvPr>
+              <p:cNvSpPr/>
+              <p:nvPr/>
+            </p:nvSpPr>
+            <p:spPr>
+              <a:xfrm>
+                <a:off x="10128671" y="2774188"/>
+                <a:ext cx="602293" cy="306323"/>
+              </a:xfrm>
+              <a:prstGeom prst="rect">
+                <a:avLst/>
+              </a:prstGeom>
+              <a:noFill/>
+              <a:ln w="0">
+                <a:noFill/>
+              </a:ln>
+            </p:spPr>
+            <p:style>
+              <a:lnRef idx="0">
+                <a:scrgbClr r="0" g="0" b="0"/>
+              </a:lnRef>
+              <a:fillRef idx="0">
+                <a:scrgbClr r="0" g="0" b="0"/>
+              </a:fillRef>
+              <a:effectRef idx="0">
+                <a:scrgbClr r="0" g="0" b="0"/>
+              </a:effectRef>
+              <a:fontRef idx="minor"/>
+            </p:style>
+            <p:txBody>
+              <a:bodyPr wrap="square" lIns="90000" tIns="45000" rIns="90000" bIns="45000" anchor="t">
+                <a:spAutoFit/>
+              </a:bodyPr>
+              <a:lstStyle/>
+              <a:p>
+                <a:pPr algn="ctr">
+                  <a:lnSpc>
+                    <a:spcPct val="100000"/>
+                  </a:lnSpc>
+                  <a:buNone/>
+                </a:pPr>
+                <a:r>
+                  <a:rPr lang="en-US" sz="1400" b="1" strike="noStrike" spc="-1" dirty="0">
+                    <a:solidFill>
+                      <a:srgbClr val="000000"/>
+                    </a:solidFill>
+                    <a:latin typeface="Aptos"/>
+                  </a:rPr>
+                  <a:t>LM1</a:t>
+                </a:r>
+                <a:endParaRPr lang="en-US" sz="1400" b="0" strike="noStrike" spc="-1" dirty="0">
+                  <a:latin typeface="Arial"/>
+                </a:endParaRPr>
+              </a:p>
+            </p:txBody>
+          </p:sp>
+        </p:grpSp>
+      </p:grpSp>
+      <p:grpSp>
+        <p:nvGrpSpPr>
+          <p:cNvPr id="55" name="Group 54">
+            <a:extLst>
+              <a:ext uri="{FF2B5EF4-FFF2-40B4-BE49-F238E27FC236}">
+                <a16:creationId xmlns:a16="http://schemas.microsoft.com/office/drawing/2014/main" id="{15FDC46E-A53E-7B2D-E69C-5F74B0BCFF21}"/>
+              </a:ext>
+            </a:extLst>
+          </p:cNvPr>
+          <p:cNvGrpSpPr/>
+          <p:nvPr/>
+        </p:nvGrpSpPr>
+        <p:grpSpPr>
+          <a:xfrm>
+            <a:off x="2978376" y="2772134"/>
+            <a:ext cx="1607863" cy="1731768"/>
+            <a:chOff x="9796989" y="4356279"/>
+            <a:chExt cx="1607863" cy="1731768"/>
+          </a:xfrm>
+        </p:grpSpPr>
+        <p:sp>
+          <p:nvSpPr>
+            <p:cNvPr id="35" name="Rounded Rectangle 1">
+              <a:extLst>
+                <a:ext uri="{FF2B5EF4-FFF2-40B4-BE49-F238E27FC236}">
+                  <a16:creationId xmlns:a16="http://schemas.microsoft.com/office/drawing/2014/main" id="{72AAC944-211D-A637-F3D4-CA6B6A19D4E9}"/>
+                </a:ext>
+              </a:extLst>
+            </p:cNvPr>
+            <p:cNvSpPr/>
+            <p:nvPr/>
+          </p:nvSpPr>
+          <p:spPr>
+            <a:xfrm>
+              <a:off x="9796989" y="4385882"/>
+              <a:ext cx="1607863" cy="1702165"/>
+            </a:xfrm>
+            <a:prstGeom prst="roundRect">
+              <a:avLst>
+                <a:gd name="adj" fmla="val 16667"/>
+              </a:avLst>
+            </a:prstGeom>
+            <a:noFill/>
+            <a:ln w="25400">
+              <a:solidFill>
+                <a:srgbClr val="000000"/>
+              </a:solidFill>
+            </a:ln>
+          </p:spPr>
+          <p:style>
+            <a:lnRef idx="2">
+              <a:schemeClr val="accent1">
+                <a:shade val="15000"/>
+              </a:schemeClr>
+            </a:lnRef>
+            <a:fillRef idx="1">
+              <a:schemeClr val="accent1"/>
+            </a:fillRef>
+            <a:effectRef idx="0">
+              <a:schemeClr val="accent1"/>
+            </a:effectRef>
+            <a:fontRef idx="minor"/>
+          </p:style>
+          <p:txBody>
+            <a:bodyPr/>
+            <a:lstStyle/>
+            <a:p>
+              <a:endParaRPr lang="en-US"/>
+            </a:p>
+          </p:txBody>
+        </p:sp>
+        <p:grpSp>
+          <p:nvGrpSpPr>
+            <p:cNvPr id="36" name="Group 3">
+              <a:extLst>
+                <a:ext uri="{FF2B5EF4-FFF2-40B4-BE49-F238E27FC236}">
+                  <a16:creationId xmlns:a16="http://schemas.microsoft.com/office/drawing/2014/main" id="{C4AA7E08-EB6F-E291-7C57-42AB766A9712}"/>
+                </a:ext>
+              </a:extLst>
+            </p:cNvPr>
+            <p:cNvGrpSpPr/>
+            <p:nvPr/>
+          </p:nvGrpSpPr>
+          <p:grpSpPr>
+            <a:xfrm>
+              <a:off x="10073520" y="4807082"/>
+              <a:ext cx="1054800" cy="1211346"/>
+              <a:chOff x="1828800" y="2250000"/>
+              <a:chExt cx="1054800" cy="1211346"/>
+            </a:xfrm>
+          </p:grpSpPr>
+          <p:sp>
+            <p:nvSpPr>
+              <p:cNvPr id="40" name="Rectangle 2">
+                <a:extLst>
+                  <a:ext uri="{FF2B5EF4-FFF2-40B4-BE49-F238E27FC236}">
+                    <a16:creationId xmlns:a16="http://schemas.microsoft.com/office/drawing/2014/main" id="{A44CF6C2-2022-AAC5-F3FC-BF513EB72FF4}"/>
+                  </a:ext>
+                </a:extLst>
+              </p:cNvPr>
+              <p:cNvSpPr/>
+              <p:nvPr/>
+            </p:nvSpPr>
+            <p:spPr>
+              <a:xfrm>
+                <a:off x="1956600" y="2250000"/>
+                <a:ext cx="803160" cy="1050480"/>
+              </a:xfrm>
+              <a:prstGeom prst="rect">
+                <a:avLst/>
+              </a:prstGeom>
+              <a:solidFill>
+                <a:schemeClr val="bg1"/>
+              </a:solidFill>
+              <a:ln>
+                <a:noFill/>
+              </a:ln>
+            </p:spPr>
+            <p:style>
+              <a:lnRef idx="2">
+                <a:schemeClr val="accent1">
+                  <a:shade val="15000"/>
+                </a:schemeClr>
+              </a:lnRef>
+              <a:fillRef idx="1">
+                <a:schemeClr val="accent1"/>
+              </a:fillRef>
+              <a:effectRef idx="0">
+                <a:schemeClr val="accent1"/>
+              </a:effectRef>
+              <a:fontRef idx="minor"/>
+            </p:style>
+            <p:txBody>
+              <a:bodyPr/>
+              <a:lstStyle/>
+              <a:p>
+                <a:endParaRPr lang="en-US"/>
+              </a:p>
+            </p:txBody>
+          </p:sp>
+          <p:pic>
+            <p:nvPicPr>
+              <p:cNvPr id="41" name="Picture 2">
+                <a:extLst>
+                  <a:ext uri="{FF2B5EF4-FFF2-40B4-BE49-F238E27FC236}">
+                    <a16:creationId xmlns:a16="http://schemas.microsoft.com/office/drawing/2014/main" id="{2ABCC614-DFB0-A75C-DF46-38C1E655C3BD}"/>
+                  </a:ext>
+                </a:extLst>
+              </p:cNvPr>
+              <p:cNvPicPr/>
+              <p:nvPr/>
+            </p:nvPicPr>
+            <p:blipFill>
+              <a:blip r:embed="rId5"/>
+              <a:stretch/>
+            </p:blipFill>
+            <p:spPr>
+              <a:xfrm>
+                <a:off x="1828800" y="2410866"/>
+                <a:ext cx="1054800" cy="1050480"/>
+              </a:xfrm>
+              <a:prstGeom prst="rect">
+                <a:avLst/>
+              </a:prstGeom>
+              <a:ln w="0">
+                <a:noFill/>
+              </a:ln>
+            </p:spPr>
+          </p:pic>
+        </p:grpSp>
+        <p:sp>
+          <p:nvSpPr>
+            <p:cNvPr id="37" name="TextBox 1">
+              <a:extLst>
+                <a:ext uri="{FF2B5EF4-FFF2-40B4-BE49-F238E27FC236}">
+                  <a16:creationId xmlns:a16="http://schemas.microsoft.com/office/drawing/2014/main" id="{C2F56467-5254-7516-2366-C658C6342100}"/>
+                </a:ext>
+              </a:extLst>
+            </p:cNvPr>
+            <p:cNvSpPr/>
+            <p:nvPr/>
+          </p:nvSpPr>
+          <p:spPr>
+            <a:xfrm>
+              <a:off x="9957518" y="4356279"/>
+              <a:ext cx="1286804" cy="644877"/>
+            </a:xfrm>
+            <a:prstGeom prst="rect">
+              <a:avLst/>
+            </a:prstGeom>
+            <a:noFill/>
+            <a:ln w="0">
+              <a:noFill/>
+            </a:ln>
+          </p:spPr>
+          <p:style>
+            <a:lnRef idx="0">
+              <a:scrgbClr r="0" g="0" b="0"/>
+            </a:lnRef>
+            <a:fillRef idx="0">
+              <a:scrgbClr r="0" g="0" b="0"/>
+            </a:fillRef>
+            <a:effectRef idx="0">
+              <a:scrgbClr r="0" g="0" b="0"/>
+            </a:effectRef>
+            <a:fontRef idx="minor"/>
+          </p:style>
+          <p:txBody>
+            <a:bodyPr wrap="none" lIns="90000" tIns="45000" rIns="90000" bIns="45000" anchor="t">
+              <a:spAutoFit/>
+            </a:bodyPr>
+            <a:lstStyle/>
+            <a:p>
+              <a:pPr algn="ctr">
+                <a:lnSpc>
+                  <a:spcPct val="100000"/>
+                </a:lnSpc>
+                <a:buNone/>
+              </a:pPr>
+              <a:r>
+                <a:rPr lang="en-US" sz="1800" b="1" strike="noStrike" spc="-1" dirty="0">
+                  <a:solidFill>
+                    <a:srgbClr val="000000"/>
+                  </a:solidFill>
+                  <a:latin typeface="Aptos"/>
+                </a:rPr>
+                <a:t>Context</a:t>
+              </a:r>
+            </a:p>
+            <a:p>
+              <a:pPr algn="ctr">
+                <a:lnSpc>
+                  <a:spcPct val="100000"/>
+                </a:lnSpc>
+                <a:buNone/>
+              </a:pPr>
+              <a:r>
+                <a:rPr lang="en-US" sz="1800" b="1" strike="noStrike" spc="-1" dirty="0">
+                  <a:solidFill>
+                    <a:srgbClr val="000000"/>
+                  </a:solidFill>
+                  <a:latin typeface="Aptos"/>
+                </a:rPr>
+                <a:t>Document</a:t>
+              </a:r>
+              <a:endParaRPr lang="en-US" sz="1800" b="0" strike="noStrike" spc="-1" dirty="0">
+                <a:latin typeface="Arial"/>
+              </a:endParaRPr>
+            </a:p>
+          </p:txBody>
+        </p:sp>
+      </p:grpSp>
+      <p:sp>
+        <p:nvSpPr>
+          <p:cNvPr id="42" name="Straight Arrow Connector 1">
+            <a:extLst>
+              <a:ext uri="{FF2B5EF4-FFF2-40B4-BE49-F238E27FC236}">
+                <a16:creationId xmlns:a16="http://schemas.microsoft.com/office/drawing/2014/main" id="{5F713E35-A611-CC75-74A3-A1869E14AB6C}"/>
+              </a:ext>
+            </a:extLst>
+          </p:cNvPr>
+          <p:cNvSpPr/>
+          <p:nvPr/>
+        </p:nvSpPr>
+        <p:spPr>
+          <a:xfrm>
+            <a:off x="4640339" y="3197492"/>
+            <a:ext cx="311760" cy="360"/>
+          </a:xfrm>
+          <a:custGeom>
+            <a:avLst/>
+            <a:gdLst/>
+            <a:ahLst/>
+            <a:cxnLst/>
+            <a:rect l="l" t="t" r="r" b="b"/>
+            <a:pathLst>
+              <a:path w="21600" h="21600">
+                <a:moveTo>
+                  <a:pt x="0" y="0"/>
+                </a:moveTo>
+                <a:lnTo>
+                  <a:pt x="21600" y="21600"/>
+                </a:lnTo>
+              </a:path>
+            </a:pathLst>
+          </a:custGeom>
+          <a:noFill/>
+          <a:ln w="44450">
+            <a:solidFill>
+              <a:srgbClr val="000000"/>
+            </a:solidFill>
+            <a:tailEnd type="triangle" w="med" len="med"/>
+          </a:ln>
+        </p:spPr>
+        <p:style>
+          <a:lnRef idx="2">
+            <a:schemeClr val="accent1"/>
+          </a:lnRef>
+          <a:fillRef idx="0">
+            <a:schemeClr val="accent1"/>
+          </a:fillRef>
+          <a:effectRef idx="1">
+            <a:schemeClr val="accent1"/>
+          </a:effectRef>
+          <a:fontRef idx="minor"/>
+        </p:style>
+        <p:txBody>
+          <a:bodyPr/>
+          <a:lstStyle/>
+          <a:p>
+            <a:endParaRPr lang="en-US"/>
+          </a:p>
+        </p:txBody>
+      </p:sp>
+      <p:sp>
+        <p:nvSpPr>
+          <p:cNvPr id="45" name="TextBox 3">
+            <a:extLst>
+              <a:ext uri="{FF2B5EF4-FFF2-40B4-BE49-F238E27FC236}">
+                <a16:creationId xmlns:a16="http://schemas.microsoft.com/office/drawing/2014/main" id="{2D681104-E057-ED01-DCF9-171B602D62EF}"/>
+              </a:ext>
+            </a:extLst>
+          </p:cNvPr>
+          <p:cNvSpPr/>
+          <p:nvPr/>
+        </p:nvSpPr>
+        <p:spPr>
+          <a:xfrm>
+            <a:off x="3653838" y="1980326"/>
+            <a:ext cx="816162" cy="644877"/>
+          </a:xfrm>
+          <a:prstGeom prst="rect">
+            <a:avLst/>
+          </a:prstGeom>
+          <a:noFill/>
+          <a:ln w="0">
+            <a:noFill/>
+          </a:ln>
+        </p:spPr>
+        <p:style>
+          <a:lnRef idx="0">
+            <a:scrgbClr r="0" g="0" b="0"/>
+          </a:lnRef>
+          <a:fillRef idx="0">
+            <a:scrgbClr r="0" g="0" b="0"/>
+          </a:fillRef>
+          <a:effectRef idx="0">
+            <a:scrgbClr r="0" g="0" b="0"/>
+          </a:effectRef>
+          <a:fontRef idx="minor"/>
+        </p:style>
+        <p:txBody>
+          <a:bodyPr wrap="none" lIns="90000" tIns="45000" rIns="90000" bIns="45000" anchor="t">
+            <a:spAutoFit/>
+          </a:bodyPr>
+          <a:lstStyle/>
+          <a:p>
+            <a:pPr algn="ctr">
+              <a:lnSpc>
+                <a:spcPct val="100000"/>
+              </a:lnSpc>
+              <a:buNone/>
+            </a:pPr>
+            <a:r>
+              <a:rPr lang="en-US" sz="1800" b="1" strike="noStrike" spc="-1" dirty="0">
+                <a:solidFill>
+                  <a:srgbClr val="000000"/>
+                </a:solidFill>
+                <a:latin typeface="Aptos"/>
+              </a:rPr>
+              <a:t>User </a:t>
+            </a:r>
+            <a:endParaRPr lang="en-US" sz="1800" b="0" strike="noStrike" spc="-1" dirty="0">
+              <a:latin typeface="Arial"/>
+            </a:endParaRPr>
+          </a:p>
+          <a:p>
+            <a:pPr algn="ctr">
+              <a:lnSpc>
+                <a:spcPct val="100000"/>
+              </a:lnSpc>
+              <a:buNone/>
+            </a:pPr>
+            <a:r>
+              <a:rPr lang="en-US" sz="1800" b="1" strike="noStrike" spc="-1" dirty="0">
+                <a:solidFill>
+                  <a:srgbClr val="000000"/>
+                </a:solidFill>
+                <a:latin typeface="Aptos"/>
+              </a:rPr>
+              <a:t>Query</a:t>
+            </a:r>
+            <a:endParaRPr lang="en-US" sz="1800" b="0" strike="noStrike" spc="-1" dirty="0">
+              <a:latin typeface="Arial"/>
+            </a:endParaRPr>
+          </a:p>
+        </p:txBody>
+      </p:sp>
+      <p:sp>
+        <p:nvSpPr>
+          <p:cNvPr id="46" name="Straight Arrow Connector 2">
+            <a:extLst>
+              <a:ext uri="{FF2B5EF4-FFF2-40B4-BE49-F238E27FC236}">
+                <a16:creationId xmlns:a16="http://schemas.microsoft.com/office/drawing/2014/main" id="{82D67E41-82D7-EA90-3B20-BEE659328088}"/>
+              </a:ext>
+            </a:extLst>
+          </p:cNvPr>
+          <p:cNvSpPr/>
+          <p:nvPr/>
+        </p:nvSpPr>
+        <p:spPr>
+          <a:xfrm>
+            <a:off x="4640339" y="2326649"/>
+            <a:ext cx="311760" cy="360"/>
+          </a:xfrm>
+          <a:custGeom>
+            <a:avLst/>
+            <a:gdLst/>
+            <a:ahLst/>
+            <a:cxnLst/>
+            <a:rect l="l" t="t" r="r" b="b"/>
+            <a:pathLst>
+              <a:path w="21600" h="21600">
+                <a:moveTo>
+                  <a:pt x="0" y="0"/>
+                </a:moveTo>
+                <a:lnTo>
+                  <a:pt x="21600" y="21600"/>
+                </a:lnTo>
+              </a:path>
+            </a:pathLst>
+          </a:custGeom>
+          <a:noFill/>
+          <a:ln w="44450">
+            <a:solidFill>
+              <a:srgbClr val="000000"/>
+            </a:solidFill>
+            <a:tailEnd type="triangle" w="med" len="med"/>
+          </a:ln>
+        </p:spPr>
+        <p:style>
+          <a:lnRef idx="2">
+            <a:schemeClr val="accent1"/>
+          </a:lnRef>
+          <a:fillRef idx="0">
+            <a:schemeClr val="accent1"/>
+          </a:fillRef>
+          <a:effectRef idx="1">
+            <a:schemeClr val="accent1"/>
+          </a:effectRef>
+          <a:fontRef idx="minor"/>
+        </p:style>
+        <p:txBody>
+          <a:bodyPr/>
+          <a:lstStyle/>
+          <a:p>
+            <a:endParaRPr lang="en-US"/>
+          </a:p>
+        </p:txBody>
+      </p:sp>
+      <p:grpSp>
+        <p:nvGrpSpPr>
+          <p:cNvPr id="51" name="Group 50">
+            <a:extLst>
+              <a:ext uri="{FF2B5EF4-FFF2-40B4-BE49-F238E27FC236}">
+                <a16:creationId xmlns:a16="http://schemas.microsoft.com/office/drawing/2014/main" id="{C413F7E2-9C3B-206B-7AC0-F5D2A2B6089F}"/>
+              </a:ext>
+            </a:extLst>
+          </p:cNvPr>
+          <p:cNvGrpSpPr/>
+          <p:nvPr/>
+        </p:nvGrpSpPr>
+        <p:grpSpPr>
+          <a:xfrm>
+            <a:off x="2978376" y="1980326"/>
+            <a:ext cx="1607863" cy="685800"/>
+            <a:chOff x="9796989" y="3429000"/>
+            <a:chExt cx="1607863" cy="685800"/>
+          </a:xfrm>
+        </p:grpSpPr>
+        <p:sp>
+          <p:nvSpPr>
+            <p:cNvPr id="44" name="Rounded Rectangle 3">
+              <a:extLst>
+                <a:ext uri="{FF2B5EF4-FFF2-40B4-BE49-F238E27FC236}">
+                  <a16:creationId xmlns:a16="http://schemas.microsoft.com/office/drawing/2014/main" id="{05FE46C7-C2C0-12D7-EC43-38916650D32F}"/>
+                </a:ext>
+              </a:extLst>
+            </p:cNvPr>
+            <p:cNvSpPr/>
+            <p:nvPr/>
+          </p:nvSpPr>
+          <p:spPr>
+            <a:xfrm>
+              <a:off x="9796989" y="3429000"/>
+              <a:ext cx="1607863" cy="685800"/>
+            </a:xfrm>
+            <a:prstGeom prst="roundRect">
+              <a:avLst>
+                <a:gd name="adj" fmla="val 31279"/>
+              </a:avLst>
+            </a:prstGeom>
+            <a:noFill/>
+            <a:ln w="25400">
+              <a:solidFill>
+                <a:srgbClr val="000000"/>
+              </a:solidFill>
+            </a:ln>
+          </p:spPr>
+          <p:style>
+            <a:lnRef idx="2">
+              <a:schemeClr val="accent1">
+                <a:shade val="15000"/>
+              </a:schemeClr>
+            </a:lnRef>
+            <a:fillRef idx="1">
+              <a:schemeClr val="accent1"/>
+            </a:fillRef>
+            <a:effectRef idx="0">
+              <a:schemeClr val="accent1"/>
+            </a:effectRef>
+            <a:fontRef idx="minor"/>
+          </p:style>
+          <p:txBody>
+            <a:bodyPr/>
+            <a:lstStyle/>
+            <a:p>
+              <a:endParaRPr lang="en-US"/>
+            </a:p>
+          </p:txBody>
+        </p:sp>
+        <p:pic>
+          <p:nvPicPr>
+            <p:cNvPr id="50" name="Picture 49">
+              <a:extLst>
+                <a:ext uri="{FF2B5EF4-FFF2-40B4-BE49-F238E27FC236}">
+                  <a16:creationId xmlns:a16="http://schemas.microsoft.com/office/drawing/2014/main" id="{E82EBED7-8293-1A2C-4BC0-0A3AB220B8AC}"/>
+                </a:ext>
+              </a:extLst>
+            </p:cNvPr>
+            <p:cNvPicPr>
+              <a:picLocks noChangeAspect="1"/>
+            </p:cNvPicPr>
+            <p:nvPr/>
+          </p:nvPicPr>
+          <p:blipFill>
+            <a:blip r:embed="rId6"/>
+            <a:srcRect l="33649" t="42246" r="55406" b="44575"/>
+            <a:stretch>
+              <a:fillRect/>
+            </a:stretch>
+          </p:blipFill>
+          <p:spPr>
+            <a:xfrm>
+              <a:off x="9973774" y="3523930"/>
+              <a:ext cx="511062" cy="478379"/>
+            </a:xfrm>
+            <a:prstGeom prst="rect">
+              <a:avLst/>
+            </a:prstGeom>
+            <a:ln w="0">
+              <a:noFill/>
+            </a:ln>
+          </p:spPr>
+        </p:pic>
+      </p:grpSp>
+      <p:grpSp>
+        <p:nvGrpSpPr>
+          <p:cNvPr id="64" name="Group 63">
+            <a:extLst>
+              <a:ext uri="{FF2B5EF4-FFF2-40B4-BE49-F238E27FC236}">
+                <a16:creationId xmlns:a16="http://schemas.microsoft.com/office/drawing/2014/main" id="{4C31583A-B681-7064-BEBF-3FFE133B4A4C}"/>
+              </a:ext>
+            </a:extLst>
+          </p:cNvPr>
+          <p:cNvGrpSpPr/>
+          <p:nvPr/>
+        </p:nvGrpSpPr>
+        <p:grpSpPr>
+          <a:xfrm>
+            <a:off x="7102146" y="2002402"/>
+            <a:ext cx="990378" cy="1195090"/>
+            <a:chOff x="6869687" y="2001321"/>
+            <a:chExt cx="990378" cy="1195090"/>
+          </a:xfrm>
+        </p:grpSpPr>
+        <p:grpSp>
+          <p:nvGrpSpPr>
+            <p:cNvPr id="62" name="Group 61">
+              <a:extLst>
+                <a:ext uri="{FF2B5EF4-FFF2-40B4-BE49-F238E27FC236}">
+                  <a16:creationId xmlns:a16="http://schemas.microsoft.com/office/drawing/2014/main" id="{75F8AEFB-AA10-FC3F-DC07-E85CDAF49B97}"/>
+                </a:ext>
+              </a:extLst>
+            </p:cNvPr>
+            <p:cNvGrpSpPr/>
+            <p:nvPr/>
+          </p:nvGrpSpPr>
+          <p:grpSpPr>
+            <a:xfrm>
+              <a:off x="7109345" y="2080118"/>
+              <a:ext cx="511062" cy="478379"/>
+              <a:chOff x="7131936" y="2080118"/>
+              <a:chExt cx="511062" cy="478379"/>
+            </a:xfrm>
+          </p:grpSpPr>
+          <p:pic>
+            <p:nvPicPr>
+              <p:cNvPr id="52" name="Picture 51">
+                <a:extLst>
+                  <a:ext uri="{FF2B5EF4-FFF2-40B4-BE49-F238E27FC236}">
+                    <a16:creationId xmlns:a16="http://schemas.microsoft.com/office/drawing/2014/main" id="{0AF5E8DC-EBB3-8188-731B-5ECAE526E772}"/>
+                  </a:ext>
+                </a:extLst>
+              </p:cNvPr>
+              <p:cNvPicPr>
+                <a:picLocks noChangeAspect="1"/>
+              </p:cNvPicPr>
+              <p:nvPr/>
+            </p:nvPicPr>
+            <p:blipFill>
+              <a:blip r:embed="rId6"/>
+              <a:srcRect l="33649" t="42246" r="55406" b="44575"/>
+              <a:stretch>
+                <a:fillRect/>
+              </a:stretch>
+            </p:blipFill>
+            <p:spPr>
+              <a:xfrm>
+                <a:off x="7131936" y="2080118"/>
+                <a:ext cx="511062" cy="478379"/>
+              </a:xfrm>
+              <a:prstGeom prst="rect">
+                <a:avLst/>
+              </a:prstGeom>
+              <a:ln w="0">
+                <a:noFill/>
+              </a:ln>
+            </p:spPr>
+          </p:pic>
+          <p:sp>
+            <p:nvSpPr>
+              <p:cNvPr id="26" name="Rectangle 25">
+                <a:extLst>
+                  <a:ext uri="{FF2B5EF4-FFF2-40B4-BE49-F238E27FC236}">
+                    <a16:creationId xmlns:a16="http://schemas.microsoft.com/office/drawing/2014/main" id="{BD21D4E7-DED5-7266-5E78-9AF95DABDA88}"/>
+                  </a:ext>
+                </a:extLst>
+              </p:cNvPr>
+              <p:cNvSpPr/>
+              <p:nvPr/>
+            </p:nvSpPr>
+            <p:spPr>
+              <a:xfrm>
+                <a:off x="7284147" y="2175557"/>
+                <a:ext cx="202859" cy="221716"/>
+              </a:xfrm>
+              <a:prstGeom prst="rect">
+                <a:avLst/>
+              </a:prstGeom>
+              <a:solidFill>
+                <a:schemeClr val="bg1"/>
+              </a:solidFill>
+              <a:ln>
+                <a:noFill/>
+              </a:ln>
+            </p:spPr>
+            <p:style>
+              <a:lnRef idx="2">
+                <a:schemeClr val="accent1">
+                  <a:shade val="50000"/>
+                </a:schemeClr>
+              </a:lnRef>
+              <a:fillRef idx="1">
+                <a:schemeClr val="accent1"/>
+              </a:fillRef>
+              <a:effectRef idx="0">
+                <a:schemeClr val="accent1"/>
+              </a:effectRef>
+              <a:fontRef idx="minor">
+                <a:schemeClr val="lt1"/>
+              </a:fontRef>
+            </p:style>
+            <p:txBody>
+              <a:bodyPr rtlCol="0" anchor="ctr"/>
+              <a:lstStyle/>
+              <a:p>
+                <a:pPr algn="ctr"/>
+                <a:endParaRPr lang="en-US"/>
+              </a:p>
+            </p:txBody>
+          </p:sp>
+          <p:pic>
+            <p:nvPicPr>
+              <p:cNvPr id="53" name="Picture 52">
+                <a:extLst>
+                  <a:ext uri="{FF2B5EF4-FFF2-40B4-BE49-F238E27FC236}">
+                    <a16:creationId xmlns:a16="http://schemas.microsoft.com/office/drawing/2014/main" id="{733F034A-64DF-13BC-A87F-19315C7F3D01}"/>
+                  </a:ext>
+                </a:extLst>
+              </p:cNvPr>
+              <p:cNvPicPr>
+                <a:picLocks noChangeAspect="1"/>
+              </p:cNvPicPr>
+              <p:nvPr/>
+            </p:nvPicPr>
+            <p:blipFill rotWithShape="1">
+              <a:blip r:embed="rId6"/>
+              <a:srcRect l="37338" t="44465" r="58718" b="48705"/>
+              <a:stretch/>
+            </p:blipFill>
+            <p:spPr>
+              <a:xfrm>
+                <a:off x="7242676" y="2162161"/>
+                <a:ext cx="184150" cy="247939"/>
+              </a:xfrm>
+              <a:prstGeom prst="rect">
+                <a:avLst/>
+              </a:prstGeom>
+              <a:ln w="0">
+                <a:noFill/>
+              </a:ln>
+            </p:spPr>
+          </p:pic>
+          <p:sp>
+            <p:nvSpPr>
+              <p:cNvPr id="59" name="TextBox 2">
+                <a:extLst>
+                  <a:ext uri="{FF2B5EF4-FFF2-40B4-BE49-F238E27FC236}">
+                    <a16:creationId xmlns:a16="http://schemas.microsoft.com/office/drawing/2014/main" id="{6A90E7E5-1022-074B-9167-AD57C380609B}"/>
+                  </a:ext>
+                </a:extLst>
+              </p:cNvPr>
+              <p:cNvSpPr/>
+              <p:nvPr/>
+            </p:nvSpPr>
+            <p:spPr>
+              <a:xfrm>
+                <a:off x="7326379" y="2095607"/>
+                <a:ext cx="297046" cy="367878"/>
+              </a:xfrm>
+              <a:prstGeom prst="rect">
+                <a:avLst/>
+              </a:prstGeom>
+              <a:noFill/>
+              <a:ln w="0">
+                <a:noFill/>
+              </a:ln>
+            </p:spPr>
+            <p:style>
+              <a:lnRef idx="0">
+                <a:scrgbClr r="0" g="0" b="0"/>
+              </a:lnRef>
+              <a:fillRef idx="0">
+                <a:scrgbClr r="0" g="0" b="0"/>
+              </a:fillRef>
+              <a:effectRef idx="0">
+                <a:scrgbClr r="0" g="0" b="0"/>
+              </a:effectRef>
+              <a:fontRef idx="minor"/>
+            </p:style>
+            <p:txBody>
+              <a:bodyPr wrap="none" lIns="90000" tIns="45000" rIns="90000" bIns="45000" anchor="t">
+                <a:spAutoFit/>
+              </a:bodyPr>
+              <a:lstStyle/>
+              <a:p>
+                <a:pPr algn="ctr">
+                  <a:lnSpc>
+                    <a:spcPct val="100000"/>
+                  </a:lnSpc>
+                  <a:buNone/>
+                </a:pPr>
+                <a:r>
+                  <a:rPr lang="en-US" sz="1800" b="1" strike="noStrike" spc="-1" dirty="0">
+                    <a:solidFill>
+                      <a:srgbClr val="000000"/>
+                    </a:solidFill>
+                    <a:latin typeface="Aptos"/>
+                  </a:rPr>
+                  <a:t>+</a:t>
+                </a:r>
+                <a:endParaRPr lang="en-US" sz="1800" b="0" strike="noStrike" spc="-1" dirty="0">
+                  <a:latin typeface="Arial"/>
+                </a:endParaRPr>
+              </a:p>
+            </p:txBody>
+          </p:sp>
+        </p:grpSp>
+        <p:sp>
+          <p:nvSpPr>
+            <p:cNvPr id="60" name="TextBox 2">
+              <a:extLst>
+                <a:ext uri="{FF2B5EF4-FFF2-40B4-BE49-F238E27FC236}">
+                  <a16:creationId xmlns:a16="http://schemas.microsoft.com/office/drawing/2014/main" id="{B7D74F6A-94CB-0429-3013-77861035153C}"/>
+                </a:ext>
+              </a:extLst>
+            </p:cNvPr>
+            <p:cNvSpPr/>
+            <p:nvPr/>
+          </p:nvSpPr>
+          <p:spPr>
+            <a:xfrm>
+              <a:off x="6869688" y="2508281"/>
+              <a:ext cx="990377" cy="644877"/>
+            </a:xfrm>
+            <a:prstGeom prst="rect">
+              <a:avLst/>
+            </a:prstGeom>
+            <a:noFill/>
+            <a:ln w="0">
+              <a:noFill/>
+            </a:ln>
+          </p:spPr>
+          <p:style>
+            <a:lnRef idx="0">
+              <a:scrgbClr r="0" g="0" b="0"/>
+            </a:lnRef>
+            <a:fillRef idx="0">
+              <a:scrgbClr r="0" g="0" b="0"/>
+            </a:fillRef>
+            <a:effectRef idx="0">
+              <a:scrgbClr r="0" g="0" b="0"/>
+            </a:effectRef>
+            <a:fontRef idx="minor"/>
+          </p:style>
+          <p:txBody>
+            <a:bodyPr wrap="none" lIns="90000" tIns="45000" rIns="90000" bIns="45000" anchor="t">
+              <a:spAutoFit/>
+            </a:bodyPr>
+            <a:lstStyle/>
+            <a:p>
+              <a:pPr algn="ctr">
+                <a:lnSpc>
+                  <a:spcPct val="100000"/>
+                </a:lnSpc>
+                <a:buNone/>
+              </a:pPr>
+              <a:r>
+                <a:rPr lang="en-US" sz="1800" b="1" strike="noStrike" spc="-1" dirty="0">
+                  <a:solidFill>
+                    <a:srgbClr val="000000"/>
+                  </a:solidFill>
+                  <a:latin typeface="Aptos"/>
+                </a:rPr>
+                <a:t>Refined</a:t>
+              </a:r>
+              <a:br>
+                <a:rPr lang="en-US" sz="1800" b="1" strike="noStrike" spc="-1" dirty="0">
+                  <a:solidFill>
+                    <a:srgbClr val="000000"/>
+                  </a:solidFill>
+                  <a:latin typeface="Aptos"/>
+                </a:rPr>
+              </a:br>
+              <a:r>
+                <a:rPr lang="en-US" sz="1800" b="1" strike="noStrike" spc="-1" dirty="0">
+                  <a:solidFill>
+                    <a:srgbClr val="000000"/>
+                  </a:solidFill>
+                  <a:latin typeface="Aptos"/>
+                </a:rPr>
+                <a:t>Query</a:t>
+              </a:r>
+              <a:endParaRPr lang="en-US" sz="1800" b="0" strike="noStrike" spc="-1" dirty="0">
+                <a:latin typeface="Arial"/>
+              </a:endParaRPr>
+            </a:p>
+          </p:txBody>
+        </p:sp>
+        <p:sp>
+          <p:nvSpPr>
+            <p:cNvPr id="61" name="Rounded Rectangle 3">
+              <a:extLst>
+                <a:ext uri="{FF2B5EF4-FFF2-40B4-BE49-F238E27FC236}">
+                  <a16:creationId xmlns:a16="http://schemas.microsoft.com/office/drawing/2014/main" id="{B77B8520-816D-7DEA-E7E4-94175A09C065}"/>
+                </a:ext>
+              </a:extLst>
+            </p:cNvPr>
+            <p:cNvSpPr/>
+            <p:nvPr/>
+          </p:nvSpPr>
+          <p:spPr>
+            <a:xfrm>
+              <a:off x="6869687" y="2001321"/>
+              <a:ext cx="990378" cy="1195090"/>
+            </a:xfrm>
+            <a:prstGeom prst="roundRect">
+              <a:avLst>
+                <a:gd name="adj" fmla="val 22910"/>
+              </a:avLst>
+            </a:prstGeom>
+            <a:noFill/>
+            <a:ln w="25400">
+              <a:solidFill>
+                <a:srgbClr val="000000"/>
+              </a:solidFill>
+            </a:ln>
+          </p:spPr>
+          <p:style>
+            <a:lnRef idx="2">
+              <a:schemeClr val="accent1">
+                <a:shade val="15000"/>
+              </a:schemeClr>
+            </a:lnRef>
+            <a:fillRef idx="1">
+              <a:schemeClr val="accent1"/>
+            </a:fillRef>
+            <a:effectRef idx="0">
+              <a:schemeClr val="accent1"/>
+            </a:effectRef>
+            <a:fontRef idx="minor"/>
+          </p:style>
+          <p:txBody>
+            <a:bodyPr/>
+            <a:lstStyle/>
+            <a:p>
+              <a:endParaRPr lang="en-US"/>
+            </a:p>
+          </p:txBody>
+        </p:sp>
+      </p:grpSp>
+      <p:sp>
+        <p:nvSpPr>
+          <p:cNvPr id="65" name="Straight Arrow Connector 2">
+            <a:extLst>
+              <a:ext uri="{FF2B5EF4-FFF2-40B4-BE49-F238E27FC236}">
+                <a16:creationId xmlns:a16="http://schemas.microsoft.com/office/drawing/2014/main" id="{670063F3-D306-5CC6-A7C8-ED1F89A2F4F2}"/>
+              </a:ext>
+            </a:extLst>
+          </p:cNvPr>
+          <p:cNvSpPr/>
+          <p:nvPr/>
+        </p:nvSpPr>
+        <p:spPr>
+          <a:xfrm>
+            <a:off x="6728478" y="2323226"/>
+            <a:ext cx="311760" cy="360"/>
+          </a:xfrm>
+          <a:custGeom>
+            <a:avLst/>
+            <a:gdLst/>
+            <a:ahLst/>
+            <a:cxnLst/>
+            <a:rect l="l" t="t" r="r" b="b"/>
+            <a:pathLst>
+              <a:path w="21600" h="21600">
+                <a:moveTo>
+                  <a:pt x="0" y="0"/>
+                </a:moveTo>
+                <a:lnTo>
+                  <a:pt x="21600" y="21600"/>
+                </a:lnTo>
+              </a:path>
+            </a:pathLst>
+          </a:custGeom>
+          <a:noFill/>
+          <a:ln w="44450">
+            <a:solidFill>
+              <a:srgbClr val="000000"/>
+            </a:solidFill>
+            <a:tailEnd type="triangle" w="med" len="med"/>
+          </a:ln>
+        </p:spPr>
+        <p:style>
+          <a:lnRef idx="2">
+            <a:schemeClr val="accent1"/>
+          </a:lnRef>
+          <a:fillRef idx="0">
+            <a:schemeClr val="accent1"/>
+          </a:fillRef>
+          <a:effectRef idx="1">
+            <a:schemeClr val="accent1"/>
+          </a:effectRef>
+          <a:fontRef idx="minor"/>
+        </p:style>
+        <p:txBody>
+          <a:bodyPr/>
+          <a:lstStyle/>
+          <a:p>
+            <a:endParaRPr lang="en-US"/>
+          </a:p>
+        </p:txBody>
+      </p:sp>
+      <p:sp>
+        <p:nvSpPr>
+          <p:cNvPr id="66" name="Straight Arrow Connector 2">
+            <a:extLst>
+              <a:ext uri="{FF2B5EF4-FFF2-40B4-BE49-F238E27FC236}">
+                <a16:creationId xmlns:a16="http://schemas.microsoft.com/office/drawing/2014/main" id="{B83FE681-87C2-9DD5-CB4F-5EACA55232BF}"/>
+              </a:ext>
+            </a:extLst>
+          </p:cNvPr>
+          <p:cNvSpPr/>
+          <p:nvPr/>
+        </p:nvSpPr>
+        <p:spPr>
+          <a:xfrm>
+            <a:off x="8157633" y="2323226"/>
+            <a:ext cx="311760" cy="360"/>
+          </a:xfrm>
+          <a:custGeom>
+            <a:avLst/>
+            <a:gdLst/>
+            <a:ahLst/>
+            <a:cxnLst/>
+            <a:rect l="l" t="t" r="r" b="b"/>
+            <a:pathLst>
+              <a:path w="21600" h="21600">
+                <a:moveTo>
+                  <a:pt x="0" y="0"/>
+                </a:moveTo>
+                <a:lnTo>
+                  <a:pt x="21600" y="21600"/>
+                </a:lnTo>
+              </a:path>
+            </a:pathLst>
+          </a:custGeom>
+          <a:noFill/>
+          <a:ln w="44450">
+            <a:solidFill>
+              <a:srgbClr val="000000"/>
+            </a:solidFill>
+            <a:tailEnd type="triangle" w="med" len="med"/>
+          </a:ln>
+        </p:spPr>
+        <p:style>
+          <a:lnRef idx="2">
+            <a:schemeClr val="accent1"/>
+          </a:lnRef>
+          <a:fillRef idx="0">
+            <a:schemeClr val="accent1"/>
+          </a:fillRef>
+          <a:effectRef idx="1">
+            <a:schemeClr val="accent1"/>
+          </a:effectRef>
+          <a:fontRef idx="minor"/>
+        </p:style>
+        <p:txBody>
+          <a:bodyPr/>
+          <a:lstStyle/>
+          <a:p>
+            <a:endParaRPr lang="en-US"/>
+          </a:p>
+        </p:txBody>
+      </p:sp>
+      <p:grpSp>
+        <p:nvGrpSpPr>
+          <p:cNvPr id="83" name="Group 82">
+            <a:extLst>
+              <a:ext uri="{FF2B5EF4-FFF2-40B4-BE49-F238E27FC236}">
+                <a16:creationId xmlns:a16="http://schemas.microsoft.com/office/drawing/2014/main" id="{55CE8BDA-2313-5878-3BCA-0910820C94FB}"/>
+              </a:ext>
+            </a:extLst>
+          </p:cNvPr>
+          <p:cNvGrpSpPr/>
+          <p:nvPr/>
+        </p:nvGrpSpPr>
+        <p:grpSpPr>
+          <a:xfrm>
+            <a:off x="8301958" y="3383803"/>
+            <a:ext cx="1169080" cy="1387517"/>
+            <a:chOff x="9685870" y="4770821"/>
+            <a:chExt cx="1169080" cy="1387517"/>
+          </a:xfrm>
+        </p:grpSpPr>
+        <p:pic>
+          <p:nvPicPr>
+            <p:cNvPr id="58" name="Picture 57">
+              <a:extLst>
+                <a:ext uri="{FF2B5EF4-FFF2-40B4-BE49-F238E27FC236}">
+                  <a16:creationId xmlns:a16="http://schemas.microsoft.com/office/drawing/2014/main" id="{67570EA2-D717-9561-6533-78F470F230C5}"/>
+                </a:ext>
+              </a:extLst>
+            </p:cNvPr>
+            <p:cNvPicPr>
+              <a:picLocks noChangeAspect="1"/>
+            </p:cNvPicPr>
+            <p:nvPr/>
+          </p:nvPicPr>
+          <p:blipFill rotWithShape="1">
+            <a:blip r:embed="rId7"/>
+            <a:srcRect l="23752" t="27486" r="24704" b="22496"/>
+            <a:stretch/>
+          </p:blipFill>
+          <p:spPr>
+            <a:xfrm>
+              <a:off x="10030394" y="4829272"/>
+              <a:ext cx="480032" cy="465830"/>
+            </a:xfrm>
+            <a:prstGeom prst="rect">
+              <a:avLst/>
+            </a:prstGeom>
+          </p:spPr>
+        </p:pic>
+        <p:sp>
+          <p:nvSpPr>
+            <p:cNvPr id="95" name="TextBox 4">
+              <a:extLst>
+                <a:ext uri="{FF2B5EF4-FFF2-40B4-BE49-F238E27FC236}">
+                  <a16:creationId xmlns:a16="http://schemas.microsoft.com/office/drawing/2014/main" id="{D40D9AD0-1466-C217-4843-031D9522025A}"/>
+                </a:ext>
+              </a:extLst>
+            </p:cNvPr>
+            <p:cNvSpPr/>
+            <p:nvPr/>
+          </p:nvSpPr>
+          <p:spPr>
+            <a:xfrm>
+              <a:off x="9720399" y="5227996"/>
+              <a:ext cx="1100022" cy="921876"/>
+            </a:xfrm>
+            <a:prstGeom prst="rect">
+              <a:avLst/>
+            </a:prstGeom>
+            <a:noFill/>
+            <a:ln w="0">
+              <a:noFill/>
+            </a:ln>
+          </p:spPr>
+          <p:style>
+            <a:lnRef idx="0">
+              <a:scrgbClr r="0" g="0" b="0"/>
+            </a:lnRef>
+            <a:fillRef idx="0">
+              <a:scrgbClr r="0" g="0" b="0"/>
+            </a:fillRef>
+            <a:effectRef idx="0">
+              <a:scrgbClr r="0" g="0" b="0"/>
+            </a:effectRef>
+            <a:fontRef idx="minor"/>
+          </p:style>
+          <p:txBody>
+            <a:bodyPr wrap="none" lIns="90000" tIns="45000" rIns="90000" bIns="45000" anchor="t">
+              <a:spAutoFit/>
+            </a:bodyPr>
+            <a:lstStyle/>
+            <a:p>
+              <a:pPr algn="ctr">
+                <a:lnSpc>
+                  <a:spcPct val="100000"/>
+                </a:lnSpc>
+                <a:buNone/>
+              </a:pPr>
+              <a:r>
+                <a:rPr lang="en-US" sz="1800" b="1" strike="noStrike" spc="-1" dirty="0">
+                  <a:solidFill>
+                    <a:srgbClr val="000000"/>
+                  </a:solidFill>
+                  <a:latin typeface="Aptos"/>
+                </a:rPr>
+                <a:t>Improved</a:t>
+              </a:r>
+              <a:br>
+                <a:rPr lang="en-US" sz="1800" b="1" strike="noStrike" spc="-1" dirty="0">
+                  <a:solidFill>
+                    <a:srgbClr val="000000"/>
+                  </a:solidFill>
+                  <a:latin typeface="Aptos"/>
+                </a:rPr>
+              </a:br>
+              <a:r>
+                <a:rPr lang="en-US" sz="1800" b="1" strike="noStrike" spc="-1" dirty="0">
+                  <a:solidFill>
+                    <a:srgbClr val="000000"/>
+                  </a:solidFill>
+                  <a:latin typeface="Aptos"/>
+                </a:rPr>
+                <a:t>Response</a:t>
+              </a:r>
+              <a:br>
+                <a:rPr lang="en-US" sz="1800" b="1" strike="noStrike" spc="-1" dirty="0">
+                  <a:solidFill>
+                    <a:srgbClr val="000000"/>
+                  </a:solidFill>
+                  <a:latin typeface="Aptos"/>
+                </a:rPr>
+              </a:br>
+              <a:r>
+                <a:rPr lang="en-US" sz="1800" b="1" strike="noStrike" spc="-1" dirty="0">
+                  <a:solidFill>
+                    <a:srgbClr val="000000"/>
+                  </a:solidFill>
+                  <a:latin typeface="Aptos"/>
+                </a:rPr>
+                <a:t>Accuracy</a:t>
+              </a:r>
+              <a:endParaRPr lang="en-US" sz="1800" b="0" strike="noStrike" spc="-1" dirty="0">
+                <a:latin typeface="Arial"/>
+              </a:endParaRPr>
+            </a:p>
+          </p:txBody>
+        </p:sp>
+        <p:sp>
+          <p:nvSpPr>
+            <p:cNvPr id="80" name="Rounded Rectangle 3">
+              <a:extLst>
+                <a:ext uri="{FF2B5EF4-FFF2-40B4-BE49-F238E27FC236}">
+                  <a16:creationId xmlns:a16="http://schemas.microsoft.com/office/drawing/2014/main" id="{B717A80A-9E3F-BD4C-0692-FC0C921FE767}"/>
+                </a:ext>
+              </a:extLst>
+            </p:cNvPr>
+            <p:cNvSpPr/>
+            <p:nvPr/>
+          </p:nvSpPr>
+          <p:spPr>
+            <a:xfrm>
+              <a:off x="9685870" y="4770821"/>
+              <a:ext cx="1169080" cy="1387517"/>
+            </a:xfrm>
+            <a:prstGeom prst="roundRect">
+              <a:avLst>
+                <a:gd name="adj" fmla="val 22910"/>
+              </a:avLst>
+            </a:prstGeom>
+            <a:noFill/>
+            <a:ln w="25400">
+              <a:solidFill>
+                <a:srgbClr val="000000"/>
+              </a:solidFill>
+            </a:ln>
+          </p:spPr>
+          <p:style>
+            <a:lnRef idx="2">
+              <a:schemeClr val="accent1">
+                <a:shade val="15000"/>
+              </a:schemeClr>
+            </a:lnRef>
+            <a:fillRef idx="1">
+              <a:schemeClr val="accent1"/>
+            </a:fillRef>
+            <a:effectRef idx="0">
+              <a:schemeClr val="accent1"/>
+            </a:effectRef>
+            <a:fontRef idx="minor"/>
+          </p:style>
+          <p:txBody>
+            <a:bodyPr/>
+            <a:lstStyle/>
+            <a:p>
+              <a:endParaRPr lang="en-US"/>
+            </a:p>
+          </p:txBody>
+        </p:sp>
+      </p:grpSp>
+    </p:spTree>
+    <p:extLst>
+      <p:ext uri="{BB962C8B-B14F-4D97-AF65-F5344CB8AC3E}">
+        <p14:creationId xmlns:p14="http://schemas.microsoft.com/office/powerpoint/2010/main" val="3152135112"/>
+      </p:ext>
+    </p:extLst>
+  </p:cSld>
+  <p:clrMapOvr>
+    <a:masterClrMapping/>
+  </p:clrMapOvr>
+</p:sld>
+</file>
+
+<file path=ppt/slides/slide8.xml><?xml version="1.0" encoding="utf-8"?>
+<p:sld xmlns:a="http://schemas.openxmlformats.org/drawingml/2006/main" xmlns:r="http://schemas.openxmlformats.org/officeDocument/2006/relationships" xmlns:p="http://schemas.openxmlformats.org/presentationml/2006/main">
+  <p:cSld>
+    <p:spTree>
+      <p:nvGrpSpPr>
+        <p:cNvPr id="1" name="">
+          <a:extLst>
+            <a:ext uri="{FF2B5EF4-FFF2-40B4-BE49-F238E27FC236}">
+              <a16:creationId xmlns:a16="http://schemas.microsoft.com/office/drawing/2014/main" id="{2A7FA54A-2EE6-168E-A10F-121C08AD663C}"/>
+            </a:ext>
+          </a:extLst>
+        </p:cNvPr>
+        <p:cNvGrpSpPr/>
+        <p:nvPr/>
+      </p:nvGrpSpPr>
+      <p:grpSpPr>
+        <a:xfrm>
+          <a:off x="0" y="0"/>
+          <a:ext cx="0" cy="0"/>
+          <a:chOff x="0" y="0"/>
+          <a:chExt cx="0" cy="0"/>
+        </a:xfrm>
+      </p:grpSpPr>
+      <p:sp>
+        <p:nvSpPr>
+          <p:cNvPr id="90" name="Rectangle 89">
+            <a:extLst>
+              <a:ext uri="{FF2B5EF4-FFF2-40B4-BE49-F238E27FC236}">
+                <a16:creationId xmlns:a16="http://schemas.microsoft.com/office/drawing/2014/main" id="{775C943A-D9BB-BC66-DE67-B5743BDB0589}"/>
+              </a:ext>
+            </a:extLst>
+          </p:cNvPr>
+          <p:cNvSpPr/>
+          <p:nvPr/>
+        </p:nvSpPr>
+        <p:spPr>
+          <a:xfrm>
+            <a:off x="7131810" y="4108608"/>
+            <a:ext cx="313428" cy="253712"/>
+          </a:xfrm>
+          <a:prstGeom prst="rect">
+            <a:avLst/>
+          </a:prstGeom>
+          <a:solidFill>
+            <a:schemeClr val="bg1"/>
+          </a:solidFill>
+          <a:ln>
+            <a:noFill/>
+          </a:ln>
+        </p:spPr>
+        <p:style>
+          <a:lnRef idx="2">
+            <a:schemeClr val="accent1">
+              <a:shade val="50000"/>
+            </a:schemeClr>
+          </a:lnRef>
+          <a:fillRef idx="1">
+            <a:schemeClr val="accent1"/>
+          </a:fillRef>
+          <a:effectRef idx="0">
+            <a:schemeClr val="accent1"/>
+          </a:effectRef>
+          <a:fontRef idx="minor">
+            <a:schemeClr val="lt1"/>
+          </a:fontRef>
+        </p:style>
+        <p:txBody>
+          <a:bodyPr rtlCol="0" anchor="ctr"/>
+          <a:lstStyle/>
+          <a:p>
+            <a:pPr algn="ctr"/>
+            <a:endParaRPr lang="en-US"/>
+          </a:p>
+        </p:txBody>
+      </p:sp>
+      <p:grpSp>
+        <p:nvGrpSpPr>
+          <p:cNvPr id="57" name="Group 56">
+            <a:extLst>
+              <a:ext uri="{FF2B5EF4-FFF2-40B4-BE49-F238E27FC236}">
+                <a16:creationId xmlns:a16="http://schemas.microsoft.com/office/drawing/2014/main" id="{70F14688-FBA1-6AE3-8262-C3F9A78FE815}"/>
+              </a:ext>
+            </a:extLst>
+          </p:cNvPr>
+          <p:cNvGrpSpPr/>
+          <p:nvPr/>
+        </p:nvGrpSpPr>
+        <p:grpSpPr>
+          <a:xfrm>
+            <a:off x="8357582" y="1918232"/>
+            <a:ext cx="1057832" cy="1198876"/>
+            <a:chOff x="8146370" y="1954282"/>
+            <a:chExt cx="1057832" cy="1198876"/>
+          </a:xfrm>
+        </p:grpSpPr>
+        <p:pic>
+          <p:nvPicPr>
+            <p:cNvPr id="6" name="Picture 5">
+              <a:extLst>
+                <a:ext uri="{FF2B5EF4-FFF2-40B4-BE49-F238E27FC236}">
+                  <a16:creationId xmlns:a16="http://schemas.microsoft.com/office/drawing/2014/main" id="{761FDF6B-92A0-CEE8-F4D3-ABE77D7C8B8A}"/>
+                </a:ext>
+              </a:extLst>
+            </p:cNvPr>
+            <p:cNvPicPr>
+              <a:picLocks noChangeAspect="1"/>
+            </p:cNvPicPr>
+            <p:nvPr/>
+          </p:nvPicPr>
+          <p:blipFill>
+            <a:blip r:embed="rId2">
+              <a:extLst>
+                <a:ext uri="{28A0092B-C50C-407E-A947-70E740481C1C}">
+                  <a14:useLocalDpi xmlns:a14="http://schemas.microsoft.com/office/drawing/2010/main" val="0"/>
+                </a:ext>
+              </a:extLst>
+            </a:blip>
+            <a:stretch>
+              <a:fillRect/>
+            </a:stretch>
+          </p:blipFill>
+          <p:spPr>
+            <a:xfrm>
+              <a:off x="8146370" y="1954282"/>
+              <a:ext cx="1057832" cy="1198876"/>
+            </a:xfrm>
+            <a:prstGeom prst="rect">
+              <a:avLst/>
+            </a:prstGeom>
+          </p:spPr>
+        </p:pic>
+        <p:pic>
+          <p:nvPicPr>
+            <p:cNvPr id="9" name="Picture 8">
+              <a:extLst>
+                <a:ext uri="{FF2B5EF4-FFF2-40B4-BE49-F238E27FC236}">
+                  <a16:creationId xmlns:a16="http://schemas.microsoft.com/office/drawing/2014/main" id="{BE1A1166-F96B-3B80-20E5-CFAB40C9CA2C}"/>
+                </a:ext>
+              </a:extLst>
+            </p:cNvPr>
+            <p:cNvPicPr>
+              <a:picLocks noChangeAspect="1"/>
+            </p:cNvPicPr>
+            <p:nvPr/>
+          </p:nvPicPr>
+          <p:blipFill>
+            <a:blip r:embed="rId3">
+              <a:extLst>
+                <a:ext uri="{28A0092B-C50C-407E-A947-70E740481C1C}">
+                  <a14:useLocalDpi xmlns:a14="http://schemas.microsoft.com/office/drawing/2010/main" val="0"/>
+                </a:ext>
+              </a:extLst>
+            </a:blip>
+            <a:srcRect l="13450" t="15792" r="11012" b="19710"/>
+            <a:stretch>
+              <a:fillRect/>
+            </a:stretch>
+          </p:blipFill>
+          <p:spPr>
+            <a:xfrm>
+              <a:off x="8502189" y="2682944"/>
+              <a:ext cx="353719" cy="159064"/>
+            </a:xfrm>
+            <a:prstGeom prst="rect">
+              <a:avLst/>
+            </a:prstGeom>
+          </p:spPr>
+        </p:pic>
+      </p:grpSp>
+      <p:sp>
+        <p:nvSpPr>
+          <p:cNvPr id="11" name="Straight Arrow Connector 3">
+            <a:extLst>
+              <a:ext uri="{FF2B5EF4-FFF2-40B4-BE49-F238E27FC236}">
+                <a16:creationId xmlns:a16="http://schemas.microsoft.com/office/drawing/2014/main" id="{A236163E-0F4D-7E3F-93E5-6F8CE255F02E}"/>
+              </a:ext>
+            </a:extLst>
+          </p:cNvPr>
+          <p:cNvSpPr/>
+          <p:nvPr/>
+        </p:nvSpPr>
+        <p:spPr>
+          <a:xfrm rot="5400000">
+            <a:off x="8785734" y="3220464"/>
+            <a:ext cx="201168" cy="360"/>
+          </a:xfrm>
+          <a:custGeom>
+            <a:avLst/>
+            <a:gdLst/>
+            <a:ahLst/>
+            <a:cxnLst/>
+            <a:rect l="l" t="t" r="r" b="b"/>
+            <a:pathLst>
+              <a:path w="21600" h="21600">
+                <a:moveTo>
+                  <a:pt x="0" y="0"/>
+                </a:moveTo>
+                <a:lnTo>
+                  <a:pt x="21600" y="21600"/>
+                </a:lnTo>
+              </a:path>
+            </a:pathLst>
+          </a:custGeom>
+          <a:noFill/>
+          <a:ln w="44450">
+            <a:solidFill>
+              <a:srgbClr val="000000"/>
+            </a:solidFill>
+            <a:tailEnd type="triangle" w="med" len="med"/>
+          </a:ln>
+        </p:spPr>
+        <p:style>
+          <a:lnRef idx="2">
+            <a:schemeClr val="accent1"/>
+          </a:lnRef>
+          <a:fillRef idx="0">
+            <a:schemeClr val="accent1"/>
+          </a:fillRef>
+          <a:effectRef idx="1">
+            <a:schemeClr val="accent1"/>
+          </a:effectRef>
+          <a:fontRef idx="minor"/>
+        </p:style>
+        <p:txBody>
+          <a:bodyPr/>
+          <a:lstStyle/>
+          <a:p>
+            <a:endParaRPr lang="en-US" dirty="0"/>
+          </a:p>
+        </p:txBody>
+      </p:sp>
+      <p:grpSp>
+        <p:nvGrpSpPr>
+          <p:cNvPr id="30" name="Group 29">
+            <a:extLst>
+              <a:ext uri="{FF2B5EF4-FFF2-40B4-BE49-F238E27FC236}">
+                <a16:creationId xmlns:a16="http://schemas.microsoft.com/office/drawing/2014/main" id="{88259F26-0385-287C-F511-A8543C2AE3D2}"/>
+              </a:ext>
+            </a:extLst>
+          </p:cNvPr>
+          <p:cNvGrpSpPr/>
+          <p:nvPr/>
+        </p:nvGrpSpPr>
+        <p:grpSpPr>
+          <a:xfrm>
+            <a:off x="5102594" y="1980326"/>
+            <a:ext cx="1565150" cy="2404444"/>
+            <a:chOff x="9707574" y="935272"/>
+            <a:chExt cx="1565150" cy="2404444"/>
+          </a:xfrm>
+        </p:grpSpPr>
+        <p:sp>
+          <p:nvSpPr>
+            <p:cNvPr id="16" name="Rounded Rectangle 2">
+              <a:extLst>
+                <a:ext uri="{FF2B5EF4-FFF2-40B4-BE49-F238E27FC236}">
+                  <a16:creationId xmlns:a16="http://schemas.microsoft.com/office/drawing/2014/main" id="{0B6F5FD7-69FE-7120-41D2-41A3AECCF7F4}"/>
+                </a:ext>
+              </a:extLst>
+            </p:cNvPr>
+            <p:cNvSpPr/>
+            <p:nvPr/>
+          </p:nvSpPr>
+          <p:spPr>
+            <a:xfrm>
+              <a:off x="9715969" y="935272"/>
+              <a:ext cx="1548360" cy="2404444"/>
+            </a:xfrm>
+            <a:prstGeom prst="roundRect">
+              <a:avLst>
+                <a:gd name="adj" fmla="val 16667"/>
+              </a:avLst>
+            </a:prstGeom>
+            <a:noFill/>
+            <a:ln w="25400">
+              <a:solidFill>
+                <a:srgbClr val="000000"/>
+              </a:solidFill>
+            </a:ln>
+          </p:spPr>
+          <p:style>
+            <a:lnRef idx="2">
+              <a:schemeClr val="accent1">
+                <a:shade val="15000"/>
+              </a:schemeClr>
+            </a:lnRef>
+            <a:fillRef idx="1">
+              <a:schemeClr val="accent1"/>
+            </a:fillRef>
+            <a:effectRef idx="0">
+              <a:schemeClr val="accent1"/>
+            </a:effectRef>
+            <a:fontRef idx="minor"/>
+          </p:style>
+          <p:txBody>
+            <a:bodyPr/>
+            <a:lstStyle/>
+            <a:p>
+              <a:endParaRPr lang="en-US"/>
+            </a:p>
+          </p:txBody>
+        </p:sp>
+        <p:sp>
+          <p:nvSpPr>
+            <p:cNvPr id="20" name="TextBox 2">
+              <a:extLst>
+                <a:ext uri="{FF2B5EF4-FFF2-40B4-BE49-F238E27FC236}">
+                  <a16:creationId xmlns:a16="http://schemas.microsoft.com/office/drawing/2014/main" id="{9309935B-5634-2F1B-5405-C54E88759AC5}"/>
+                </a:ext>
+              </a:extLst>
+            </p:cNvPr>
+            <p:cNvSpPr/>
+            <p:nvPr/>
+          </p:nvSpPr>
+          <p:spPr>
+            <a:xfrm>
+              <a:off x="9707574" y="956267"/>
+              <a:ext cx="1565150" cy="1198875"/>
+            </a:xfrm>
+            <a:prstGeom prst="rect">
+              <a:avLst/>
+            </a:prstGeom>
+            <a:noFill/>
+            <a:ln w="0">
+              <a:noFill/>
+            </a:ln>
+          </p:spPr>
+          <p:style>
+            <a:lnRef idx="0">
+              <a:scrgbClr r="0" g="0" b="0"/>
+            </a:lnRef>
+            <a:fillRef idx="0">
+              <a:scrgbClr r="0" g="0" b="0"/>
+            </a:fillRef>
+            <a:effectRef idx="0">
+              <a:scrgbClr r="0" g="0" b="0"/>
+            </a:effectRef>
+            <a:fontRef idx="minor"/>
+          </p:style>
+          <p:txBody>
+            <a:bodyPr wrap="none" lIns="90000" tIns="45000" rIns="90000" bIns="45000" anchor="t">
+              <a:spAutoFit/>
+            </a:bodyPr>
+            <a:lstStyle/>
+            <a:p>
+              <a:pPr algn="ctr">
+                <a:lnSpc>
+                  <a:spcPct val="100000"/>
+                </a:lnSpc>
+                <a:buNone/>
+              </a:pPr>
+              <a:r>
+                <a:rPr lang="en-US" sz="1800" b="1" strike="noStrike" spc="-1" dirty="0">
+                  <a:solidFill>
+                    <a:srgbClr val="000000"/>
+                  </a:solidFill>
+                  <a:latin typeface="Aptos"/>
+                </a:rPr>
+                <a:t>Answer-Free,</a:t>
+              </a:r>
+              <a:br>
+                <a:rPr lang="en-US" sz="1800" b="1" strike="noStrike" spc="-1" dirty="0">
+                  <a:solidFill>
+                    <a:srgbClr val="000000"/>
+                  </a:solidFill>
+                  <a:latin typeface="Aptos"/>
+                </a:rPr>
+              </a:br>
+              <a:r>
+                <a:rPr lang="en-US" sz="1800" b="1" strike="noStrike" spc="-1" dirty="0">
+                  <a:solidFill>
+                    <a:srgbClr val="000000"/>
+                  </a:solidFill>
+                  <a:latin typeface="Aptos"/>
+                </a:rPr>
+                <a:t>Contextually</a:t>
+              </a:r>
+              <a:endParaRPr lang="en-US" sz="1800" b="0" strike="noStrike" spc="-1" dirty="0">
+                <a:latin typeface="Arial"/>
+              </a:endParaRPr>
+            </a:p>
+            <a:p>
+              <a:pPr algn="ctr">
+                <a:lnSpc>
+                  <a:spcPct val="100000"/>
+                </a:lnSpc>
+                <a:buNone/>
+              </a:pPr>
+              <a:r>
+                <a:rPr lang="en-US" sz="1800" b="1" strike="noStrike" spc="-1" dirty="0">
+                  <a:solidFill>
+                    <a:srgbClr val="000000"/>
+                  </a:solidFill>
+                  <a:latin typeface="Aptos"/>
+                </a:rPr>
+                <a:t>Grounded</a:t>
+              </a:r>
+            </a:p>
+            <a:p>
+              <a:pPr algn="ctr">
+                <a:lnSpc>
+                  <a:spcPct val="100000"/>
+                </a:lnSpc>
+                <a:buNone/>
+              </a:pPr>
+              <a:r>
+                <a:rPr lang="en-US" sz="1800" b="1" strike="noStrike" spc="-1" dirty="0">
+                  <a:solidFill>
+                    <a:srgbClr val="000000"/>
+                  </a:solidFill>
+                  <a:latin typeface="Aptos"/>
+                </a:rPr>
+                <a:t>Query Rewrite</a:t>
+              </a:r>
+              <a:endParaRPr lang="en-US" sz="1800" b="0" strike="noStrike" spc="-1" dirty="0">
+                <a:latin typeface="Arial"/>
+              </a:endParaRPr>
+            </a:p>
+          </p:txBody>
+        </p:sp>
+        <p:grpSp>
+          <p:nvGrpSpPr>
+            <p:cNvPr id="29" name="Group 28">
+              <a:extLst>
+                <a:ext uri="{FF2B5EF4-FFF2-40B4-BE49-F238E27FC236}">
+                  <a16:creationId xmlns:a16="http://schemas.microsoft.com/office/drawing/2014/main" id="{10232FA7-8160-3347-D994-E450D06CB97E}"/>
+                </a:ext>
+              </a:extLst>
+            </p:cNvPr>
+            <p:cNvGrpSpPr/>
+            <p:nvPr/>
+          </p:nvGrpSpPr>
+          <p:grpSpPr>
+            <a:xfrm>
+              <a:off x="10133437" y="2155691"/>
+              <a:ext cx="713425" cy="1061172"/>
+              <a:chOff x="10077928" y="2155691"/>
+              <a:chExt cx="713425" cy="1061172"/>
+            </a:xfrm>
+          </p:grpSpPr>
+          <p:grpSp>
+            <p:nvGrpSpPr>
+              <p:cNvPr id="24" name="Group 23">
+                <a:extLst>
+                  <a:ext uri="{FF2B5EF4-FFF2-40B4-BE49-F238E27FC236}">
+                    <a16:creationId xmlns:a16="http://schemas.microsoft.com/office/drawing/2014/main" id="{D2CAF077-3E26-20CA-AFB2-DC34E9825CBC}"/>
+                  </a:ext>
+                </a:extLst>
+              </p:cNvPr>
+              <p:cNvGrpSpPr/>
+              <p:nvPr/>
+            </p:nvGrpSpPr>
+            <p:grpSpPr>
+              <a:xfrm>
+                <a:off x="10077928" y="2155691"/>
+                <a:ext cx="713425" cy="1061172"/>
+                <a:chOff x="10076667" y="4181041"/>
+                <a:chExt cx="713425" cy="1061172"/>
+              </a:xfrm>
+            </p:grpSpPr>
+            <p:pic>
+              <p:nvPicPr>
+                <p:cNvPr id="22" name="Picture 21">
+                  <a:extLst>
+                    <a:ext uri="{FF2B5EF4-FFF2-40B4-BE49-F238E27FC236}">
+                      <a16:creationId xmlns:a16="http://schemas.microsoft.com/office/drawing/2014/main" id="{2EF781AF-F8C0-A417-38FB-432207803476}"/>
+                    </a:ext>
+                  </a:extLst>
+                </p:cNvPr>
+                <p:cNvPicPr/>
+                <p:nvPr/>
+              </p:nvPicPr>
+              <p:blipFill>
+                <a:blip r:embed="rId4"/>
+                <a:srcRect l="39057" t="28094" r="38296" b="28573"/>
+                <a:stretch>
+                  <a:fillRect/>
+                </a:stretch>
+              </p:blipFill>
+              <p:spPr>
+                <a:xfrm>
+                  <a:off x="10076667" y="4181041"/>
+                  <a:ext cx="713425" cy="1061172"/>
+                </a:xfrm>
+                <a:prstGeom prst="rect">
+                  <a:avLst/>
+                </a:prstGeom>
+                <a:ln w="0">
+                  <a:noFill/>
+                </a:ln>
+              </p:spPr>
+            </p:pic>
+            <p:sp>
+              <p:nvSpPr>
+                <p:cNvPr id="23" name="Rectangle 22">
+                  <a:extLst>
+                    <a:ext uri="{FF2B5EF4-FFF2-40B4-BE49-F238E27FC236}">
+                      <a16:creationId xmlns:a16="http://schemas.microsoft.com/office/drawing/2014/main" id="{F3C59B97-1FB7-88FF-7A75-DF8C9387E52B}"/>
+                    </a:ext>
+                  </a:extLst>
+                </p:cNvPr>
+                <p:cNvSpPr/>
+                <p:nvPr/>
+              </p:nvSpPr>
+              <p:spPr>
+                <a:xfrm>
+                  <a:off x="10266804" y="4829847"/>
+                  <a:ext cx="313428" cy="253712"/>
+                </a:xfrm>
+                <a:prstGeom prst="rect">
+                  <a:avLst/>
+                </a:prstGeom>
+                <a:solidFill>
+                  <a:schemeClr val="bg1"/>
+                </a:solidFill>
+                <a:ln>
+                  <a:noFill/>
+                </a:ln>
+              </p:spPr>
+              <p:style>
+                <a:lnRef idx="2">
+                  <a:schemeClr val="accent1">
+                    <a:shade val="50000"/>
+                  </a:schemeClr>
+                </a:lnRef>
+                <a:fillRef idx="1">
+                  <a:schemeClr val="accent1"/>
+                </a:fillRef>
+                <a:effectRef idx="0">
+                  <a:schemeClr val="accent1"/>
+                </a:effectRef>
+                <a:fontRef idx="minor">
+                  <a:schemeClr val="lt1"/>
+                </a:fontRef>
+              </p:style>
+              <p:txBody>
+                <a:bodyPr rtlCol="0" anchor="ctr"/>
+                <a:lstStyle/>
+                <a:p>
+                  <a:pPr algn="ctr"/>
+                  <a:endParaRPr lang="en-US"/>
+                </a:p>
+              </p:txBody>
+            </p:sp>
+          </p:grpSp>
+          <p:sp>
+            <p:nvSpPr>
+              <p:cNvPr id="28" name="TextBox 2">
+                <a:extLst>
+                  <a:ext uri="{FF2B5EF4-FFF2-40B4-BE49-F238E27FC236}">
+                    <a16:creationId xmlns:a16="http://schemas.microsoft.com/office/drawing/2014/main" id="{5CEAD463-97CA-7FF9-5DAB-B781FF0F8374}"/>
+                  </a:ext>
+                </a:extLst>
+              </p:cNvPr>
+              <p:cNvSpPr/>
+              <p:nvPr/>
+            </p:nvSpPr>
+            <p:spPr>
+              <a:xfrm>
+                <a:off x="10128671" y="2774188"/>
+                <a:ext cx="602293" cy="306323"/>
+              </a:xfrm>
+              <a:prstGeom prst="rect">
+                <a:avLst/>
+              </a:prstGeom>
+              <a:noFill/>
+              <a:ln w="0">
+                <a:noFill/>
+              </a:ln>
+            </p:spPr>
+            <p:style>
+              <a:lnRef idx="0">
+                <a:scrgbClr r="0" g="0" b="0"/>
+              </a:lnRef>
+              <a:fillRef idx="0">
+                <a:scrgbClr r="0" g="0" b="0"/>
+              </a:fillRef>
+              <a:effectRef idx="0">
+                <a:scrgbClr r="0" g="0" b="0"/>
+              </a:effectRef>
+              <a:fontRef idx="minor"/>
+            </p:style>
+            <p:txBody>
+              <a:bodyPr wrap="square" lIns="90000" tIns="45000" rIns="90000" bIns="45000" anchor="t">
+                <a:spAutoFit/>
+              </a:bodyPr>
+              <a:lstStyle/>
+              <a:p>
+                <a:pPr algn="ctr">
+                  <a:lnSpc>
+                    <a:spcPct val="100000"/>
+                  </a:lnSpc>
+                  <a:buNone/>
+                </a:pPr>
+                <a:r>
+                  <a:rPr lang="en-US" sz="1400" b="1" strike="noStrike" spc="-1" dirty="0">
+                    <a:solidFill>
+                      <a:srgbClr val="000000"/>
+                    </a:solidFill>
+                    <a:latin typeface="Aptos"/>
+                  </a:rPr>
+                  <a:t>LM1</a:t>
+                </a:r>
+                <a:endParaRPr lang="en-US" sz="1400" b="0" strike="noStrike" spc="-1" dirty="0">
+                  <a:latin typeface="Arial"/>
+                </a:endParaRPr>
+              </a:p>
+            </p:txBody>
+          </p:sp>
+        </p:grpSp>
+      </p:grpSp>
+      <p:grpSp>
+        <p:nvGrpSpPr>
+          <p:cNvPr id="55" name="Group 54">
+            <a:extLst>
+              <a:ext uri="{FF2B5EF4-FFF2-40B4-BE49-F238E27FC236}">
+                <a16:creationId xmlns:a16="http://schemas.microsoft.com/office/drawing/2014/main" id="{89A66856-EDE9-307B-9B85-41339E42015D}"/>
+              </a:ext>
+            </a:extLst>
+          </p:cNvPr>
+          <p:cNvGrpSpPr/>
+          <p:nvPr/>
+        </p:nvGrpSpPr>
+        <p:grpSpPr>
+          <a:xfrm>
+            <a:off x="2978376" y="2772134"/>
+            <a:ext cx="1607863" cy="1731768"/>
+            <a:chOff x="9796989" y="4356279"/>
+            <a:chExt cx="1607863" cy="1731768"/>
+          </a:xfrm>
+        </p:grpSpPr>
+        <p:sp>
+          <p:nvSpPr>
+            <p:cNvPr id="35" name="Rounded Rectangle 1">
+              <a:extLst>
+                <a:ext uri="{FF2B5EF4-FFF2-40B4-BE49-F238E27FC236}">
+                  <a16:creationId xmlns:a16="http://schemas.microsoft.com/office/drawing/2014/main" id="{D3C4724F-8AD9-4899-FAE0-65C8FCDF6806}"/>
+                </a:ext>
+              </a:extLst>
+            </p:cNvPr>
+            <p:cNvSpPr/>
+            <p:nvPr/>
+          </p:nvSpPr>
+          <p:spPr>
+            <a:xfrm>
+              <a:off x="9796989" y="4385882"/>
+              <a:ext cx="1607863" cy="1702165"/>
+            </a:xfrm>
+            <a:prstGeom prst="roundRect">
+              <a:avLst>
+                <a:gd name="adj" fmla="val 16667"/>
+              </a:avLst>
+            </a:prstGeom>
+            <a:noFill/>
+            <a:ln w="25400">
+              <a:solidFill>
+                <a:srgbClr val="000000"/>
+              </a:solidFill>
+            </a:ln>
+          </p:spPr>
+          <p:style>
+            <a:lnRef idx="2">
+              <a:schemeClr val="accent1">
+                <a:shade val="15000"/>
+              </a:schemeClr>
+            </a:lnRef>
+            <a:fillRef idx="1">
+              <a:schemeClr val="accent1"/>
+            </a:fillRef>
+            <a:effectRef idx="0">
+              <a:schemeClr val="accent1"/>
+            </a:effectRef>
+            <a:fontRef idx="minor"/>
+          </p:style>
+          <p:txBody>
+            <a:bodyPr/>
+            <a:lstStyle/>
+            <a:p>
+              <a:endParaRPr lang="en-US"/>
+            </a:p>
+          </p:txBody>
+        </p:sp>
+        <p:grpSp>
+          <p:nvGrpSpPr>
+            <p:cNvPr id="36" name="Group 3">
+              <a:extLst>
+                <a:ext uri="{FF2B5EF4-FFF2-40B4-BE49-F238E27FC236}">
+                  <a16:creationId xmlns:a16="http://schemas.microsoft.com/office/drawing/2014/main" id="{A3ED171F-98FC-C9F4-9F60-5620A19025DF}"/>
+                </a:ext>
+              </a:extLst>
+            </p:cNvPr>
+            <p:cNvGrpSpPr/>
+            <p:nvPr/>
+          </p:nvGrpSpPr>
+          <p:grpSpPr>
+            <a:xfrm>
+              <a:off x="10073520" y="4807082"/>
+              <a:ext cx="1054800" cy="1211346"/>
+              <a:chOff x="1828800" y="2250000"/>
+              <a:chExt cx="1054800" cy="1211346"/>
+            </a:xfrm>
+          </p:grpSpPr>
+          <p:sp>
+            <p:nvSpPr>
+              <p:cNvPr id="40" name="Rectangle 2">
+                <a:extLst>
+                  <a:ext uri="{FF2B5EF4-FFF2-40B4-BE49-F238E27FC236}">
+                    <a16:creationId xmlns:a16="http://schemas.microsoft.com/office/drawing/2014/main" id="{2AFB3211-4C39-A934-F463-8478A15CC961}"/>
+                  </a:ext>
+                </a:extLst>
+              </p:cNvPr>
+              <p:cNvSpPr/>
+              <p:nvPr/>
+            </p:nvSpPr>
+            <p:spPr>
+              <a:xfrm>
+                <a:off x="1956600" y="2250000"/>
+                <a:ext cx="803160" cy="1050480"/>
+              </a:xfrm>
+              <a:prstGeom prst="rect">
+                <a:avLst/>
+              </a:prstGeom>
+              <a:solidFill>
+                <a:schemeClr val="bg1"/>
+              </a:solidFill>
+              <a:ln>
+                <a:noFill/>
+              </a:ln>
+            </p:spPr>
+            <p:style>
+              <a:lnRef idx="2">
+                <a:schemeClr val="accent1">
+                  <a:shade val="15000"/>
+                </a:schemeClr>
+              </a:lnRef>
+              <a:fillRef idx="1">
+                <a:schemeClr val="accent1"/>
+              </a:fillRef>
+              <a:effectRef idx="0">
+                <a:schemeClr val="accent1"/>
+              </a:effectRef>
+              <a:fontRef idx="minor"/>
+            </p:style>
+            <p:txBody>
+              <a:bodyPr/>
+              <a:lstStyle/>
+              <a:p>
+                <a:endParaRPr lang="en-US"/>
+              </a:p>
+            </p:txBody>
+          </p:sp>
+          <p:pic>
+            <p:nvPicPr>
+              <p:cNvPr id="41" name="Picture 2">
+                <a:extLst>
+                  <a:ext uri="{FF2B5EF4-FFF2-40B4-BE49-F238E27FC236}">
+                    <a16:creationId xmlns:a16="http://schemas.microsoft.com/office/drawing/2014/main" id="{C1121A30-507C-B665-BD16-D8F14E8CAFD2}"/>
+                  </a:ext>
+                </a:extLst>
+              </p:cNvPr>
+              <p:cNvPicPr/>
+              <p:nvPr/>
+            </p:nvPicPr>
+            <p:blipFill>
+              <a:blip r:embed="rId5"/>
+              <a:stretch/>
+            </p:blipFill>
+            <p:spPr>
+              <a:xfrm>
+                <a:off x="1828800" y="2410866"/>
+                <a:ext cx="1054800" cy="1050480"/>
+              </a:xfrm>
+              <a:prstGeom prst="rect">
+                <a:avLst/>
+              </a:prstGeom>
+              <a:ln w="0">
+                <a:noFill/>
+              </a:ln>
+            </p:spPr>
+          </p:pic>
+        </p:grpSp>
+        <p:sp>
+          <p:nvSpPr>
+            <p:cNvPr id="37" name="TextBox 1">
+              <a:extLst>
+                <a:ext uri="{FF2B5EF4-FFF2-40B4-BE49-F238E27FC236}">
+                  <a16:creationId xmlns:a16="http://schemas.microsoft.com/office/drawing/2014/main" id="{E53C0A6F-3A23-EF67-BCC1-F2C6DFE4569A}"/>
+                </a:ext>
+              </a:extLst>
+            </p:cNvPr>
+            <p:cNvSpPr/>
+            <p:nvPr/>
+          </p:nvSpPr>
+          <p:spPr>
+            <a:xfrm>
+              <a:off x="9957518" y="4356279"/>
+              <a:ext cx="1286804" cy="644877"/>
+            </a:xfrm>
+            <a:prstGeom prst="rect">
+              <a:avLst/>
+            </a:prstGeom>
+            <a:noFill/>
+            <a:ln w="0">
+              <a:noFill/>
+            </a:ln>
+          </p:spPr>
+          <p:style>
+            <a:lnRef idx="0">
+              <a:scrgbClr r="0" g="0" b="0"/>
+            </a:lnRef>
+            <a:fillRef idx="0">
+              <a:scrgbClr r="0" g="0" b="0"/>
+            </a:fillRef>
+            <a:effectRef idx="0">
+              <a:scrgbClr r="0" g="0" b="0"/>
+            </a:effectRef>
+            <a:fontRef idx="minor"/>
+          </p:style>
+          <p:txBody>
+            <a:bodyPr wrap="none" lIns="90000" tIns="45000" rIns="90000" bIns="45000" anchor="t">
+              <a:spAutoFit/>
+            </a:bodyPr>
+            <a:lstStyle/>
+            <a:p>
+              <a:pPr algn="ctr">
+                <a:lnSpc>
+                  <a:spcPct val="100000"/>
+                </a:lnSpc>
+                <a:buNone/>
+              </a:pPr>
+              <a:r>
+                <a:rPr lang="en-US" sz="1800" b="1" strike="noStrike" spc="-1" dirty="0">
+                  <a:solidFill>
+                    <a:srgbClr val="000000"/>
+                  </a:solidFill>
+                  <a:latin typeface="Aptos"/>
+                </a:rPr>
+                <a:t>Context</a:t>
+              </a:r>
+            </a:p>
+            <a:p>
+              <a:pPr algn="ctr">
+                <a:lnSpc>
+                  <a:spcPct val="100000"/>
+                </a:lnSpc>
+                <a:buNone/>
+              </a:pPr>
+              <a:r>
+                <a:rPr lang="en-US" sz="1800" b="1" strike="noStrike" spc="-1" dirty="0">
+                  <a:solidFill>
+                    <a:srgbClr val="000000"/>
+                  </a:solidFill>
+                  <a:latin typeface="Aptos"/>
+                </a:rPr>
+                <a:t>Document</a:t>
+              </a:r>
+              <a:endParaRPr lang="en-US" sz="1800" b="0" strike="noStrike" spc="-1" dirty="0">
+                <a:latin typeface="Arial"/>
+              </a:endParaRPr>
+            </a:p>
+          </p:txBody>
+        </p:sp>
+      </p:grpSp>
+      <p:sp>
+        <p:nvSpPr>
+          <p:cNvPr id="42" name="Straight Arrow Connector 1">
+            <a:extLst>
+              <a:ext uri="{FF2B5EF4-FFF2-40B4-BE49-F238E27FC236}">
+                <a16:creationId xmlns:a16="http://schemas.microsoft.com/office/drawing/2014/main" id="{DFA1416D-9A21-1D8E-7DAD-DEEB801F313C}"/>
+              </a:ext>
+            </a:extLst>
+          </p:cNvPr>
+          <p:cNvSpPr/>
+          <p:nvPr/>
+        </p:nvSpPr>
+        <p:spPr>
+          <a:xfrm>
+            <a:off x="4640339" y="3197492"/>
+            <a:ext cx="311760" cy="360"/>
+          </a:xfrm>
+          <a:custGeom>
+            <a:avLst/>
+            <a:gdLst/>
+            <a:ahLst/>
+            <a:cxnLst/>
+            <a:rect l="l" t="t" r="r" b="b"/>
+            <a:pathLst>
+              <a:path w="21600" h="21600">
+                <a:moveTo>
+                  <a:pt x="0" y="0"/>
+                </a:moveTo>
+                <a:lnTo>
+                  <a:pt x="21600" y="21600"/>
+                </a:lnTo>
+              </a:path>
+            </a:pathLst>
+          </a:custGeom>
+          <a:noFill/>
+          <a:ln w="44450">
+            <a:solidFill>
+              <a:srgbClr val="000000"/>
+            </a:solidFill>
+            <a:tailEnd type="triangle" w="med" len="med"/>
+          </a:ln>
+        </p:spPr>
+        <p:style>
+          <a:lnRef idx="2">
+            <a:schemeClr val="accent1"/>
+          </a:lnRef>
+          <a:fillRef idx="0">
+            <a:schemeClr val="accent1"/>
+          </a:fillRef>
+          <a:effectRef idx="1">
+            <a:schemeClr val="accent1"/>
+          </a:effectRef>
+          <a:fontRef idx="minor"/>
+        </p:style>
+        <p:txBody>
+          <a:bodyPr/>
+          <a:lstStyle/>
+          <a:p>
+            <a:endParaRPr lang="en-US"/>
+          </a:p>
+        </p:txBody>
+      </p:sp>
+      <p:sp>
+        <p:nvSpPr>
+          <p:cNvPr id="45" name="TextBox 3">
+            <a:extLst>
+              <a:ext uri="{FF2B5EF4-FFF2-40B4-BE49-F238E27FC236}">
+                <a16:creationId xmlns:a16="http://schemas.microsoft.com/office/drawing/2014/main" id="{9E936BF1-2DB8-1FDB-FA52-CEF50025B6FD}"/>
+              </a:ext>
+            </a:extLst>
+          </p:cNvPr>
+          <p:cNvSpPr/>
+          <p:nvPr/>
+        </p:nvSpPr>
+        <p:spPr>
+          <a:xfrm>
+            <a:off x="3653838" y="1980326"/>
+            <a:ext cx="816162" cy="644877"/>
+          </a:xfrm>
+          <a:prstGeom prst="rect">
+            <a:avLst/>
+          </a:prstGeom>
+          <a:noFill/>
+          <a:ln w="0">
+            <a:noFill/>
+          </a:ln>
+        </p:spPr>
+        <p:style>
+          <a:lnRef idx="0">
+            <a:scrgbClr r="0" g="0" b="0"/>
+          </a:lnRef>
+          <a:fillRef idx="0">
+            <a:scrgbClr r="0" g="0" b="0"/>
+          </a:fillRef>
+          <a:effectRef idx="0">
+            <a:scrgbClr r="0" g="0" b="0"/>
+          </a:effectRef>
+          <a:fontRef idx="minor"/>
+        </p:style>
+        <p:txBody>
+          <a:bodyPr wrap="none" lIns="90000" tIns="45000" rIns="90000" bIns="45000" anchor="t">
+            <a:spAutoFit/>
+          </a:bodyPr>
+          <a:lstStyle/>
+          <a:p>
+            <a:pPr algn="ctr">
+              <a:lnSpc>
+                <a:spcPct val="100000"/>
+              </a:lnSpc>
+              <a:buNone/>
+            </a:pPr>
+            <a:r>
+              <a:rPr lang="en-US" sz="1800" b="1" strike="noStrike" spc="-1" dirty="0">
+                <a:solidFill>
+                  <a:srgbClr val="000000"/>
+                </a:solidFill>
+                <a:latin typeface="Aptos"/>
+              </a:rPr>
+              <a:t>User </a:t>
+            </a:r>
+            <a:endParaRPr lang="en-US" sz="1800" b="0" strike="noStrike" spc="-1" dirty="0">
+              <a:latin typeface="Arial"/>
+            </a:endParaRPr>
+          </a:p>
+          <a:p>
+            <a:pPr algn="ctr">
+              <a:lnSpc>
+                <a:spcPct val="100000"/>
+              </a:lnSpc>
+              <a:buNone/>
+            </a:pPr>
+            <a:r>
+              <a:rPr lang="en-US" sz="1800" b="1" strike="noStrike" spc="-1" dirty="0">
+                <a:solidFill>
+                  <a:srgbClr val="000000"/>
+                </a:solidFill>
+                <a:latin typeface="Aptos"/>
+              </a:rPr>
+              <a:t>Query</a:t>
+            </a:r>
+            <a:endParaRPr lang="en-US" sz="1800" b="0" strike="noStrike" spc="-1" dirty="0">
+              <a:latin typeface="Arial"/>
+            </a:endParaRPr>
+          </a:p>
+        </p:txBody>
+      </p:sp>
+      <p:sp>
+        <p:nvSpPr>
+          <p:cNvPr id="46" name="Straight Arrow Connector 2">
+            <a:extLst>
+              <a:ext uri="{FF2B5EF4-FFF2-40B4-BE49-F238E27FC236}">
+                <a16:creationId xmlns:a16="http://schemas.microsoft.com/office/drawing/2014/main" id="{BBC4ECB7-6884-E15F-2D2C-C4D841C3AA47}"/>
+              </a:ext>
+            </a:extLst>
+          </p:cNvPr>
+          <p:cNvSpPr/>
+          <p:nvPr/>
+        </p:nvSpPr>
+        <p:spPr>
+          <a:xfrm>
+            <a:off x="4640339" y="2326649"/>
+            <a:ext cx="311760" cy="360"/>
+          </a:xfrm>
+          <a:custGeom>
+            <a:avLst/>
+            <a:gdLst/>
+            <a:ahLst/>
+            <a:cxnLst/>
+            <a:rect l="l" t="t" r="r" b="b"/>
+            <a:pathLst>
+              <a:path w="21600" h="21600">
+                <a:moveTo>
+                  <a:pt x="0" y="0"/>
+                </a:moveTo>
+                <a:lnTo>
+                  <a:pt x="21600" y="21600"/>
+                </a:lnTo>
+              </a:path>
+            </a:pathLst>
+          </a:custGeom>
+          <a:noFill/>
+          <a:ln w="44450">
+            <a:solidFill>
+              <a:srgbClr val="000000"/>
+            </a:solidFill>
+            <a:tailEnd type="triangle" w="med" len="med"/>
+          </a:ln>
+        </p:spPr>
+        <p:style>
+          <a:lnRef idx="2">
+            <a:schemeClr val="accent1"/>
+          </a:lnRef>
+          <a:fillRef idx="0">
+            <a:schemeClr val="accent1"/>
+          </a:fillRef>
+          <a:effectRef idx="1">
+            <a:schemeClr val="accent1"/>
+          </a:effectRef>
+          <a:fontRef idx="minor"/>
+        </p:style>
+        <p:txBody>
+          <a:bodyPr/>
+          <a:lstStyle/>
+          <a:p>
+            <a:endParaRPr lang="en-US"/>
+          </a:p>
+        </p:txBody>
+      </p:sp>
+      <p:grpSp>
+        <p:nvGrpSpPr>
+          <p:cNvPr id="51" name="Group 50">
+            <a:extLst>
+              <a:ext uri="{FF2B5EF4-FFF2-40B4-BE49-F238E27FC236}">
+                <a16:creationId xmlns:a16="http://schemas.microsoft.com/office/drawing/2014/main" id="{F290C23B-312A-D3DA-E20E-EF8EC002061F}"/>
+              </a:ext>
+            </a:extLst>
+          </p:cNvPr>
+          <p:cNvGrpSpPr/>
+          <p:nvPr/>
+        </p:nvGrpSpPr>
+        <p:grpSpPr>
+          <a:xfrm>
+            <a:off x="2978376" y="1980326"/>
+            <a:ext cx="1607863" cy="685800"/>
+            <a:chOff x="9796989" y="3429000"/>
+            <a:chExt cx="1607863" cy="685800"/>
+          </a:xfrm>
+        </p:grpSpPr>
+        <p:sp>
+          <p:nvSpPr>
+            <p:cNvPr id="44" name="Rounded Rectangle 3">
+              <a:extLst>
+                <a:ext uri="{FF2B5EF4-FFF2-40B4-BE49-F238E27FC236}">
+                  <a16:creationId xmlns:a16="http://schemas.microsoft.com/office/drawing/2014/main" id="{7C0B1D59-7FF0-FEE6-940B-9A8089DEEFC7}"/>
+                </a:ext>
+              </a:extLst>
+            </p:cNvPr>
+            <p:cNvSpPr/>
+            <p:nvPr/>
+          </p:nvSpPr>
+          <p:spPr>
+            <a:xfrm>
+              <a:off x="9796989" y="3429000"/>
+              <a:ext cx="1607863" cy="685800"/>
+            </a:xfrm>
+            <a:prstGeom prst="roundRect">
+              <a:avLst>
+                <a:gd name="adj" fmla="val 31279"/>
+              </a:avLst>
+            </a:prstGeom>
+            <a:noFill/>
+            <a:ln w="25400">
+              <a:solidFill>
+                <a:srgbClr val="000000"/>
+              </a:solidFill>
+            </a:ln>
+          </p:spPr>
+          <p:style>
+            <a:lnRef idx="2">
+              <a:schemeClr val="accent1">
+                <a:shade val="15000"/>
+              </a:schemeClr>
+            </a:lnRef>
+            <a:fillRef idx="1">
+              <a:schemeClr val="accent1"/>
+            </a:fillRef>
+            <a:effectRef idx="0">
+              <a:schemeClr val="accent1"/>
+            </a:effectRef>
+            <a:fontRef idx="minor"/>
+          </p:style>
+          <p:txBody>
+            <a:bodyPr/>
+            <a:lstStyle/>
+            <a:p>
+              <a:endParaRPr lang="en-US"/>
+            </a:p>
+          </p:txBody>
+        </p:sp>
+        <p:pic>
+          <p:nvPicPr>
+            <p:cNvPr id="50" name="Picture 49">
+              <a:extLst>
+                <a:ext uri="{FF2B5EF4-FFF2-40B4-BE49-F238E27FC236}">
+                  <a16:creationId xmlns:a16="http://schemas.microsoft.com/office/drawing/2014/main" id="{C5B91563-C839-60EB-CBA5-4218E881C9C0}"/>
+                </a:ext>
+              </a:extLst>
+            </p:cNvPr>
+            <p:cNvPicPr>
+              <a:picLocks noChangeAspect="1"/>
+            </p:cNvPicPr>
+            <p:nvPr/>
+          </p:nvPicPr>
+          <p:blipFill>
+            <a:blip r:embed="rId6"/>
+            <a:srcRect l="33649" t="42246" r="55406" b="44575"/>
+            <a:stretch>
+              <a:fillRect/>
+            </a:stretch>
+          </p:blipFill>
+          <p:spPr>
+            <a:xfrm>
+              <a:off x="9973774" y="3523930"/>
+              <a:ext cx="511062" cy="478379"/>
+            </a:xfrm>
+            <a:prstGeom prst="rect">
+              <a:avLst/>
+            </a:prstGeom>
+            <a:ln w="0">
+              <a:noFill/>
+            </a:ln>
+          </p:spPr>
+        </p:pic>
+      </p:grpSp>
+      <p:grpSp>
+        <p:nvGrpSpPr>
+          <p:cNvPr id="64" name="Group 63">
+            <a:extLst>
+              <a:ext uri="{FF2B5EF4-FFF2-40B4-BE49-F238E27FC236}">
+                <a16:creationId xmlns:a16="http://schemas.microsoft.com/office/drawing/2014/main" id="{DB51E202-2F02-75E8-CD2A-4986991A7677}"/>
+              </a:ext>
+            </a:extLst>
+          </p:cNvPr>
+          <p:cNvGrpSpPr/>
+          <p:nvPr/>
+        </p:nvGrpSpPr>
+        <p:grpSpPr>
+          <a:xfrm>
+            <a:off x="7102926" y="1980326"/>
+            <a:ext cx="990378" cy="1195090"/>
+            <a:chOff x="6869687" y="2001321"/>
+            <a:chExt cx="990378" cy="1195090"/>
+          </a:xfrm>
+        </p:grpSpPr>
+        <p:grpSp>
+          <p:nvGrpSpPr>
+            <p:cNvPr id="62" name="Group 61">
+              <a:extLst>
+                <a:ext uri="{FF2B5EF4-FFF2-40B4-BE49-F238E27FC236}">
+                  <a16:creationId xmlns:a16="http://schemas.microsoft.com/office/drawing/2014/main" id="{6D43D80F-E5A2-4B41-2D3F-562A34ACCF5E}"/>
+                </a:ext>
+              </a:extLst>
+            </p:cNvPr>
+            <p:cNvGrpSpPr/>
+            <p:nvPr/>
+          </p:nvGrpSpPr>
+          <p:grpSpPr>
+            <a:xfrm>
+              <a:off x="7109345" y="2080118"/>
+              <a:ext cx="511062" cy="478379"/>
+              <a:chOff x="7131936" y="2080118"/>
+              <a:chExt cx="511062" cy="478379"/>
+            </a:xfrm>
+          </p:grpSpPr>
+          <p:pic>
+            <p:nvPicPr>
+              <p:cNvPr id="52" name="Picture 51">
+                <a:extLst>
+                  <a:ext uri="{FF2B5EF4-FFF2-40B4-BE49-F238E27FC236}">
+                    <a16:creationId xmlns:a16="http://schemas.microsoft.com/office/drawing/2014/main" id="{BBDF4B5D-4EBB-7C8A-880C-237F635CF5B7}"/>
+                  </a:ext>
+                </a:extLst>
+              </p:cNvPr>
+              <p:cNvPicPr>
+                <a:picLocks noChangeAspect="1"/>
+              </p:cNvPicPr>
+              <p:nvPr/>
+            </p:nvPicPr>
+            <p:blipFill>
+              <a:blip r:embed="rId6"/>
+              <a:srcRect l="33649" t="42246" r="55406" b="44575"/>
+              <a:stretch>
+                <a:fillRect/>
+              </a:stretch>
+            </p:blipFill>
+            <p:spPr>
+              <a:xfrm>
+                <a:off x="7131936" y="2080118"/>
+                <a:ext cx="511062" cy="478379"/>
+              </a:xfrm>
+              <a:prstGeom prst="rect">
+                <a:avLst/>
+              </a:prstGeom>
+              <a:ln w="0">
+                <a:noFill/>
+              </a:ln>
+            </p:spPr>
+          </p:pic>
+          <p:sp>
+            <p:nvSpPr>
+              <p:cNvPr id="26" name="Rectangle 25">
+                <a:extLst>
+                  <a:ext uri="{FF2B5EF4-FFF2-40B4-BE49-F238E27FC236}">
+                    <a16:creationId xmlns:a16="http://schemas.microsoft.com/office/drawing/2014/main" id="{2F58E0A7-5778-513E-7AEB-1959697F0281}"/>
+                  </a:ext>
+                </a:extLst>
+              </p:cNvPr>
+              <p:cNvSpPr/>
+              <p:nvPr/>
+            </p:nvSpPr>
+            <p:spPr>
+              <a:xfrm>
+                <a:off x="7284147" y="2175557"/>
+                <a:ext cx="202859" cy="221716"/>
+              </a:xfrm>
+              <a:prstGeom prst="rect">
+                <a:avLst/>
+              </a:prstGeom>
+              <a:solidFill>
+                <a:schemeClr val="bg1"/>
+              </a:solidFill>
+              <a:ln>
+                <a:noFill/>
+              </a:ln>
+            </p:spPr>
+            <p:style>
+              <a:lnRef idx="2">
+                <a:schemeClr val="accent1">
+                  <a:shade val="50000"/>
+                </a:schemeClr>
+              </a:lnRef>
+              <a:fillRef idx="1">
+                <a:schemeClr val="accent1"/>
+              </a:fillRef>
+              <a:effectRef idx="0">
+                <a:schemeClr val="accent1"/>
+              </a:effectRef>
+              <a:fontRef idx="minor">
+                <a:schemeClr val="lt1"/>
+              </a:fontRef>
+            </p:style>
+            <p:txBody>
+              <a:bodyPr rtlCol="0" anchor="ctr"/>
+              <a:lstStyle/>
+              <a:p>
+                <a:pPr algn="ctr"/>
+                <a:endParaRPr lang="en-US"/>
+              </a:p>
+            </p:txBody>
+          </p:sp>
+          <p:pic>
+            <p:nvPicPr>
+              <p:cNvPr id="53" name="Picture 52">
+                <a:extLst>
+                  <a:ext uri="{FF2B5EF4-FFF2-40B4-BE49-F238E27FC236}">
+                    <a16:creationId xmlns:a16="http://schemas.microsoft.com/office/drawing/2014/main" id="{42785D1D-34A2-58CC-25D4-B129148078B1}"/>
+                  </a:ext>
+                </a:extLst>
+              </p:cNvPr>
+              <p:cNvPicPr>
+                <a:picLocks noChangeAspect="1"/>
+              </p:cNvPicPr>
+              <p:nvPr/>
+            </p:nvPicPr>
+            <p:blipFill rotWithShape="1">
+              <a:blip r:embed="rId6"/>
+              <a:srcRect l="37338" t="44465" r="58718" b="48705"/>
+              <a:stretch/>
+            </p:blipFill>
+            <p:spPr>
+              <a:xfrm>
+                <a:off x="7242676" y="2162161"/>
+                <a:ext cx="184150" cy="247939"/>
+              </a:xfrm>
+              <a:prstGeom prst="rect">
+                <a:avLst/>
+              </a:prstGeom>
+              <a:ln w="0">
+                <a:noFill/>
+              </a:ln>
+            </p:spPr>
+          </p:pic>
+          <p:sp>
+            <p:nvSpPr>
+              <p:cNvPr id="59" name="TextBox 2">
+                <a:extLst>
+                  <a:ext uri="{FF2B5EF4-FFF2-40B4-BE49-F238E27FC236}">
+                    <a16:creationId xmlns:a16="http://schemas.microsoft.com/office/drawing/2014/main" id="{F2E1D5DA-1EDB-0DC0-C03F-6616AB0632F3}"/>
+                  </a:ext>
+                </a:extLst>
+              </p:cNvPr>
+              <p:cNvSpPr/>
+              <p:nvPr/>
+            </p:nvSpPr>
+            <p:spPr>
+              <a:xfrm>
+                <a:off x="7326379" y="2095607"/>
+                <a:ext cx="297046" cy="367878"/>
+              </a:xfrm>
+              <a:prstGeom prst="rect">
+                <a:avLst/>
+              </a:prstGeom>
+              <a:noFill/>
+              <a:ln w="0">
+                <a:noFill/>
+              </a:ln>
+            </p:spPr>
+            <p:style>
+              <a:lnRef idx="0">
+                <a:scrgbClr r="0" g="0" b="0"/>
+              </a:lnRef>
+              <a:fillRef idx="0">
+                <a:scrgbClr r="0" g="0" b="0"/>
+              </a:fillRef>
+              <a:effectRef idx="0">
+                <a:scrgbClr r="0" g="0" b="0"/>
+              </a:effectRef>
+              <a:fontRef idx="minor"/>
+            </p:style>
+            <p:txBody>
+              <a:bodyPr wrap="none" lIns="90000" tIns="45000" rIns="90000" bIns="45000" anchor="t">
+                <a:spAutoFit/>
+              </a:bodyPr>
+              <a:lstStyle/>
+              <a:p>
+                <a:pPr algn="ctr">
+                  <a:lnSpc>
+                    <a:spcPct val="100000"/>
+                  </a:lnSpc>
+                  <a:buNone/>
+                </a:pPr>
+                <a:r>
+                  <a:rPr lang="en-US" sz="1800" b="1" strike="noStrike" spc="-1" dirty="0">
+                    <a:solidFill>
+                      <a:srgbClr val="000000"/>
+                    </a:solidFill>
+                    <a:latin typeface="Aptos"/>
+                  </a:rPr>
+                  <a:t>+</a:t>
+                </a:r>
+                <a:endParaRPr lang="en-US" sz="1800" b="0" strike="noStrike" spc="-1" dirty="0">
+                  <a:latin typeface="Arial"/>
+                </a:endParaRPr>
+              </a:p>
+            </p:txBody>
+          </p:sp>
+        </p:grpSp>
+        <p:sp>
+          <p:nvSpPr>
+            <p:cNvPr id="60" name="TextBox 2">
+              <a:extLst>
+                <a:ext uri="{FF2B5EF4-FFF2-40B4-BE49-F238E27FC236}">
+                  <a16:creationId xmlns:a16="http://schemas.microsoft.com/office/drawing/2014/main" id="{6B256670-F6A4-F154-B11B-14ED7C317820}"/>
+                </a:ext>
+              </a:extLst>
+            </p:cNvPr>
+            <p:cNvSpPr/>
+            <p:nvPr/>
+          </p:nvSpPr>
+          <p:spPr>
+            <a:xfrm>
+              <a:off x="6869688" y="2508281"/>
+              <a:ext cx="990377" cy="644877"/>
+            </a:xfrm>
+            <a:prstGeom prst="rect">
+              <a:avLst/>
+            </a:prstGeom>
+            <a:noFill/>
+            <a:ln w="0">
+              <a:noFill/>
+            </a:ln>
+          </p:spPr>
+          <p:style>
+            <a:lnRef idx="0">
+              <a:scrgbClr r="0" g="0" b="0"/>
+            </a:lnRef>
+            <a:fillRef idx="0">
+              <a:scrgbClr r="0" g="0" b="0"/>
+            </a:fillRef>
+            <a:effectRef idx="0">
+              <a:scrgbClr r="0" g="0" b="0"/>
+            </a:effectRef>
+            <a:fontRef idx="minor"/>
+          </p:style>
+          <p:txBody>
+            <a:bodyPr wrap="none" lIns="90000" tIns="45000" rIns="90000" bIns="45000" anchor="t">
+              <a:spAutoFit/>
+            </a:bodyPr>
+            <a:lstStyle/>
+            <a:p>
+              <a:pPr algn="ctr">
+                <a:lnSpc>
+                  <a:spcPct val="100000"/>
+                </a:lnSpc>
+                <a:buNone/>
+              </a:pPr>
+              <a:r>
+                <a:rPr lang="en-US" sz="1800" b="1" strike="noStrike" spc="-1" dirty="0">
+                  <a:solidFill>
+                    <a:srgbClr val="000000"/>
+                  </a:solidFill>
+                  <a:latin typeface="Aptos"/>
+                </a:rPr>
+                <a:t>Refined</a:t>
+              </a:r>
+              <a:br>
+                <a:rPr lang="en-US" sz="1800" b="1" strike="noStrike" spc="-1" dirty="0">
+                  <a:solidFill>
+                    <a:srgbClr val="000000"/>
+                  </a:solidFill>
+                  <a:latin typeface="Aptos"/>
+                </a:rPr>
+              </a:br>
+              <a:r>
+                <a:rPr lang="en-US" sz="1800" b="1" strike="noStrike" spc="-1" dirty="0">
+                  <a:solidFill>
+                    <a:srgbClr val="000000"/>
+                  </a:solidFill>
+                  <a:latin typeface="Aptos"/>
+                </a:rPr>
+                <a:t>Query</a:t>
+              </a:r>
+              <a:endParaRPr lang="en-US" sz="1800" b="0" strike="noStrike" spc="-1" dirty="0">
+                <a:latin typeface="Arial"/>
+              </a:endParaRPr>
+            </a:p>
+          </p:txBody>
+        </p:sp>
+        <p:sp>
+          <p:nvSpPr>
+            <p:cNvPr id="61" name="Rounded Rectangle 3">
+              <a:extLst>
+                <a:ext uri="{FF2B5EF4-FFF2-40B4-BE49-F238E27FC236}">
+                  <a16:creationId xmlns:a16="http://schemas.microsoft.com/office/drawing/2014/main" id="{35522219-9DD3-9CDE-AAE0-C687AA93D65B}"/>
+                </a:ext>
+              </a:extLst>
+            </p:cNvPr>
+            <p:cNvSpPr/>
+            <p:nvPr/>
+          </p:nvSpPr>
+          <p:spPr>
+            <a:xfrm>
+              <a:off x="6869687" y="2001321"/>
+              <a:ext cx="990378" cy="1195090"/>
+            </a:xfrm>
+            <a:prstGeom prst="roundRect">
+              <a:avLst>
+                <a:gd name="adj" fmla="val 22910"/>
+              </a:avLst>
+            </a:prstGeom>
+            <a:noFill/>
+            <a:ln w="25400">
+              <a:solidFill>
+                <a:srgbClr val="000000"/>
+              </a:solidFill>
+            </a:ln>
+          </p:spPr>
+          <p:style>
+            <a:lnRef idx="2">
+              <a:schemeClr val="accent1">
+                <a:shade val="15000"/>
+              </a:schemeClr>
+            </a:lnRef>
+            <a:fillRef idx="1">
+              <a:schemeClr val="accent1"/>
+            </a:fillRef>
+            <a:effectRef idx="0">
+              <a:schemeClr val="accent1"/>
+            </a:effectRef>
+            <a:fontRef idx="minor"/>
+          </p:style>
+          <p:txBody>
+            <a:bodyPr/>
+            <a:lstStyle/>
+            <a:p>
+              <a:endParaRPr lang="en-US"/>
+            </a:p>
+          </p:txBody>
+        </p:sp>
+      </p:grpSp>
+      <p:sp>
+        <p:nvSpPr>
+          <p:cNvPr id="65" name="Straight Arrow Connector 2">
+            <a:extLst>
+              <a:ext uri="{FF2B5EF4-FFF2-40B4-BE49-F238E27FC236}">
+                <a16:creationId xmlns:a16="http://schemas.microsoft.com/office/drawing/2014/main" id="{0B2B1D12-59E1-D25C-E648-A77C3ADDFCCA}"/>
+              </a:ext>
+            </a:extLst>
+          </p:cNvPr>
+          <p:cNvSpPr/>
+          <p:nvPr/>
+        </p:nvSpPr>
+        <p:spPr>
+          <a:xfrm>
+            <a:off x="6728478" y="2323226"/>
+            <a:ext cx="311760" cy="360"/>
+          </a:xfrm>
+          <a:custGeom>
+            <a:avLst/>
+            <a:gdLst/>
+            <a:ahLst/>
+            <a:cxnLst/>
+            <a:rect l="l" t="t" r="r" b="b"/>
+            <a:pathLst>
+              <a:path w="21600" h="21600">
+                <a:moveTo>
+                  <a:pt x="0" y="0"/>
+                </a:moveTo>
+                <a:lnTo>
+                  <a:pt x="21600" y="21600"/>
+                </a:lnTo>
+              </a:path>
+            </a:pathLst>
+          </a:custGeom>
+          <a:noFill/>
+          <a:ln w="44450">
+            <a:solidFill>
+              <a:srgbClr val="000000"/>
+            </a:solidFill>
+            <a:tailEnd type="triangle" w="med" len="med"/>
+          </a:ln>
+        </p:spPr>
+        <p:style>
+          <a:lnRef idx="2">
+            <a:schemeClr val="accent1"/>
+          </a:lnRef>
+          <a:fillRef idx="0">
+            <a:schemeClr val="accent1"/>
+          </a:fillRef>
+          <a:effectRef idx="1">
+            <a:schemeClr val="accent1"/>
+          </a:effectRef>
+          <a:fontRef idx="minor"/>
+        </p:style>
+        <p:txBody>
+          <a:bodyPr/>
+          <a:lstStyle/>
+          <a:p>
+            <a:endParaRPr lang="en-US"/>
+          </a:p>
+        </p:txBody>
+      </p:sp>
+      <p:sp>
+        <p:nvSpPr>
+          <p:cNvPr id="66" name="Straight Arrow Connector 2">
+            <a:extLst>
+              <a:ext uri="{FF2B5EF4-FFF2-40B4-BE49-F238E27FC236}">
+                <a16:creationId xmlns:a16="http://schemas.microsoft.com/office/drawing/2014/main" id="{1C860766-C959-B22A-EA9F-CAE9E4BF904C}"/>
+              </a:ext>
+            </a:extLst>
+          </p:cNvPr>
+          <p:cNvSpPr/>
+          <p:nvPr/>
+        </p:nvSpPr>
+        <p:spPr>
+          <a:xfrm>
+            <a:off x="8157633" y="2323226"/>
+            <a:ext cx="311760" cy="360"/>
+          </a:xfrm>
+          <a:custGeom>
+            <a:avLst/>
+            <a:gdLst/>
+            <a:ahLst/>
+            <a:cxnLst/>
+            <a:rect l="l" t="t" r="r" b="b"/>
+            <a:pathLst>
+              <a:path w="21600" h="21600">
+                <a:moveTo>
+                  <a:pt x="0" y="0"/>
+                </a:moveTo>
+                <a:lnTo>
+                  <a:pt x="21600" y="21600"/>
+                </a:lnTo>
+              </a:path>
+            </a:pathLst>
+          </a:custGeom>
+          <a:noFill/>
+          <a:ln w="44450">
+            <a:solidFill>
+              <a:srgbClr val="000000"/>
+            </a:solidFill>
+            <a:tailEnd type="triangle" w="med" len="med"/>
+          </a:ln>
+        </p:spPr>
+        <p:style>
+          <a:lnRef idx="2">
+            <a:schemeClr val="accent1"/>
+          </a:lnRef>
+          <a:fillRef idx="0">
+            <a:schemeClr val="accent1"/>
+          </a:fillRef>
+          <a:effectRef idx="1">
+            <a:schemeClr val="accent1"/>
+          </a:effectRef>
+          <a:fontRef idx="minor"/>
+        </p:style>
+        <p:txBody>
+          <a:bodyPr/>
+          <a:lstStyle/>
+          <a:p>
+            <a:endParaRPr lang="en-US"/>
+          </a:p>
+        </p:txBody>
+      </p:sp>
+      <p:grpSp>
+        <p:nvGrpSpPr>
+          <p:cNvPr id="3" name="Group 2">
+            <a:extLst>
+              <a:ext uri="{FF2B5EF4-FFF2-40B4-BE49-F238E27FC236}">
+                <a16:creationId xmlns:a16="http://schemas.microsoft.com/office/drawing/2014/main" id="{D6340022-C082-A60B-FBA0-C8A12AD1F3DF}"/>
+              </a:ext>
+            </a:extLst>
+          </p:cNvPr>
+          <p:cNvGrpSpPr/>
+          <p:nvPr/>
+        </p:nvGrpSpPr>
+        <p:grpSpPr>
+          <a:xfrm>
+            <a:off x="7939761" y="3370612"/>
+            <a:ext cx="1547280" cy="1203581"/>
+            <a:chOff x="8174059" y="3383803"/>
+            <a:chExt cx="1547280" cy="1203581"/>
+          </a:xfrm>
+        </p:grpSpPr>
+        <p:pic>
+          <p:nvPicPr>
+            <p:cNvPr id="58" name="Picture 57">
+              <a:extLst>
+                <a:ext uri="{FF2B5EF4-FFF2-40B4-BE49-F238E27FC236}">
+                  <a16:creationId xmlns:a16="http://schemas.microsoft.com/office/drawing/2014/main" id="{C90761D8-BA0C-261D-E422-4FE926A93281}"/>
+                </a:ext>
+              </a:extLst>
+            </p:cNvPr>
+            <p:cNvPicPr>
+              <a:picLocks noChangeAspect="1"/>
+            </p:cNvPicPr>
+            <p:nvPr/>
+          </p:nvPicPr>
+          <p:blipFill rotWithShape="1">
+            <a:blip r:embed="rId7"/>
+            <a:srcRect l="23752" t="27486" r="24704" b="22496"/>
+            <a:stretch/>
+          </p:blipFill>
+          <p:spPr>
+            <a:xfrm>
+              <a:off x="8174059" y="3383803"/>
+              <a:ext cx="1547280" cy="1203581"/>
+            </a:xfrm>
+            <a:prstGeom prst="rect">
+              <a:avLst/>
+            </a:prstGeom>
+          </p:spPr>
+        </p:pic>
+        <p:sp>
+          <p:nvSpPr>
+            <p:cNvPr id="95" name="TextBox 4">
+              <a:extLst>
+                <a:ext uri="{FF2B5EF4-FFF2-40B4-BE49-F238E27FC236}">
+                  <a16:creationId xmlns:a16="http://schemas.microsoft.com/office/drawing/2014/main" id="{318BB0D1-9FF0-902D-AA71-E614A52062F3}"/>
+                </a:ext>
+              </a:extLst>
+            </p:cNvPr>
+            <p:cNvSpPr/>
+            <p:nvPr/>
+          </p:nvSpPr>
+          <p:spPr>
+            <a:xfrm>
+              <a:off x="8342692" y="3543736"/>
+              <a:ext cx="1230495" cy="644877"/>
+            </a:xfrm>
+            <a:prstGeom prst="rect">
+              <a:avLst/>
+            </a:prstGeom>
+            <a:solidFill>
+              <a:schemeClr val="bg1"/>
+            </a:solidFill>
+            <a:ln w="0">
+              <a:noFill/>
+            </a:ln>
+          </p:spPr>
+          <p:style>
+            <a:lnRef idx="0">
+              <a:scrgbClr r="0" g="0" b="0"/>
+            </a:lnRef>
+            <a:fillRef idx="0">
+              <a:scrgbClr r="0" g="0" b="0"/>
+            </a:fillRef>
+            <a:effectRef idx="0">
+              <a:scrgbClr r="0" g="0" b="0"/>
+            </a:effectRef>
+            <a:fontRef idx="minor"/>
+          </p:style>
+          <p:txBody>
+            <a:bodyPr wrap="square" lIns="90000" tIns="45000" rIns="90000" bIns="45000" anchor="t">
+              <a:spAutoFit/>
+            </a:bodyPr>
+            <a:lstStyle/>
+            <a:p>
+              <a:pPr algn="ctr">
+                <a:lnSpc>
+                  <a:spcPct val="100000"/>
+                </a:lnSpc>
+                <a:buNone/>
+              </a:pPr>
+              <a:r>
+                <a:rPr lang="en-US" sz="1800" b="1" strike="noStrike" spc="-1" dirty="0">
+                  <a:solidFill>
+                    <a:srgbClr val="000000"/>
+                  </a:solidFill>
+                  <a:latin typeface="Aptos"/>
+                </a:rPr>
+                <a:t>Improved</a:t>
+              </a:r>
+              <a:br>
+                <a:rPr lang="en-US" sz="1800" b="1" strike="noStrike" spc="-1" dirty="0">
+                  <a:solidFill>
+                    <a:srgbClr val="000000"/>
+                  </a:solidFill>
+                  <a:latin typeface="Aptos"/>
+                </a:rPr>
+              </a:br>
+              <a:r>
+                <a:rPr lang="en-US" sz="1800" b="1" strike="noStrike" spc="-1" dirty="0">
+                  <a:solidFill>
+                    <a:srgbClr val="000000"/>
+                  </a:solidFill>
+                  <a:latin typeface="Aptos"/>
+                </a:rPr>
+                <a:t>Accuracy</a:t>
+              </a:r>
+              <a:endParaRPr lang="en-US" sz="1800" b="0" strike="noStrike" spc="-1" dirty="0">
+                <a:latin typeface="Arial"/>
+              </a:endParaRPr>
+            </a:p>
+          </p:txBody>
+        </p:sp>
+      </p:grpSp>
+    </p:spTree>
+    <p:extLst>
+      <p:ext uri="{BB962C8B-B14F-4D97-AF65-F5344CB8AC3E}">
+        <p14:creationId xmlns:p14="http://schemas.microsoft.com/office/powerpoint/2010/main" val="2372943418"/>
+      </p:ext>
+    </p:extLst>
+  </p:cSld>
+  <p:clrMapOvr>
+    <a:masterClrMapping/>
+  </p:clrMapOvr>
+</p:sld>
+</file>
+
 <file path=ppt/theme/theme1.xml><?xml version="1.0" encoding="utf-8"?>
 <a:theme xmlns:a="http://schemas.openxmlformats.org/drawingml/2006/main" name="Office Theme">
   <a:themeElements>
@@ -6971,7 +15431,38 @@
       </a:bgFillStyleLst>
     </a:fmtScheme>
   </a:themeElements>
-  <a:objectDefaults/>
+  <a:objectDefaults>
+    <a:spDef>
+      <a:spPr>
+        <a:noFill/>
+        <a:ln w="34925">
+          <a:solidFill>
+            <a:srgbClr val="000000"/>
+          </a:solidFill>
+          <a:tailEnd type="triangle" w="med" len="med"/>
+        </a:ln>
+        <a:effectLst/>
+      </a:spPr>
+      <a:bodyPr/>
+      <a:lstStyle>
+        <a:defPPr algn="l">
+          <a:defRPr/>
+        </a:defPPr>
+      </a:lstStyle>
+      <a:style>
+        <a:lnRef idx="2">
+          <a:schemeClr val="accent1"/>
+        </a:lnRef>
+        <a:fillRef idx="0">
+          <a:schemeClr val="accent1"/>
+        </a:fillRef>
+        <a:effectRef idx="1">
+          <a:schemeClr val="accent1"/>
+        </a:effectRef>
+        <a:fontRef idx="minor"/>
+      </a:style>
+    </a:spDef>
+  </a:objectDefaults>
   <a:extraClrSchemeLst/>
 </a:theme>
 </file>